--- a/项目文档/文档与ppt/G10SRS评审PPT.pptx
+++ b/项目文档/文档与ppt/G10SRS评审PPT.pptx
@@ -246,7 +246,7 @@
           <a:p>
             <a:fld id="{A109EA2A-4C48-4C61-B30A-DAB1A3E93B21}" type="datetimeFigureOut">
               <a:rPr lang="zh-CN" altLang="en-US" smtClean="0"/>
-              <a:t>2021/10/26</a:t>
+              <a:t>2021/10/27</a:t>
             </a:fld>
             <a:endParaRPr lang="zh-CN" altLang="en-US"/>
           </a:p>
@@ -5443,6 +5443,66 @@
           </a:p>
         </p:txBody>
       </p:sp>
+      <p:pic>
+        <p:nvPicPr>
+          <p:cNvPr id="4" name="图片 3">
+            <a:extLst>
+              <a:ext uri="{FF2B5EF4-FFF2-40B4-BE49-F238E27FC236}">
+                <a16:creationId xmlns:a16="http://schemas.microsoft.com/office/drawing/2014/main" id="{4BD90D97-6CD5-4066-AFBB-C3A14291B392}"/>
+              </a:ext>
+            </a:extLst>
+          </p:cNvPr>
+          <p:cNvPicPr>
+            <a:picLocks noChangeAspect="1"/>
+          </p:cNvPicPr>
+          <p:nvPr/>
+        </p:nvPicPr>
+        <p:blipFill>
+          <a:blip r:embed="rId3"/>
+          <a:stretch>
+            <a:fillRect/>
+          </a:stretch>
+        </p:blipFill>
+        <p:spPr>
+          <a:xfrm>
+            <a:off x="780270" y="1471112"/>
+            <a:ext cx="4900864" cy="2641566"/>
+          </a:xfrm>
+          <a:prstGeom prst="rect">
+            <a:avLst/>
+          </a:prstGeom>
+        </p:spPr>
+      </p:pic>
+      <p:pic>
+        <p:nvPicPr>
+          <p:cNvPr id="6" name="图片 5">
+            <a:extLst>
+              <a:ext uri="{FF2B5EF4-FFF2-40B4-BE49-F238E27FC236}">
+                <a16:creationId xmlns:a16="http://schemas.microsoft.com/office/drawing/2014/main" id="{ED08B02B-2C52-4508-9867-35F6E463E820}"/>
+              </a:ext>
+            </a:extLst>
+          </p:cNvPr>
+          <p:cNvPicPr>
+            <a:picLocks noChangeAspect="1"/>
+          </p:cNvPicPr>
+          <p:nvPr/>
+        </p:nvPicPr>
+        <p:blipFill>
+          <a:blip r:embed="rId4"/>
+          <a:stretch>
+            <a:fillRect/>
+          </a:stretch>
+        </p:blipFill>
+        <p:spPr>
+          <a:xfrm>
+            <a:off x="6096000" y="1195366"/>
+            <a:ext cx="4328535" cy="3193057"/>
+          </a:xfrm>
+          <a:prstGeom prst="rect">
+            <a:avLst/>
+          </a:prstGeom>
+        </p:spPr>
+      </p:pic>
     </p:spTree>
     <p:extLst>
       <p:ext uri="{BB962C8B-B14F-4D97-AF65-F5344CB8AC3E}">

--- a/项目文档/文档与ppt/G10SRS评审PPT.pptx
+++ b/项目文档/文档与ppt/G10SRS评审PPT.pptx
@@ -5,7 +5,7 @@
     <p:sldMasterId id="2147483648" r:id="rId1"/>
   </p:sldMasterIdLst>
   <p:notesMasterIdLst>
-    <p:notesMasterId r:id="rId23"/>
+    <p:notesMasterId r:id="rId22"/>
   </p:notesMasterIdLst>
   <p:sldIdLst>
     <p:sldId id="258" r:id="rId2"/>
@@ -13,41 +13,40 @@
     <p:sldId id="437" r:id="rId4"/>
     <p:sldId id="438" r:id="rId5"/>
     <p:sldId id="427" r:id="rId6"/>
-    <p:sldId id="459" r:id="rId7"/>
-    <p:sldId id="463" r:id="rId8"/>
-    <p:sldId id="356" r:id="rId9"/>
-    <p:sldId id="464" r:id="rId10"/>
-    <p:sldId id="465" r:id="rId11"/>
-    <p:sldId id="466" r:id="rId12"/>
-    <p:sldId id="467" r:id="rId13"/>
-    <p:sldId id="460" r:id="rId14"/>
-    <p:sldId id="425" r:id="rId15"/>
-    <p:sldId id="423" r:id="rId16"/>
-    <p:sldId id="422" r:id="rId17"/>
-    <p:sldId id="357" r:id="rId18"/>
-    <p:sldId id="449" r:id="rId19"/>
-    <p:sldId id="442" r:id="rId20"/>
-    <p:sldId id="462" r:id="rId21"/>
-    <p:sldId id="320" r:id="rId22"/>
+    <p:sldId id="466" r:id="rId7"/>
+    <p:sldId id="459" r:id="rId8"/>
+    <p:sldId id="463" r:id="rId9"/>
+    <p:sldId id="460" r:id="rId10"/>
+    <p:sldId id="425" r:id="rId11"/>
+    <p:sldId id="423" r:id="rId12"/>
+    <p:sldId id="422" r:id="rId13"/>
+    <p:sldId id="357" r:id="rId14"/>
+    <p:sldId id="465" r:id="rId15"/>
+    <p:sldId id="449" r:id="rId16"/>
+    <p:sldId id="464" r:id="rId17"/>
+    <p:sldId id="442" r:id="rId18"/>
+    <p:sldId id="467" r:id="rId19"/>
+    <p:sldId id="462" r:id="rId20"/>
+    <p:sldId id="320" r:id="rId21"/>
   </p:sldIdLst>
   <p:sldSz cx="12192000" cy="6858000"/>
   <p:notesSz cx="6858000" cy="9144000"/>
   <p:embeddedFontLst>
     <p:embeddedFont>
       <p:font typeface="Calibri" panose="020F0502020204030204" pitchFamily="34" charset="0"/>
-      <p:regular r:id="rId24"/>
-      <p:bold r:id="rId25"/>
-      <p:italic r:id="rId26"/>
-      <p:boldItalic r:id="rId27"/>
+      <p:regular r:id="rId23"/>
+      <p:bold r:id="rId24"/>
+      <p:italic r:id="rId25"/>
+      <p:boldItalic r:id="rId26"/>
     </p:embeddedFont>
     <p:embeddedFont>
       <p:font typeface="等线" panose="02010600030101010101" pitchFamily="2" charset="-122"/>
-      <p:regular r:id="rId28"/>
-      <p:bold r:id="rId29"/>
+      <p:regular r:id="rId27"/>
+      <p:bold r:id="rId28"/>
     </p:embeddedFont>
     <p:embeddedFont>
       <p:font typeface="黑体" panose="02010609060101010101" pitchFamily="49" charset="-122"/>
-      <p:regular r:id="rId30"/>
+      <p:regular r:id="rId29"/>
     </p:embeddedFont>
   </p:embeddedFontLst>
   <p:defaultTextStyle>
@@ -246,7 +245,7 @@
           <a:p>
             <a:fld id="{A109EA2A-4C48-4C61-B30A-DAB1A3E93B21}" type="datetimeFigureOut">
               <a:rPr lang="zh-CN" altLang="en-US" smtClean="0"/>
-              <a:t>2021/10/27</a:t>
+              <a:t>2021/11/2</a:t>
             </a:fld>
             <a:endParaRPr lang="zh-CN" altLang="en-US"/>
           </a:p>
@@ -578,7 +577,7 @@
           <a:p>
             <a:fld id="{74B31000-9408-426B-B873-D4C066E48AF8}" type="slidenum">
               <a:rPr lang="zh-CN" altLang="en-US" smtClean="0"/>
-              <a:t>8</a:t>
+              <a:t>13</a:t>
             </a:fld>
             <a:endParaRPr lang="zh-CN" altLang="en-US"/>
           </a:p>
@@ -587,7 +586,7 @@
     </p:spTree>
     <p:extLst>
       <p:ext uri="{BB962C8B-B14F-4D97-AF65-F5344CB8AC3E}">
-        <p14:creationId xmlns:p14="http://schemas.microsoft.com/office/powerpoint/2010/main" val="5036873"/>
+        <p14:creationId xmlns:p14="http://schemas.microsoft.com/office/powerpoint/2010/main" val="2250555457"/>
       </p:ext>
     </p:extLst>
   </p:cSld>
@@ -641,7 +640,56 @@
           <a:bodyPr/>
           <a:lstStyle/>
           <a:p>
-            <a:endParaRPr lang="zh-CN" altLang="en-US" b="1" dirty="0"/>
+            <a:pPr marL="0" marR="0" lvl="0" indent="0" algn="l" defTabSz="914400" rtl="0" eaLnBrk="1" fontAlgn="auto" latinLnBrk="0" hangingPunct="1">
+              <a:lnSpc>
+                <a:spcPct val="100000"/>
+              </a:lnSpc>
+              <a:spcBef>
+                <a:spcPts val="0"/>
+              </a:spcBef>
+              <a:spcAft>
+                <a:spcPts val="0"/>
+              </a:spcAft>
+              <a:buClrTx/>
+              <a:buSzTx/>
+              <a:buFontTx/>
+              <a:buNone/>
+              <a:tabLst/>
+              <a:defRPr/>
+            </a:pPr>
+            <a:r>
+              <a:rPr lang="zh-CN" altLang="en-US" sz="1200" dirty="0">
+                <a:solidFill>
+                  <a:schemeClr val="bg1"/>
+                </a:solidFill>
+                <a:latin typeface="黑体" panose="02010609060101010101" pitchFamily="49" charset="-122"/>
+                <a:ea typeface="黑体" panose="02010609060101010101" pitchFamily="49" charset="-122"/>
+              </a:rPr>
+              <a:t>我们已经将需求规格说明书上传到</a:t>
+            </a:r>
+            <a:r>
+              <a:rPr lang="en-US" altLang="zh-CN" sz="1200" dirty="0" err="1">
+                <a:solidFill>
+                  <a:schemeClr val="bg1"/>
+                </a:solidFill>
+                <a:latin typeface="黑体" panose="02010609060101010101" pitchFamily="49" charset="-122"/>
+                <a:ea typeface="黑体" panose="02010609060101010101" pitchFamily="49" charset="-122"/>
+              </a:rPr>
+              <a:t>github</a:t>
+            </a:r>
+            <a:r>
+              <a:rPr lang="zh-CN" altLang="en-US" sz="1200" dirty="0">
+                <a:solidFill>
+                  <a:schemeClr val="bg1"/>
+                </a:solidFill>
+                <a:latin typeface="黑体" panose="02010609060101010101" pitchFamily="49" charset="-122"/>
+                <a:ea typeface="黑体" panose="02010609060101010101" pitchFamily="49" charset="-122"/>
+              </a:rPr>
+              <a:t>中的团队项目里</a:t>
+            </a:r>
+          </a:p>
+          <a:p>
+            <a:endParaRPr lang="zh-CN" altLang="en-US" dirty="0"/>
           </a:p>
         </p:txBody>
       </p:sp>
@@ -652,7 +700,7 @@
             <a:spLocks noGrp="1"/>
           </p:cNvSpPr>
           <p:nvPr>
-            <p:ph type="sldNum" sz="quarter" idx="10"/>
+            <p:ph type="sldNum" sz="quarter" idx="5"/>
           </p:nvPr>
         </p:nvSpPr>
         <p:spPr/>
@@ -662,7 +710,7 @@
           <a:p>
             <a:fld id="{74B31000-9408-426B-B873-D4C066E48AF8}" type="slidenum">
               <a:rPr lang="zh-CN" altLang="en-US" smtClean="0"/>
-              <a:t>9</a:t>
+              <a:t>15</a:t>
             </a:fld>
             <a:endParaRPr lang="zh-CN" altLang="en-US"/>
           </a:p>
@@ -671,7 +719,7 @@
     </p:spTree>
     <p:extLst>
       <p:ext uri="{BB962C8B-B14F-4D97-AF65-F5344CB8AC3E}">
-        <p14:creationId xmlns:p14="http://schemas.microsoft.com/office/powerpoint/2010/main" val="3402480710"/>
+        <p14:creationId xmlns:p14="http://schemas.microsoft.com/office/powerpoint/2010/main" val="153095554"/>
       </p:ext>
     </p:extLst>
   </p:cSld>
@@ -725,7 +773,7 @@
           <a:bodyPr/>
           <a:lstStyle/>
           <a:p>
-            <a:endParaRPr lang="zh-CN" altLang="en-US" b="1" dirty="0"/>
+            <a:endParaRPr kumimoji="1" lang="zh-CN" altLang="en-US" dirty="0"/>
           </a:p>
         </p:txBody>
       </p:sp>
@@ -736,7 +784,7 @@
             <a:spLocks noGrp="1"/>
           </p:cNvSpPr>
           <p:nvPr>
-            <p:ph type="sldNum" sz="quarter" idx="10"/>
+            <p:ph type="sldNum" sz="quarter" idx="5"/>
           </p:nvPr>
         </p:nvSpPr>
         <p:spPr/>
@@ -746,7 +794,7 @@
           <a:p>
             <a:fld id="{74B31000-9408-426B-B873-D4C066E48AF8}" type="slidenum">
               <a:rPr lang="zh-CN" altLang="en-US" smtClean="0"/>
-              <a:t>10</a:t>
+              <a:t>17</a:t>
             </a:fld>
             <a:endParaRPr lang="zh-CN" altLang="en-US"/>
           </a:p>
@@ -755,7 +803,7 @@
     </p:spTree>
     <p:extLst>
       <p:ext uri="{BB962C8B-B14F-4D97-AF65-F5344CB8AC3E}">
-        <p14:creationId xmlns:p14="http://schemas.microsoft.com/office/powerpoint/2010/main" val="2781584412"/>
+        <p14:creationId xmlns:p14="http://schemas.microsoft.com/office/powerpoint/2010/main" val="2976242133"/>
       </p:ext>
     </p:extLst>
   </p:cSld>
@@ -809,7 +857,7 @@
           <a:bodyPr/>
           <a:lstStyle/>
           <a:p>
-            <a:endParaRPr lang="zh-CN" altLang="en-US" b="1" dirty="0"/>
+            <a:endParaRPr kumimoji="1" lang="zh-CN" altLang="en-US" dirty="0"/>
           </a:p>
         </p:txBody>
       </p:sp>
@@ -820,7 +868,7 @@
             <a:spLocks noGrp="1"/>
           </p:cNvSpPr>
           <p:nvPr>
-            <p:ph type="sldNum" sz="quarter" idx="10"/>
+            <p:ph type="sldNum" sz="quarter" idx="5"/>
           </p:nvPr>
         </p:nvSpPr>
         <p:spPr/>
@@ -828,78 +876,18 @@
           <a:bodyPr/>
           <a:lstStyle/>
           <a:p>
-            <a:pPr marL="0" marR="0" lvl="0" indent="0" algn="r" defTabSz="914400" rtl="0" eaLnBrk="1" fontAlgn="auto" latinLnBrk="0" hangingPunct="1">
-              <a:lnSpc>
-                <a:spcPct val="100000"/>
-              </a:lnSpc>
-              <a:spcBef>
-                <a:spcPts val="0"/>
-              </a:spcBef>
-              <a:spcAft>
-                <a:spcPts val="0"/>
-              </a:spcAft>
-              <a:buClrTx/>
-              <a:buSzTx/>
-              <a:buFontTx/>
-              <a:buNone/>
-              <a:tabLst/>
-              <a:defRPr/>
-            </a:pPr>
             <a:fld id="{74B31000-9408-426B-B873-D4C066E48AF8}" type="slidenum">
-              <a:rPr kumimoji="0" lang="zh-CN" altLang="en-US" sz="1200" b="0" i="0" u="none" strike="noStrike" kern="1200" cap="none" spc="0" normalizeH="0" baseline="0" noProof="0" smtClean="0">
-                <a:ln>
-                  <a:noFill/>
-                </a:ln>
-                <a:solidFill>
-                  <a:prstClr val="black"/>
-                </a:solidFill>
-                <a:effectLst/>
-                <a:uLnTx/>
-                <a:uFillTx/>
-                <a:latin typeface="等线"/>
-                <a:ea typeface="等线" panose="02010600030101010101" pitchFamily="2" charset="-122"/>
-                <a:cs typeface="+mn-cs"/>
-              </a:rPr>
-              <a:pPr marL="0" marR="0" lvl="0" indent="0" algn="r" defTabSz="914400" rtl="0" eaLnBrk="1" fontAlgn="auto" latinLnBrk="0" hangingPunct="1">
-                <a:lnSpc>
-                  <a:spcPct val="100000"/>
-                </a:lnSpc>
-                <a:spcBef>
-                  <a:spcPts val="0"/>
-                </a:spcBef>
-                <a:spcAft>
-                  <a:spcPts val="0"/>
-                </a:spcAft>
-                <a:buClrTx/>
-                <a:buSzTx/>
-                <a:buFontTx/>
-                <a:buNone/>
-                <a:tabLst/>
-                <a:defRPr/>
-              </a:pPr>
-              <a:t>11</a:t>
+              <a:rPr lang="zh-CN" altLang="en-US" smtClean="0"/>
+              <a:t>18</a:t>
             </a:fld>
-            <a:endParaRPr kumimoji="0" lang="zh-CN" altLang="en-US" sz="1200" b="0" i="0" u="none" strike="noStrike" kern="1200" cap="none" spc="0" normalizeH="0" baseline="0" noProof="0">
-              <a:ln>
-                <a:noFill/>
-              </a:ln>
-              <a:solidFill>
-                <a:prstClr val="black"/>
-              </a:solidFill>
-              <a:effectLst/>
-              <a:uLnTx/>
-              <a:uFillTx/>
-              <a:latin typeface="等线"/>
-              <a:ea typeface="等线" panose="02010600030101010101" pitchFamily="2" charset="-122"/>
-              <a:cs typeface="+mn-cs"/>
-            </a:endParaRPr>
+            <a:endParaRPr lang="zh-CN" altLang="en-US"/>
           </a:p>
         </p:txBody>
       </p:sp>
     </p:spTree>
     <p:extLst>
       <p:ext uri="{BB962C8B-B14F-4D97-AF65-F5344CB8AC3E}">
-        <p14:creationId xmlns:p14="http://schemas.microsoft.com/office/powerpoint/2010/main" val="1695971790"/>
+        <p14:creationId xmlns:p14="http://schemas.microsoft.com/office/powerpoint/2010/main" val="3782535333"/>
       </p:ext>
     </p:extLst>
   </p:cSld>
@@ -953,284 +941,7 @@
           <a:bodyPr/>
           <a:lstStyle/>
           <a:p>
-            <a:endParaRPr lang="zh-CN" altLang="en-US" b="1" dirty="0"/>
-          </a:p>
-        </p:txBody>
-      </p:sp>
-      <p:sp>
-        <p:nvSpPr>
-          <p:cNvPr id="4" name="灯片编号占位符 3"/>
-          <p:cNvSpPr>
-            <a:spLocks noGrp="1"/>
-          </p:cNvSpPr>
-          <p:nvPr>
-            <p:ph type="sldNum" sz="quarter" idx="10"/>
-          </p:nvPr>
-        </p:nvSpPr>
-        <p:spPr/>
-        <p:txBody>
-          <a:bodyPr/>
-          <a:lstStyle/>
-          <a:p>
-            <a:pPr marL="0" marR="0" lvl="0" indent="0" algn="r" defTabSz="914400" rtl="0" eaLnBrk="1" fontAlgn="auto" latinLnBrk="0" hangingPunct="1">
-              <a:lnSpc>
-                <a:spcPct val="100000"/>
-              </a:lnSpc>
-              <a:spcBef>
-                <a:spcPts val="0"/>
-              </a:spcBef>
-              <a:spcAft>
-                <a:spcPts val="0"/>
-              </a:spcAft>
-              <a:buClrTx/>
-              <a:buSzTx/>
-              <a:buFontTx/>
-              <a:buNone/>
-              <a:tabLst/>
-              <a:defRPr/>
-            </a:pPr>
-            <a:fld id="{74B31000-9408-426B-B873-D4C066E48AF8}" type="slidenum">
-              <a:rPr kumimoji="0" lang="zh-CN" altLang="en-US" sz="1200" b="0" i="0" u="none" strike="noStrike" kern="1200" cap="none" spc="0" normalizeH="0" baseline="0" noProof="0" smtClean="0">
-                <a:ln>
-                  <a:noFill/>
-                </a:ln>
-                <a:solidFill>
-                  <a:prstClr val="black"/>
-                </a:solidFill>
-                <a:effectLst/>
-                <a:uLnTx/>
-                <a:uFillTx/>
-                <a:latin typeface="等线"/>
-                <a:ea typeface="等线" panose="02010600030101010101" pitchFamily="2" charset="-122"/>
-                <a:cs typeface="+mn-cs"/>
-              </a:rPr>
-              <a:pPr marL="0" marR="0" lvl="0" indent="0" algn="r" defTabSz="914400" rtl="0" eaLnBrk="1" fontAlgn="auto" latinLnBrk="0" hangingPunct="1">
-                <a:lnSpc>
-                  <a:spcPct val="100000"/>
-                </a:lnSpc>
-                <a:spcBef>
-                  <a:spcPts val="0"/>
-                </a:spcBef>
-                <a:spcAft>
-                  <a:spcPts val="0"/>
-                </a:spcAft>
-                <a:buClrTx/>
-                <a:buSzTx/>
-                <a:buFontTx/>
-                <a:buNone/>
-                <a:tabLst/>
-                <a:defRPr/>
-              </a:pPr>
-              <a:t>12</a:t>
-            </a:fld>
-            <a:endParaRPr kumimoji="0" lang="zh-CN" altLang="en-US" sz="1200" b="0" i="0" u="none" strike="noStrike" kern="1200" cap="none" spc="0" normalizeH="0" baseline="0" noProof="0">
-              <a:ln>
-                <a:noFill/>
-              </a:ln>
-              <a:solidFill>
-                <a:prstClr val="black"/>
-              </a:solidFill>
-              <a:effectLst/>
-              <a:uLnTx/>
-              <a:uFillTx/>
-              <a:latin typeface="等线"/>
-              <a:ea typeface="等线" panose="02010600030101010101" pitchFamily="2" charset="-122"/>
-              <a:cs typeface="+mn-cs"/>
-            </a:endParaRPr>
-          </a:p>
-        </p:txBody>
-      </p:sp>
-    </p:spTree>
-    <p:extLst>
-      <p:ext uri="{BB962C8B-B14F-4D97-AF65-F5344CB8AC3E}">
-        <p14:creationId xmlns:p14="http://schemas.microsoft.com/office/powerpoint/2010/main" val="677633817"/>
-      </p:ext>
-    </p:extLst>
-  </p:cSld>
-  <p:clrMapOvr>
-    <a:masterClrMapping/>
-  </p:clrMapOvr>
-</p:notes>
-</file>
-
-<file path=ppt/notesSlides/notesSlide6.xml><?xml version="1.0" encoding="utf-8"?>
-<p:notes xmlns:a="http://schemas.openxmlformats.org/drawingml/2006/main" xmlns:r="http://schemas.openxmlformats.org/officeDocument/2006/relationships" xmlns:p="http://schemas.openxmlformats.org/presentationml/2006/main">
-  <p:cSld>
-    <p:spTree>
-      <p:nvGrpSpPr>
-        <p:cNvPr id="1" name=""/>
-        <p:cNvGrpSpPr/>
-        <p:nvPr/>
-      </p:nvGrpSpPr>
-      <p:grpSpPr>
-        <a:xfrm>
-          <a:off x="0" y="0"/>
-          <a:ext cx="0" cy="0"/>
-          <a:chOff x="0" y="0"/>
-          <a:chExt cx="0" cy="0"/>
-        </a:xfrm>
-      </p:grpSpPr>
-      <p:sp>
-        <p:nvSpPr>
-          <p:cNvPr id="2" name="幻灯片图像占位符 1"/>
-          <p:cNvSpPr>
-            <a:spLocks noGrp="1" noRot="1" noChangeAspect="1"/>
-          </p:cNvSpPr>
-          <p:nvPr>
-            <p:ph type="sldImg"/>
-          </p:nvPr>
-        </p:nvSpPr>
-        <p:spPr/>
-      </p:sp>
-      <p:sp>
-        <p:nvSpPr>
-          <p:cNvPr id="3" name="备注占位符 2"/>
-          <p:cNvSpPr>
-            <a:spLocks noGrp="1"/>
-          </p:cNvSpPr>
-          <p:nvPr>
-            <p:ph type="body" idx="1"/>
-          </p:nvPr>
-        </p:nvSpPr>
-        <p:spPr/>
-        <p:txBody>
-          <a:bodyPr/>
-          <a:lstStyle/>
-          <a:p>
-            <a:endParaRPr lang="zh-CN" altLang="en-US" b="1" dirty="0"/>
-          </a:p>
-        </p:txBody>
-      </p:sp>
-      <p:sp>
-        <p:nvSpPr>
-          <p:cNvPr id="4" name="灯片编号占位符 3"/>
-          <p:cNvSpPr>
-            <a:spLocks noGrp="1"/>
-          </p:cNvSpPr>
-          <p:nvPr>
-            <p:ph type="sldNum" sz="quarter" idx="10"/>
-          </p:nvPr>
-        </p:nvSpPr>
-        <p:spPr/>
-        <p:txBody>
-          <a:bodyPr/>
-          <a:lstStyle/>
-          <a:p>
-            <a:fld id="{74B31000-9408-426B-B873-D4C066E48AF8}" type="slidenum">
-              <a:rPr lang="zh-CN" altLang="en-US" smtClean="0"/>
-              <a:t>17</a:t>
-            </a:fld>
-            <a:endParaRPr lang="zh-CN" altLang="en-US"/>
-          </a:p>
-        </p:txBody>
-      </p:sp>
-    </p:spTree>
-    <p:extLst>
-      <p:ext uri="{BB962C8B-B14F-4D97-AF65-F5344CB8AC3E}">
-        <p14:creationId xmlns:p14="http://schemas.microsoft.com/office/powerpoint/2010/main" val="2250555457"/>
-      </p:ext>
-    </p:extLst>
-  </p:cSld>
-  <p:clrMapOvr>
-    <a:masterClrMapping/>
-  </p:clrMapOvr>
-</p:notes>
-</file>
-
-<file path=ppt/notesSlides/notesSlide7.xml><?xml version="1.0" encoding="utf-8"?>
-<p:notes xmlns:a="http://schemas.openxmlformats.org/drawingml/2006/main" xmlns:r="http://schemas.openxmlformats.org/officeDocument/2006/relationships" xmlns:p="http://schemas.openxmlformats.org/presentationml/2006/main">
-  <p:cSld>
-    <p:spTree>
-      <p:nvGrpSpPr>
-        <p:cNvPr id="1" name=""/>
-        <p:cNvGrpSpPr/>
-        <p:nvPr/>
-      </p:nvGrpSpPr>
-      <p:grpSpPr>
-        <a:xfrm>
-          <a:off x="0" y="0"/>
-          <a:ext cx="0" cy="0"/>
-          <a:chOff x="0" y="0"/>
-          <a:chExt cx="0" cy="0"/>
-        </a:xfrm>
-      </p:grpSpPr>
-      <p:sp>
-        <p:nvSpPr>
-          <p:cNvPr id="2" name="幻灯片图像占位符 1"/>
-          <p:cNvSpPr>
-            <a:spLocks noGrp="1" noRot="1" noChangeAspect="1"/>
-          </p:cNvSpPr>
-          <p:nvPr>
-            <p:ph type="sldImg"/>
-          </p:nvPr>
-        </p:nvSpPr>
-        <p:spPr/>
-      </p:sp>
-      <p:sp>
-        <p:nvSpPr>
-          <p:cNvPr id="3" name="备注占位符 2"/>
-          <p:cNvSpPr>
-            <a:spLocks noGrp="1"/>
-          </p:cNvSpPr>
-          <p:nvPr>
-            <p:ph type="body" idx="1"/>
-          </p:nvPr>
-        </p:nvSpPr>
-        <p:spPr/>
-        <p:txBody>
-          <a:bodyPr/>
-          <a:lstStyle/>
-          <a:p>
-            <a:pPr marL="0" marR="0" lvl="0" indent="0" algn="l" defTabSz="914400" rtl="0" eaLnBrk="1" fontAlgn="auto" latinLnBrk="0" hangingPunct="1">
-              <a:lnSpc>
-                <a:spcPct val="100000"/>
-              </a:lnSpc>
-              <a:spcBef>
-                <a:spcPts val="0"/>
-              </a:spcBef>
-              <a:spcAft>
-                <a:spcPts val="0"/>
-              </a:spcAft>
-              <a:buClrTx/>
-              <a:buSzTx/>
-              <a:buFontTx/>
-              <a:buNone/>
-              <a:tabLst/>
-              <a:defRPr/>
-            </a:pPr>
-            <a:r>
-              <a:rPr lang="zh-CN" altLang="en-US" sz="1200" dirty="0">
-                <a:solidFill>
-                  <a:schemeClr val="bg1"/>
-                </a:solidFill>
-                <a:latin typeface="黑体" panose="02010609060101010101" pitchFamily="49" charset="-122"/>
-                <a:ea typeface="黑体" panose="02010609060101010101" pitchFamily="49" charset="-122"/>
-              </a:rPr>
-              <a:t>我们已经将需求规格说明书上传到</a:t>
-            </a:r>
-            <a:r>
-              <a:rPr lang="en-US" altLang="zh-CN" sz="1200" dirty="0" err="1">
-                <a:solidFill>
-                  <a:schemeClr val="bg1"/>
-                </a:solidFill>
-                <a:latin typeface="黑体" panose="02010609060101010101" pitchFamily="49" charset="-122"/>
-                <a:ea typeface="黑体" panose="02010609060101010101" pitchFamily="49" charset="-122"/>
-              </a:rPr>
-              <a:t>github</a:t>
-            </a:r>
-            <a:r>
-              <a:rPr lang="zh-CN" altLang="en-US" sz="1200" dirty="0">
-                <a:solidFill>
-                  <a:schemeClr val="bg1"/>
-                </a:solidFill>
-                <a:latin typeface="黑体" panose="02010609060101010101" pitchFamily="49" charset="-122"/>
-                <a:ea typeface="黑体" panose="02010609060101010101" pitchFamily="49" charset="-122"/>
-              </a:rPr>
-              <a:t>中的团队项目里</a:t>
-            </a:r>
-          </a:p>
-          <a:p>
-            <a:endParaRPr lang="zh-CN" altLang="en-US" dirty="0"/>
+            <a:endParaRPr kumimoji="1" lang="zh-CN" altLang="en-US" dirty="0"/>
           </a:p>
         </p:txBody>
       </p:sp>
@@ -1251,175 +962,7 @@
           <a:p>
             <a:fld id="{74B31000-9408-426B-B873-D4C066E48AF8}" type="slidenum">
               <a:rPr lang="zh-CN" altLang="en-US" smtClean="0"/>
-              <a:t>18</a:t>
-            </a:fld>
-            <a:endParaRPr lang="zh-CN" altLang="en-US"/>
-          </a:p>
-        </p:txBody>
-      </p:sp>
-    </p:spTree>
-    <p:extLst>
-      <p:ext uri="{BB962C8B-B14F-4D97-AF65-F5344CB8AC3E}">
-        <p14:creationId xmlns:p14="http://schemas.microsoft.com/office/powerpoint/2010/main" val="153095554"/>
-      </p:ext>
-    </p:extLst>
-  </p:cSld>
-  <p:clrMapOvr>
-    <a:masterClrMapping/>
-  </p:clrMapOvr>
-</p:notes>
-</file>
-
-<file path=ppt/notesSlides/notesSlide8.xml><?xml version="1.0" encoding="utf-8"?>
-<p:notes xmlns:a="http://schemas.openxmlformats.org/drawingml/2006/main" xmlns:r="http://schemas.openxmlformats.org/officeDocument/2006/relationships" xmlns:p="http://schemas.openxmlformats.org/presentationml/2006/main">
-  <p:cSld>
-    <p:spTree>
-      <p:nvGrpSpPr>
-        <p:cNvPr id="1" name=""/>
-        <p:cNvGrpSpPr/>
-        <p:nvPr/>
-      </p:nvGrpSpPr>
-      <p:grpSpPr>
-        <a:xfrm>
-          <a:off x="0" y="0"/>
-          <a:ext cx="0" cy="0"/>
-          <a:chOff x="0" y="0"/>
-          <a:chExt cx="0" cy="0"/>
-        </a:xfrm>
-      </p:grpSpPr>
-      <p:sp>
-        <p:nvSpPr>
-          <p:cNvPr id="2" name="幻灯片图像占位符 1"/>
-          <p:cNvSpPr>
-            <a:spLocks noGrp="1" noRot="1" noChangeAspect="1"/>
-          </p:cNvSpPr>
-          <p:nvPr>
-            <p:ph type="sldImg"/>
-          </p:nvPr>
-        </p:nvSpPr>
-        <p:spPr/>
-      </p:sp>
-      <p:sp>
-        <p:nvSpPr>
-          <p:cNvPr id="3" name="备注占位符 2"/>
-          <p:cNvSpPr>
-            <a:spLocks noGrp="1"/>
-          </p:cNvSpPr>
-          <p:nvPr>
-            <p:ph type="body" idx="1"/>
-          </p:nvPr>
-        </p:nvSpPr>
-        <p:spPr/>
-        <p:txBody>
-          <a:bodyPr/>
-          <a:lstStyle/>
-          <a:p>
-            <a:endParaRPr kumimoji="1" lang="zh-CN" altLang="en-US" dirty="0"/>
-          </a:p>
-        </p:txBody>
-      </p:sp>
-      <p:sp>
-        <p:nvSpPr>
-          <p:cNvPr id="4" name="灯片编号占位符 3"/>
-          <p:cNvSpPr>
-            <a:spLocks noGrp="1"/>
-          </p:cNvSpPr>
-          <p:nvPr>
-            <p:ph type="sldNum" sz="quarter" idx="5"/>
-          </p:nvPr>
-        </p:nvSpPr>
-        <p:spPr/>
-        <p:txBody>
-          <a:bodyPr/>
-          <a:lstStyle/>
-          <a:p>
-            <a:fld id="{74B31000-9408-426B-B873-D4C066E48AF8}" type="slidenum">
-              <a:rPr lang="zh-CN" altLang="en-US" smtClean="0"/>
               <a:t>19</a:t>
-            </a:fld>
-            <a:endParaRPr lang="zh-CN" altLang="en-US"/>
-          </a:p>
-        </p:txBody>
-      </p:sp>
-    </p:spTree>
-    <p:extLst>
-      <p:ext uri="{BB962C8B-B14F-4D97-AF65-F5344CB8AC3E}">
-        <p14:creationId xmlns:p14="http://schemas.microsoft.com/office/powerpoint/2010/main" val="2976242133"/>
-      </p:ext>
-    </p:extLst>
-  </p:cSld>
-  <p:clrMapOvr>
-    <a:masterClrMapping/>
-  </p:clrMapOvr>
-</p:notes>
-</file>
-
-<file path=ppt/notesSlides/notesSlide9.xml><?xml version="1.0" encoding="utf-8"?>
-<p:notes xmlns:a="http://schemas.openxmlformats.org/drawingml/2006/main" xmlns:r="http://schemas.openxmlformats.org/officeDocument/2006/relationships" xmlns:p="http://schemas.openxmlformats.org/presentationml/2006/main">
-  <p:cSld>
-    <p:spTree>
-      <p:nvGrpSpPr>
-        <p:cNvPr id="1" name=""/>
-        <p:cNvGrpSpPr/>
-        <p:nvPr/>
-      </p:nvGrpSpPr>
-      <p:grpSpPr>
-        <a:xfrm>
-          <a:off x="0" y="0"/>
-          <a:ext cx="0" cy="0"/>
-          <a:chOff x="0" y="0"/>
-          <a:chExt cx="0" cy="0"/>
-        </a:xfrm>
-      </p:grpSpPr>
-      <p:sp>
-        <p:nvSpPr>
-          <p:cNvPr id="2" name="幻灯片图像占位符 1"/>
-          <p:cNvSpPr>
-            <a:spLocks noGrp="1" noRot="1" noChangeAspect="1"/>
-          </p:cNvSpPr>
-          <p:nvPr>
-            <p:ph type="sldImg"/>
-          </p:nvPr>
-        </p:nvSpPr>
-        <p:spPr/>
-      </p:sp>
-      <p:sp>
-        <p:nvSpPr>
-          <p:cNvPr id="3" name="备注占位符 2"/>
-          <p:cNvSpPr>
-            <a:spLocks noGrp="1"/>
-          </p:cNvSpPr>
-          <p:nvPr>
-            <p:ph type="body" idx="1"/>
-          </p:nvPr>
-        </p:nvSpPr>
-        <p:spPr/>
-        <p:txBody>
-          <a:bodyPr/>
-          <a:lstStyle/>
-          <a:p>
-            <a:endParaRPr kumimoji="1" lang="zh-CN" altLang="en-US" dirty="0"/>
-          </a:p>
-        </p:txBody>
-      </p:sp>
-      <p:sp>
-        <p:nvSpPr>
-          <p:cNvPr id="4" name="灯片编号占位符 3"/>
-          <p:cNvSpPr>
-            <a:spLocks noGrp="1"/>
-          </p:cNvSpPr>
-          <p:nvPr>
-            <p:ph type="sldNum" sz="quarter" idx="5"/>
-          </p:nvPr>
-        </p:nvSpPr>
-        <p:spPr/>
-        <p:txBody>
-          <a:bodyPr/>
-          <a:lstStyle/>
-          <a:p>
-            <a:fld id="{74B31000-9408-426B-B873-D4C066E48AF8}" type="slidenum">
-              <a:rPr lang="zh-CN" altLang="en-US" smtClean="0"/>
-              <a:t>20</a:t>
             </a:fld>
             <a:endParaRPr lang="zh-CN" altLang="en-US"/>
           </a:p>
@@ -2015,7 +1558,7 @@
         </p:nvSpPr>
         <p:spPr>
           <a:xfrm>
-            <a:off x="-186994" y="0"/>
+            <a:off x="-2808274" y="-165463"/>
             <a:ext cx="10747169" cy="5839658"/>
           </a:xfrm>
           <a:custGeom>
@@ -2327,13 +1870,19 @@
       </p:grpSpPr>
       <p:sp>
         <p:nvSpPr>
-          <p:cNvPr id="3" name="矩形 2"/>
+          <p:cNvPr id="3" name="矩形 2">
+            <a:extLst>
+              <a:ext uri="{FF2B5EF4-FFF2-40B4-BE49-F238E27FC236}">
+                <a16:creationId xmlns:a16="http://schemas.microsoft.com/office/drawing/2014/main" id="{6A191CAE-99AF-43E6-B56E-28AE7D5328BF}"/>
+              </a:ext>
+            </a:extLst>
+          </p:cNvPr>
           <p:cNvSpPr/>
           <p:nvPr/>
         </p:nvSpPr>
         <p:spPr>
           <a:xfrm>
-            <a:off x="166713" y="83305"/>
+            <a:off x="226725" y="98886"/>
             <a:ext cx="1422184" cy="461665"/>
           </a:xfrm>
           <a:prstGeom prst="rect">
@@ -2354,106 +1903,30 @@
                     <a:lumOff val="25000"/>
                   </a:schemeClr>
                 </a:solidFill>
-                <a:latin typeface="黑体" panose="02010609060101010101" charset="-122"/>
-                <a:ea typeface="黑体" panose="02010609060101010101" charset="-122"/>
-              </a:rPr>
-              <a:t>需求冲突</a:t>
-            </a:r>
-          </a:p>
-        </p:txBody>
-      </p:sp>
-      <p:sp>
-        <p:nvSpPr>
-          <p:cNvPr id="6" name="文本框 5"/>
+                <a:latin typeface="黑体"/>
+                <a:ea typeface="黑体"/>
+              </a:rPr>
+              <a:t>数据字典</a:t>
+            </a:r>
+          </a:p>
+        </p:txBody>
+      </p:sp>
+      <p:sp>
+        <p:nvSpPr>
+          <p:cNvPr id="2" name="文本框 1">
+            <a:extLst>
+              <a:ext uri="{FF2B5EF4-FFF2-40B4-BE49-F238E27FC236}">
+                <a16:creationId xmlns:a16="http://schemas.microsoft.com/office/drawing/2014/main" id="{FD2FD517-986E-C747-A021-CE65C12170DA}"/>
+              </a:ext>
+            </a:extLst>
+          </p:cNvPr>
           <p:cNvSpPr txBox="1"/>
           <p:nvPr/>
         </p:nvSpPr>
         <p:spPr>
           <a:xfrm>
-            <a:off x="1457011" y="1659653"/>
-            <a:ext cx="9202615" cy="461665"/>
-          </a:xfrm>
-          <a:prstGeom prst="rect">
-            <a:avLst/>
-          </a:prstGeom>
-        </p:spPr>
-        <p:txBody>
-          <a:bodyPr rot="0" spcFirstLastPara="0" vertOverflow="overflow" horzOverflow="overflow" vert="horz" wrap="square" lIns="91440" tIns="45720" rIns="91440" bIns="45720" numCol="1" spcCol="0" rtlCol="0" fromWordArt="0" anchor="t" anchorCtr="0" forceAA="0" compatLnSpc="1">
-            <a:spAutoFit/>
-          </a:bodyPr>
-          <a:lstStyle/>
-          <a:p>
-            <a:endParaRPr lang="zh-CN" sz="2400" dirty="0">
-              <a:latin typeface="宋体" panose="02010600030101010101" pitchFamily="2" charset="-122"/>
-              <a:ea typeface="宋体" panose="02010600030101010101" pitchFamily="2" charset="-122"/>
-            </a:endParaRPr>
-          </a:p>
-        </p:txBody>
-      </p:sp>
-      <p:sp>
-        <p:nvSpPr>
-          <p:cNvPr id="9" name="矩形 8"/>
-          <p:cNvSpPr/>
-          <p:nvPr/>
-        </p:nvSpPr>
-        <p:spPr>
-          <a:xfrm>
-            <a:off x="1226819" y="1790999"/>
-            <a:ext cx="9949581" cy="1332212"/>
-          </a:xfrm>
-          <a:prstGeom prst="rect">
-            <a:avLst/>
-          </a:prstGeom>
-          <a:solidFill>
-            <a:schemeClr val="tx1">
-              <a:lumMod val="85000"/>
-              <a:lumOff val="15000"/>
-              <a:alpha val="70000"/>
-            </a:schemeClr>
-          </a:solidFill>
-          <a:ln>
-            <a:noFill/>
-          </a:ln>
-        </p:spPr>
-        <p:style>
-          <a:lnRef idx="2">
-            <a:schemeClr val="accent1">
-              <a:shade val="50000"/>
-            </a:schemeClr>
-          </a:lnRef>
-          <a:fillRef idx="1">
-            <a:schemeClr val="accent1"/>
-          </a:fillRef>
-          <a:effectRef idx="0">
-            <a:schemeClr val="accent1"/>
-          </a:effectRef>
-          <a:fontRef idx="minor">
-            <a:schemeClr val="lt1"/>
-          </a:fontRef>
-        </p:style>
-        <p:txBody>
-          <a:bodyPr rtlCol="0" anchor="ctr"/>
-          <a:lstStyle/>
-          <a:p>
-            <a:pPr algn="ctr"/>
-            <a:endParaRPr lang="zh-CN" altLang="en-US" dirty="0">
-              <a:solidFill>
-                <a:schemeClr val="bg1"/>
-              </a:solidFill>
-            </a:endParaRPr>
-          </a:p>
-        </p:txBody>
-      </p:sp>
-      <p:sp>
-        <p:nvSpPr>
-          <p:cNvPr id="2" name="文本框 1"/>
-          <p:cNvSpPr txBox="1"/>
-          <p:nvPr/>
-        </p:nvSpPr>
-        <p:spPr>
-          <a:xfrm>
-            <a:off x="4818743" y="1321632"/>
-            <a:ext cx="184731" cy="369332"/>
+            <a:off x="8129247" y="6411733"/>
+            <a:ext cx="3877985" cy="369332"/>
           </a:xfrm>
           <a:prstGeom prst="rect">
             <a:avLst/>
@@ -2466,216 +1939,145 @@
           </a:bodyPr>
           <a:lstStyle/>
           <a:p>
-            <a:endParaRPr lang="zh-CN" altLang="en-US" dirty="0"/>
-          </a:p>
-        </p:txBody>
-      </p:sp>
-      <p:sp>
-        <p:nvSpPr>
-          <p:cNvPr id="4" name="矩形 3"/>
-          <p:cNvSpPr/>
-          <p:nvPr/>
-        </p:nvSpPr>
-        <p:spPr>
-          <a:xfrm>
-            <a:off x="1226820" y="1176386"/>
-            <a:ext cx="1422184" cy="461665"/>
-          </a:xfrm>
-          <a:prstGeom prst="rect">
-            <a:avLst/>
-          </a:prstGeom>
-        </p:spPr>
-        <p:txBody>
-          <a:bodyPr wrap="none" anchor="t">
+            <a:r>
+              <a:rPr kumimoji="1" lang="zh-CN" altLang="en-US" dirty="0"/>
+              <a:t>详细数据字典可以在相关文档中查看</a:t>
+            </a:r>
+          </a:p>
+        </p:txBody>
+      </p:sp>
+      <p:pic>
+        <p:nvPicPr>
+          <p:cNvPr id="5" name="图片 4">
+            <a:extLst>
+              <a:ext uri="{FF2B5EF4-FFF2-40B4-BE49-F238E27FC236}">
+                <a16:creationId xmlns:a16="http://schemas.microsoft.com/office/drawing/2014/main" id="{4BE24FD0-348E-4717-B24F-8A4E7A1C8F77}"/>
+              </a:ext>
+            </a:extLst>
+          </p:cNvPr>
+          <p:cNvPicPr>
+            <a:picLocks noChangeAspect="1"/>
+          </p:cNvPicPr>
+          <p:nvPr/>
+        </p:nvPicPr>
+        <p:blipFill>
+          <a:blip r:embed="rId2"/>
+          <a:stretch>
+            <a:fillRect/>
+          </a:stretch>
+        </p:blipFill>
+        <p:spPr>
+          <a:xfrm>
+            <a:off x="165780" y="1863348"/>
+            <a:ext cx="6492067" cy="4316580"/>
+          </a:xfrm>
+          <a:prstGeom prst="rect">
+            <a:avLst/>
+          </a:prstGeom>
+        </p:spPr>
+      </p:pic>
+      <p:pic>
+        <p:nvPicPr>
+          <p:cNvPr id="9" name="图片 8">
+            <a:extLst>
+              <a:ext uri="{FF2B5EF4-FFF2-40B4-BE49-F238E27FC236}">
+                <a16:creationId xmlns:a16="http://schemas.microsoft.com/office/drawing/2014/main" id="{DA897E56-D269-4739-94D4-3DE5696EEE6F}"/>
+              </a:ext>
+            </a:extLst>
+          </p:cNvPr>
+          <p:cNvPicPr>
+            <a:picLocks noChangeAspect="1"/>
+          </p:cNvPicPr>
+          <p:nvPr/>
+        </p:nvPicPr>
+        <p:blipFill>
+          <a:blip r:embed="rId3"/>
+          <a:stretch>
+            <a:fillRect/>
+          </a:stretch>
+        </p:blipFill>
+        <p:spPr>
+          <a:xfrm>
+            <a:off x="6281502" y="231377"/>
+            <a:ext cx="5593565" cy="6180356"/>
+          </a:xfrm>
+          <a:prstGeom prst="rect">
+            <a:avLst/>
+          </a:prstGeom>
+        </p:spPr>
+      </p:pic>
+      <p:sp>
+        <p:nvSpPr>
+          <p:cNvPr id="4" name="文本框 3">
+            <a:extLst>
+              <a:ext uri="{FF2B5EF4-FFF2-40B4-BE49-F238E27FC236}">
+                <a16:creationId xmlns:a16="http://schemas.microsoft.com/office/drawing/2014/main" id="{F1A0255A-1976-4678-9045-DEE896908C29}"/>
+              </a:ext>
+            </a:extLst>
+          </p:cNvPr>
+          <p:cNvSpPr txBox="1"/>
+          <p:nvPr/>
+        </p:nvSpPr>
+        <p:spPr>
+          <a:xfrm>
+            <a:off x="226725" y="678072"/>
+            <a:ext cx="5479808" cy="923330"/>
+          </a:xfrm>
+          <a:prstGeom prst="rect">
+            <a:avLst/>
+          </a:prstGeom>
+          <a:noFill/>
+        </p:spPr>
+        <p:txBody>
+          <a:bodyPr wrap="square" rtlCol="0">
             <a:spAutoFit/>
           </a:bodyPr>
           <a:lstStyle/>
           <a:p>
             <a:r>
-              <a:rPr lang="zh-CN" altLang="en-US" sz="2400" b="1" dirty="0">
-                <a:solidFill>
-                  <a:srgbClr val="449F9E"/>
-                </a:solidFill>
-                <a:uFillTx/>
-                <a:latin typeface="黑体" panose="02010609060101010101" charset="-122"/>
-                <a:ea typeface="黑体" panose="02010609060101010101" charset="-122"/>
-              </a:rPr>
-              <a:t>潜在冲突</a:t>
-            </a:r>
-          </a:p>
-        </p:txBody>
-      </p:sp>
-      <p:sp>
-        <p:nvSpPr>
-          <p:cNvPr id="7" name="文本框 6"/>
-          <p:cNvSpPr txBox="1"/>
-          <p:nvPr/>
-        </p:nvSpPr>
-        <p:spPr>
-          <a:xfrm>
-            <a:off x="1240370" y="1912597"/>
-            <a:ext cx="9890206" cy="461665"/>
-          </a:xfrm>
-          <a:prstGeom prst="rect">
-            <a:avLst/>
-          </a:prstGeom>
-        </p:spPr>
-        <p:txBody>
-          <a:bodyPr rot="0" spcFirstLastPara="0" vertOverflow="overflow" horzOverflow="overflow" vert="horz" wrap="square" lIns="91440" tIns="45720" rIns="91440" bIns="45720" numCol="1" spcCol="0" rtlCol="0" fromWordArt="0" anchor="t" anchorCtr="0" forceAA="0" compatLnSpc="1">
-            <a:spAutoFit/>
-          </a:bodyPr>
-          <a:lstStyle/>
-          <a:p>
-            <a:r>
-              <a:rPr lang="zh-CN" altLang="en-US" sz="2400" dirty="0">
-                <a:solidFill>
-                  <a:schemeClr val="bg1"/>
-                </a:solidFill>
-              </a:rPr>
-              <a:t>      用户认为在任务概览界面中也应该有任务添加、删除、修改等功能</a:t>
-            </a:r>
-          </a:p>
-        </p:txBody>
-      </p:sp>
-      <p:sp>
-        <p:nvSpPr>
-          <p:cNvPr id="12" name="矩形 11"/>
-          <p:cNvSpPr/>
-          <p:nvPr/>
-        </p:nvSpPr>
-        <p:spPr>
-          <a:xfrm>
-            <a:off x="1180995" y="4639441"/>
-            <a:ext cx="9949581" cy="1332212"/>
-          </a:xfrm>
-          <a:prstGeom prst="rect">
-            <a:avLst/>
-          </a:prstGeom>
-          <a:solidFill>
-            <a:schemeClr val="tx1">
-              <a:lumMod val="85000"/>
-              <a:lumOff val="15000"/>
-              <a:alpha val="70000"/>
-            </a:schemeClr>
-          </a:solidFill>
-          <a:ln>
-            <a:noFill/>
-          </a:ln>
-        </p:spPr>
-        <p:style>
-          <a:lnRef idx="2">
-            <a:schemeClr val="accent1">
-              <a:shade val="50000"/>
-            </a:schemeClr>
-          </a:lnRef>
-          <a:fillRef idx="1">
-            <a:schemeClr val="accent1"/>
-          </a:fillRef>
-          <a:effectRef idx="0">
-            <a:schemeClr val="accent1"/>
-          </a:effectRef>
-          <a:fontRef idx="minor">
-            <a:schemeClr val="lt1"/>
-          </a:fontRef>
-        </p:style>
-        <p:txBody>
-          <a:bodyPr rtlCol="0" anchor="ctr"/>
-          <a:lstStyle/>
-          <a:p>
-            <a:pPr algn="ctr"/>
-            <a:endParaRPr lang="zh-CN" altLang="en-US" dirty="0">
-              <a:solidFill>
-                <a:schemeClr val="bg1"/>
-              </a:solidFill>
-            </a:endParaRPr>
-          </a:p>
-        </p:txBody>
-      </p:sp>
-      <p:sp>
-        <p:nvSpPr>
-          <p:cNvPr id="14" name="矩形 13"/>
-          <p:cNvSpPr/>
-          <p:nvPr/>
-        </p:nvSpPr>
-        <p:spPr>
-          <a:xfrm>
-            <a:off x="1226820" y="3945009"/>
-            <a:ext cx="1422184" cy="461665"/>
-          </a:xfrm>
-          <a:prstGeom prst="rect">
-            <a:avLst/>
-          </a:prstGeom>
-        </p:spPr>
-        <p:txBody>
-          <a:bodyPr wrap="none" anchor="t">
-            <a:spAutoFit/>
-          </a:bodyPr>
-          <a:lstStyle/>
-          <a:p>
-            <a:r>
-              <a:rPr lang="zh-CN" altLang="en-US" sz="2400" b="1" dirty="0">
-                <a:solidFill>
-                  <a:srgbClr val="6C92C0"/>
-                </a:solidFill>
-                <a:uFillTx/>
-                <a:latin typeface="黑体" panose="02010609060101010101" charset="-122"/>
-                <a:ea typeface="黑体" panose="02010609060101010101" charset="-122"/>
-              </a:rPr>
-              <a:t>冲突解决</a:t>
-            </a:r>
-          </a:p>
-        </p:txBody>
-      </p:sp>
-      <p:sp>
-        <p:nvSpPr>
-          <p:cNvPr id="15" name="文本框 14"/>
-          <p:cNvSpPr txBox="1"/>
-          <p:nvPr/>
-        </p:nvSpPr>
-        <p:spPr>
-          <a:xfrm>
-            <a:off x="1240370" y="4639441"/>
-            <a:ext cx="9559416" cy="1200329"/>
-          </a:xfrm>
-          <a:prstGeom prst="rect">
-            <a:avLst/>
-          </a:prstGeom>
-        </p:spPr>
-        <p:txBody>
-          <a:bodyPr rot="0" spcFirstLastPara="0" vertOverflow="overflow" horzOverflow="overflow" vert="horz" wrap="square" lIns="91440" tIns="45720" rIns="91440" bIns="45720" numCol="1" spcCol="0" rtlCol="0" fromWordArt="0" anchor="t" anchorCtr="0" forceAA="0" compatLnSpc="1">
-            <a:spAutoFit/>
-          </a:bodyPr>
-          <a:lstStyle/>
-          <a:p>
-            <a:r>
-              <a:rPr lang="en-US" altLang="zh-CN" sz="2400" dirty="0">
-                <a:solidFill>
-                  <a:schemeClr val="bg1"/>
-                </a:solidFill>
-                <a:latin typeface="黑体" panose="02010609060101010101" charset="-122"/>
-                <a:ea typeface="黑体" panose="02010609060101010101" charset="-122"/>
-                <a:cs typeface="Segoe UI" panose="020B0502040204020203"/>
-              </a:rPr>
-              <a:t>    </a:t>
-            </a:r>
-            <a:r>
-              <a:rPr lang="zh-CN" altLang="en-US" sz="2400" dirty="0">
-                <a:solidFill>
-                  <a:schemeClr val="bg1"/>
-                </a:solidFill>
-                <a:latin typeface="黑体" panose="02010609060101010101" charset="-122"/>
-                <a:ea typeface="黑体" panose="02010609060101010101" charset="-122"/>
-                <a:cs typeface="Segoe UI" panose="020B0502040204020203"/>
-              </a:rPr>
-              <a:t>经过考虑我们决定在全局任务概览中也像点击课表进入的任务列表一样有任务添加（为了明确任务从属于哪个课程，在任务添加中增加了课程选择）、删除、修改。</a:t>
-            </a:r>
+              <a:rPr lang="zh-CN" altLang="zh-CN" sz="1800" dirty="0">
+                <a:effectLst/>
+                <a:latin typeface="Calibri" panose="020F0502020204030204" pitchFamily="34" charset="0"/>
+                <a:ea typeface="宋体" panose="02010600030101010101" pitchFamily="2" charset="-122"/>
+                <a:cs typeface="Times New Roman" panose="02020603050405020304" pitchFamily="18" charset="0"/>
+              </a:rPr>
+              <a:t>如果在开发小型软件系统时暂时没有数据字典处理程序，建议采用卡片形式书写数据字典，每张卡片上保存描述一个数据的信息</a:t>
+            </a:r>
+            <a:r>
+              <a:rPr lang="en-US" altLang="zh-CN" sz="1800" dirty="0">
+                <a:effectLst/>
+                <a:latin typeface="Calibri" panose="020F0502020204030204" pitchFamily="34" charset="0"/>
+                <a:ea typeface="宋体" panose="02010600030101010101" pitchFamily="2" charset="-122"/>
+                <a:cs typeface="Times New Roman" panose="02020603050405020304" pitchFamily="18" charset="0"/>
+              </a:rPr>
+              <a:t>——《</a:t>
+            </a:r>
+            <a:r>
+              <a:rPr lang="zh-CN" altLang="en-US" sz="1800" dirty="0">
+                <a:effectLst/>
+                <a:latin typeface="Calibri" panose="020F0502020204030204" pitchFamily="34" charset="0"/>
+                <a:ea typeface="宋体" panose="02010600030101010101" pitchFamily="2" charset="-122"/>
+                <a:cs typeface="Times New Roman" panose="02020603050405020304" pitchFamily="18" charset="0"/>
+              </a:rPr>
+              <a:t>软件工程导论</a:t>
+            </a:r>
+            <a:r>
+              <a:rPr lang="en-US" altLang="zh-CN" sz="1800" dirty="0">
+                <a:effectLst/>
+                <a:latin typeface="Calibri" panose="020F0502020204030204" pitchFamily="34" charset="0"/>
+                <a:ea typeface="宋体" panose="02010600030101010101" pitchFamily="2" charset="-122"/>
+                <a:cs typeface="Times New Roman" panose="02020603050405020304" pitchFamily="18" charset="0"/>
+              </a:rPr>
+              <a:t>》p49</a:t>
+            </a:r>
+            <a:endParaRPr lang="zh-CN" altLang="en-US" dirty="0"/>
           </a:p>
         </p:txBody>
       </p:sp>
     </p:spTree>
     <p:extLst>
       <p:ext uri="{BB962C8B-B14F-4D97-AF65-F5344CB8AC3E}">
-        <p14:creationId xmlns:p14="http://schemas.microsoft.com/office/powerpoint/2010/main" val="3673041470"/>
+        <p14:creationId xmlns:p14="http://schemas.microsoft.com/office/powerpoint/2010/main" val="2813153290"/>
       </p:ext>
     </p:extLst>
   </p:cSld>
@@ -2704,621 +2106,422 @@
       </p:grpSpPr>
       <p:sp>
         <p:nvSpPr>
-          <p:cNvPr id="3" name="矩形 2"/>
+          <p:cNvPr id="19" name="矩形 18"/>
           <p:cNvSpPr/>
           <p:nvPr/>
         </p:nvSpPr>
         <p:spPr>
           <a:xfrm>
-            <a:off x="166713" y="83305"/>
-            <a:ext cx="1422184" cy="461665"/>
-          </a:xfrm>
-          <a:prstGeom prst="rect">
-            <a:avLst/>
-          </a:prstGeom>
-        </p:spPr>
-        <p:txBody>
-          <a:bodyPr wrap="none" anchor="t">
+            <a:off x="414832" y="317959"/>
+            <a:ext cx="2040943" cy="461665"/>
+          </a:xfrm>
+          <a:prstGeom prst="rect">
+            <a:avLst/>
+          </a:prstGeom>
+        </p:spPr>
+        <p:txBody>
+          <a:bodyPr wrap="none">
             <a:spAutoFit/>
           </a:bodyPr>
           <a:lstStyle/>
           <a:p>
-            <a:pPr marL="0" marR="0" lvl="0" indent="0" algn="l" defTabSz="914400" rtl="0" eaLnBrk="1" fontAlgn="auto" latinLnBrk="0" hangingPunct="1">
-              <a:lnSpc>
-                <a:spcPct val="100000"/>
-              </a:lnSpc>
+            <a:r>
+              <a:rPr lang="zh-CN" altLang="en-US" sz="2400" b="1" dirty="0">
+                <a:solidFill>
+                  <a:schemeClr val="tx1">
+                    <a:lumMod val="75000"/>
+                    <a:lumOff val="25000"/>
+                  </a:schemeClr>
+                </a:solidFill>
+                <a:latin typeface="黑体" panose="02010609060101010101" pitchFamily="49" charset="-122"/>
+                <a:ea typeface="黑体" panose="02010609060101010101" pitchFamily="49" charset="-122"/>
+              </a:rPr>
+              <a:t>非功能性需求</a:t>
+            </a:r>
+          </a:p>
+        </p:txBody>
+      </p:sp>
+      <p:sp>
+        <p:nvSpPr>
+          <p:cNvPr id="7" name="矩形 6">
+            <a:extLst>
+              <a:ext uri="{FF2B5EF4-FFF2-40B4-BE49-F238E27FC236}">
+                <a16:creationId xmlns:a16="http://schemas.microsoft.com/office/drawing/2014/main" id="{44D0FCF1-B733-7640-AA89-54F43B384674}"/>
+              </a:ext>
+            </a:extLst>
+          </p:cNvPr>
+          <p:cNvSpPr/>
+          <p:nvPr/>
+        </p:nvSpPr>
+        <p:spPr>
+          <a:xfrm>
+            <a:off x="801710" y="2970964"/>
+            <a:ext cx="1627369" cy="523220"/>
+          </a:xfrm>
+          <a:prstGeom prst="rect">
+            <a:avLst/>
+          </a:prstGeom>
+        </p:spPr>
+        <p:txBody>
+          <a:bodyPr wrap="none">
+            <a:spAutoFit/>
+          </a:bodyPr>
+          <a:lstStyle/>
+          <a:p>
+            <a:r>
+              <a:rPr lang="zh-CN" altLang="en-US" sz="2800" b="1" dirty="0">
+                <a:solidFill>
+                  <a:schemeClr val="tx1">
+                    <a:lumMod val="75000"/>
+                    <a:lumOff val="25000"/>
+                  </a:schemeClr>
+                </a:solidFill>
+                <a:latin typeface="黑体" panose="02010609060101010101" pitchFamily="49" charset="-122"/>
+                <a:ea typeface="黑体" panose="02010609060101010101" pitchFamily="49" charset="-122"/>
+              </a:rPr>
+              <a:t>用户需求</a:t>
+            </a:r>
+          </a:p>
+        </p:txBody>
+      </p:sp>
+      <p:cxnSp>
+        <p:nvCxnSpPr>
+          <p:cNvPr id="5" name="直线连接符 4">
+            <a:extLst>
+              <a:ext uri="{FF2B5EF4-FFF2-40B4-BE49-F238E27FC236}">
+                <a16:creationId xmlns:a16="http://schemas.microsoft.com/office/drawing/2014/main" id="{94A53153-DF42-8942-887F-75443750EC2D}"/>
+              </a:ext>
+            </a:extLst>
+          </p:cNvPr>
+          <p:cNvCxnSpPr>
+            <a:cxnSpLocks/>
+          </p:cNvCxnSpPr>
+          <p:nvPr/>
+        </p:nvCxnSpPr>
+        <p:spPr>
+          <a:xfrm flipH="1">
+            <a:off x="2526890" y="1693648"/>
+            <a:ext cx="101287" cy="4618662"/>
+          </a:xfrm>
+          <a:prstGeom prst="line">
+            <a:avLst/>
+          </a:prstGeom>
+        </p:spPr>
+        <p:style>
+          <a:lnRef idx="1">
+            <a:schemeClr val="dk1"/>
+          </a:lnRef>
+          <a:fillRef idx="0">
+            <a:schemeClr val="dk1"/>
+          </a:fillRef>
+          <a:effectRef idx="0">
+            <a:schemeClr val="dk1"/>
+          </a:effectRef>
+          <a:fontRef idx="minor">
+            <a:schemeClr val="tx1"/>
+          </a:fontRef>
+        </p:style>
+      </p:cxnSp>
+      <p:sp>
+        <p:nvSpPr>
+          <p:cNvPr id="10" name="矩形 9">
+            <a:extLst>
+              <a:ext uri="{FF2B5EF4-FFF2-40B4-BE49-F238E27FC236}">
+                <a16:creationId xmlns:a16="http://schemas.microsoft.com/office/drawing/2014/main" id="{5A0CDC55-9410-A249-B48C-7766DBD33CDA}"/>
+              </a:ext>
+            </a:extLst>
+          </p:cNvPr>
+          <p:cNvSpPr/>
+          <p:nvPr/>
+        </p:nvSpPr>
+        <p:spPr>
+          <a:xfrm>
+            <a:off x="2807171" y="1563157"/>
+            <a:ext cx="6955750" cy="1631216"/>
+          </a:xfrm>
+          <a:prstGeom prst="rect">
+            <a:avLst/>
+          </a:prstGeom>
+        </p:spPr>
+        <p:txBody>
+          <a:bodyPr wrap="none">
+            <a:spAutoFit/>
+          </a:bodyPr>
+          <a:lstStyle/>
+          <a:p>
+            <a:r>
+              <a:rPr lang="zh-CN" altLang="en-US" sz="2800" b="1" dirty="0">
+                <a:solidFill>
+                  <a:schemeClr val="tx1">
+                    <a:lumMod val="75000"/>
+                    <a:lumOff val="25000"/>
+                  </a:schemeClr>
+                </a:solidFill>
+                <a:latin typeface="黑体" panose="02010609060101010101" pitchFamily="49" charset="-122"/>
+                <a:ea typeface="黑体" panose="02010609060101010101" pitchFamily="49" charset="-122"/>
+              </a:rPr>
+              <a:t>性能需求</a:t>
+            </a:r>
+            <a:endParaRPr lang="en-US" altLang="zh-CN" sz="2800" b="1" dirty="0">
+              <a:solidFill>
+                <a:schemeClr val="tx1">
+                  <a:lumMod val="75000"/>
+                  <a:lumOff val="25000"/>
+                </a:schemeClr>
+              </a:solidFill>
+              <a:latin typeface="黑体" panose="02010609060101010101" pitchFamily="49" charset="-122"/>
+              <a:ea typeface="黑体" panose="02010609060101010101" pitchFamily="49" charset="-122"/>
+            </a:endParaRPr>
+          </a:p>
+          <a:p>
+            <a:r>
+              <a:rPr lang="zh-CN" altLang="zh-CN" sz="2400" dirty="0">
+                <a:effectLst/>
+                <a:latin typeface="黑体" panose="02010609060101010101" pitchFamily="49" charset="-122"/>
+                <a:ea typeface="黑体" panose="02010609060101010101" pitchFamily="49" charset="-122"/>
+                <a:cs typeface="Times New Roman" panose="02020603050405020304" pitchFamily="18" charset="0"/>
+              </a:rPr>
+              <a:t>系统至少能承载的最大并发用户数要求达到</a:t>
+            </a:r>
+            <a:r>
+              <a:rPr lang="en-US" altLang="zh-CN" sz="2400" dirty="0">
+                <a:effectLst/>
+                <a:latin typeface="黑体" panose="02010609060101010101" pitchFamily="49" charset="-122"/>
+                <a:ea typeface="黑体" panose="02010609060101010101" pitchFamily="49" charset="-122"/>
+                <a:cs typeface="Times New Roman" panose="02020603050405020304" pitchFamily="18" charset="0"/>
+              </a:rPr>
+              <a:t>1000</a:t>
+            </a:r>
+            <a:r>
+              <a:rPr lang="zh-CN" altLang="zh-CN" sz="2400" dirty="0">
+                <a:effectLst/>
+                <a:latin typeface="黑体" panose="02010609060101010101" pitchFamily="49" charset="-122"/>
+                <a:ea typeface="黑体" panose="02010609060101010101" pitchFamily="49" charset="-122"/>
+                <a:cs typeface="Times New Roman" panose="02020603050405020304" pitchFamily="18" charset="0"/>
+              </a:rPr>
+              <a:t>。</a:t>
+            </a:r>
+            <a:br>
+              <a:rPr lang="en-US" altLang="zh-CN" sz="2400" dirty="0">
+                <a:effectLst/>
+                <a:latin typeface="黑体" panose="02010609060101010101" pitchFamily="49" charset="-122"/>
+                <a:ea typeface="黑体" panose="02010609060101010101" pitchFamily="49" charset="-122"/>
+                <a:cs typeface="Times New Roman" panose="02020603050405020304" pitchFamily="18" charset="0"/>
+              </a:rPr>
+            </a:br>
+            <a:r>
+              <a:rPr lang="zh-CN" altLang="zh-CN" sz="2400" kern="100" dirty="0">
+                <a:effectLst/>
+                <a:latin typeface="黑体" panose="02010609060101010101" pitchFamily="49" charset="-122"/>
+                <a:ea typeface="黑体" panose="02010609060101010101" pitchFamily="49" charset="-122"/>
+                <a:cs typeface="Times New Roman" panose="02020603050405020304" pitchFamily="18" charset="0"/>
+              </a:rPr>
+              <a:t>系统平均响应时间低于</a:t>
+            </a:r>
+            <a:r>
+              <a:rPr lang="en-US" altLang="zh-CN" sz="2400" kern="100" dirty="0">
+                <a:effectLst/>
+                <a:latin typeface="黑体" panose="02010609060101010101" pitchFamily="49" charset="-122"/>
+                <a:ea typeface="黑体" panose="02010609060101010101" pitchFamily="49" charset="-122"/>
+                <a:cs typeface="Times New Roman" panose="02020603050405020304" pitchFamily="18" charset="0"/>
+              </a:rPr>
+              <a:t>500ms</a:t>
+            </a:r>
+            <a:r>
+              <a:rPr lang="zh-CN" altLang="zh-CN" sz="2400" kern="100" dirty="0">
+                <a:effectLst/>
+                <a:latin typeface="黑体" panose="02010609060101010101" pitchFamily="49" charset="-122"/>
+                <a:ea typeface="黑体" panose="02010609060101010101" pitchFamily="49" charset="-122"/>
+                <a:cs typeface="Times New Roman" panose="02020603050405020304" pitchFamily="18" charset="0"/>
+              </a:rPr>
+              <a:t>。</a:t>
+            </a:r>
+          </a:p>
+          <a:p>
+            <a:endParaRPr lang="zh-CN" altLang="en-US" sz="2400" dirty="0">
+              <a:solidFill>
+                <a:schemeClr val="tx1">
+                  <a:lumMod val="75000"/>
+                  <a:lumOff val="25000"/>
+                </a:schemeClr>
+              </a:solidFill>
+              <a:latin typeface="黑体" panose="02010609060101010101" pitchFamily="49" charset="-122"/>
+              <a:ea typeface="黑体" panose="02010609060101010101" pitchFamily="49" charset="-122"/>
+            </a:endParaRPr>
+          </a:p>
+        </p:txBody>
+      </p:sp>
+      <p:sp>
+        <p:nvSpPr>
+          <p:cNvPr id="13" name="矩形 12">
+            <a:extLst>
+              <a:ext uri="{FF2B5EF4-FFF2-40B4-BE49-F238E27FC236}">
+                <a16:creationId xmlns:a16="http://schemas.microsoft.com/office/drawing/2014/main" id="{C807ADA2-E64C-8742-8480-B509E3D3002F}"/>
+              </a:ext>
+            </a:extLst>
+          </p:cNvPr>
+          <p:cNvSpPr/>
+          <p:nvPr/>
+        </p:nvSpPr>
+        <p:spPr>
+          <a:xfrm>
+            <a:off x="2773986" y="3232574"/>
+            <a:ext cx="8956299" cy="2995692"/>
+          </a:xfrm>
+          <a:prstGeom prst="rect">
+            <a:avLst/>
+          </a:prstGeom>
+        </p:spPr>
+        <p:txBody>
+          <a:bodyPr wrap="square">
+            <a:spAutoFit/>
+          </a:bodyPr>
+          <a:lstStyle/>
+          <a:p>
+            <a:r>
+              <a:rPr lang="zh-CN" altLang="en-US" sz="2800" b="1" dirty="0">
+                <a:solidFill>
+                  <a:schemeClr val="tx1">
+                    <a:lumMod val="75000"/>
+                    <a:lumOff val="25000"/>
+                  </a:schemeClr>
+                </a:solidFill>
+                <a:latin typeface="黑体" panose="02010609060101010101" pitchFamily="49" charset="-122"/>
+                <a:ea typeface="黑体" panose="02010609060101010101" pitchFamily="49" charset="-122"/>
+              </a:rPr>
+              <a:t>易用性</a:t>
+            </a:r>
+            <a:endParaRPr lang="en-US" altLang="zh-CN" sz="2800" b="1" dirty="0">
+              <a:solidFill>
+                <a:schemeClr val="tx1">
+                  <a:lumMod val="75000"/>
+                  <a:lumOff val="25000"/>
+                </a:schemeClr>
+              </a:solidFill>
+              <a:latin typeface="黑体" panose="02010609060101010101" pitchFamily="49" charset="-122"/>
+              <a:ea typeface="黑体" panose="02010609060101010101" pitchFamily="49" charset="-122"/>
+            </a:endParaRPr>
+          </a:p>
+          <a:p>
+            <a:pPr marL="342900" lvl="0" indent="-342900" algn="l">
               <a:spcBef>
-                <a:spcPts val="0"/>
+                <a:spcPts val="500"/>
               </a:spcBef>
               <a:spcAft>
                 <a:spcPts val="0"/>
               </a:spcAft>
-              <a:buClrTx/>
-              <a:buSzTx/>
-              <a:buFontTx/>
-              <a:buNone/>
-              <a:tabLst/>
-              <a:defRPr/>
+              <a:buFont typeface="+mj-lt"/>
+              <a:buAutoNum type="arabicPeriod"/>
             </a:pPr>
             <a:r>
-              <a:rPr kumimoji="0" lang="zh-CN" altLang="en-US" sz="2400" b="1" i="0" u="none" strike="noStrike" kern="1200" cap="none" spc="0" normalizeH="0" baseline="0" noProof="0" dirty="0">
-                <a:ln>
-                  <a:noFill/>
-                </a:ln>
-                <a:solidFill>
-                  <a:prstClr val="black">
-                    <a:lumMod val="75000"/>
-                    <a:lumOff val="25000"/>
-                  </a:prstClr>
-                </a:solidFill>
+              <a:rPr lang="zh-CN" altLang="zh-CN" sz="2400" kern="100" dirty="0">
                 <a:effectLst/>
-                <a:uLnTx/>
-                <a:uFillTx/>
-                <a:latin typeface="黑体" panose="02010609060101010101" charset="-122"/>
-                <a:ea typeface="黑体" panose="02010609060101010101" charset="-122"/>
-                <a:cs typeface="+mn-cs"/>
-              </a:rPr>
-              <a:t>需求冲突</a:t>
-            </a:r>
-          </a:p>
-        </p:txBody>
-      </p:sp>
-      <p:sp>
-        <p:nvSpPr>
-          <p:cNvPr id="6" name="文本框 5"/>
-          <p:cNvSpPr txBox="1"/>
-          <p:nvPr/>
-        </p:nvSpPr>
-        <p:spPr>
-          <a:xfrm>
-            <a:off x="1457011" y="1659653"/>
-            <a:ext cx="9202615" cy="461665"/>
-          </a:xfrm>
-          <a:prstGeom prst="rect">
-            <a:avLst/>
-          </a:prstGeom>
-        </p:spPr>
-        <p:txBody>
-          <a:bodyPr rot="0" spcFirstLastPara="0" vertOverflow="overflow" horzOverflow="overflow" vert="horz" wrap="square" lIns="91440" tIns="45720" rIns="91440" bIns="45720" numCol="1" spcCol="0" rtlCol="0" fromWordArt="0" anchor="t" anchorCtr="0" forceAA="0" compatLnSpc="1">
-            <a:spAutoFit/>
-          </a:bodyPr>
-          <a:lstStyle/>
-          <a:p>
-            <a:pPr marL="0" marR="0" lvl="0" indent="0" algn="l" defTabSz="914400" rtl="0" eaLnBrk="1" fontAlgn="auto" latinLnBrk="0" hangingPunct="1">
-              <a:lnSpc>
-                <a:spcPct val="100000"/>
-              </a:lnSpc>
+                <a:latin typeface="黑体" panose="02010609060101010101" pitchFamily="49" charset="-122"/>
+                <a:ea typeface="黑体" panose="02010609060101010101" pitchFamily="49" charset="-122"/>
+                <a:cs typeface="Times New Roman" panose="02020603050405020304" pitchFamily="18" charset="0"/>
+              </a:rPr>
+              <a:t>本项目在需求开发阶段与各用户代表进行了多次详细深入的访谈，确保用户对用户页面功能的了解</a:t>
+            </a:r>
+          </a:p>
+          <a:p>
+            <a:pPr marL="342900" lvl="0" indent="-342900" algn="l">
               <a:spcBef>
-                <a:spcPts val="0"/>
+                <a:spcPts val="500"/>
               </a:spcBef>
               <a:spcAft>
                 <a:spcPts val="0"/>
               </a:spcAft>
-              <a:buClrTx/>
-              <a:buSzTx/>
-              <a:buFontTx/>
-              <a:buNone/>
-              <a:tabLst/>
-              <a:defRPr/>
+              <a:buFont typeface="+mj-lt"/>
+              <a:buAutoNum type="arabicPeriod"/>
             </a:pPr>
-            <a:endParaRPr kumimoji="0" lang="zh-CN" altLang="en-US" sz="2400" b="0" i="0" u="none" strike="noStrike" kern="1200" cap="none" spc="0" normalizeH="0" baseline="0" noProof="0" dirty="0">
-              <a:ln>
-                <a:noFill/>
-              </a:ln>
-              <a:solidFill>
-                <a:prstClr val="black"/>
-              </a:solidFill>
-              <a:effectLst/>
-              <a:uLnTx/>
-              <a:uFillTx/>
-              <a:latin typeface="宋体" panose="02010600030101010101" pitchFamily="2" charset="-122"/>
-              <a:ea typeface="宋体" panose="02010600030101010101" pitchFamily="2" charset="-122"/>
-              <a:cs typeface="+mn-cs"/>
-            </a:endParaRPr>
-          </a:p>
-        </p:txBody>
-      </p:sp>
-      <p:sp>
-        <p:nvSpPr>
-          <p:cNvPr id="9" name="矩形 8"/>
-          <p:cNvSpPr/>
-          <p:nvPr/>
-        </p:nvSpPr>
-        <p:spPr>
-          <a:xfrm>
-            <a:off x="1226819" y="1790999"/>
-            <a:ext cx="9949581" cy="1332212"/>
-          </a:xfrm>
-          <a:prstGeom prst="rect">
-            <a:avLst/>
-          </a:prstGeom>
-          <a:solidFill>
-            <a:schemeClr val="tx1">
-              <a:lumMod val="85000"/>
-              <a:lumOff val="15000"/>
-              <a:alpha val="70000"/>
-            </a:schemeClr>
-          </a:solidFill>
-          <a:ln>
-            <a:noFill/>
-          </a:ln>
-        </p:spPr>
-        <p:style>
-          <a:lnRef idx="2">
-            <a:schemeClr val="accent1">
-              <a:shade val="50000"/>
-            </a:schemeClr>
-          </a:lnRef>
-          <a:fillRef idx="1">
-            <a:schemeClr val="accent1"/>
-          </a:fillRef>
-          <a:effectRef idx="0">
-            <a:schemeClr val="accent1"/>
-          </a:effectRef>
-          <a:fontRef idx="minor">
-            <a:schemeClr val="lt1"/>
-          </a:fontRef>
-        </p:style>
-        <p:txBody>
-          <a:bodyPr rtlCol="0" anchor="ctr"/>
-          <a:lstStyle/>
-          <a:p>
-            <a:pPr marL="0" marR="0" lvl="0" indent="0" algn="ctr" defTabSz="914400" rtl="0" eaLnBrk="1" fontAlgn="auto" latinLnBrk="0" hangingPunct="1">
-              <a:lnSpc>
-                <a:spcPct val="100000"/>
-              </a:lnSpc>
+            <a:r>
+              <a:rPr lang="zh-CN" altLang="zh-CN" sz="2400" kern="100" dirty="0">
+                <a:effectLst/>
+                <a:latin typeface="黑体" panose="02010609060101010101" pitchFamily="49" charset="-122"/>
+                <a:ea typeface="黑体" panose="02010609060101010101" pitchFamily="49" charset="-122"/>
+                <a:cs typeface="Times New Roman" panose="02020603050405020304" pitchFamily="18" charset="0"/>
+              </a:rPr>
+              <a:t>只需下载打开</a:t>
+            </a:r>
+            <a:r>
+              <a:rPr lang="en-US" altLang="zh-CN" sz="2400" kern="100" dirty="0">
+                <a:effectLst/>
+                <a:latin typeface="黑体" panose="02010609060101010101" pitchFamily="49" charset="-122"/>
+                <a:ea typeface="黑体" panose="02010609060101010101" pitchFamily="49" charset="-122"/>
+                <a:cs typeface="Times New Roman" panose="02020603050405020304" pitchFamily="18" charset="0"/>
+              </a:rPr>
+              <a:t>APP</a:t>
+            </a:r>
+            <a:r>
+              <a:rPr lang="zh-CN" altLang="zh-CN" sz="2400" kern="100" dirty="0">
+                <a:effectLst/>
+                <a:latin typeface="黑体" panose="02010609060101010101" pitchFamily="49" charset="-122"/>
+                <a:ea typeface="黑体" panose="02010609060101010101" pitchFamily="49" charset="-122"/>
+                <a:cs typeface="Times New Roman" panose="02020603050405020304" pitchFamily="18" charset="0"/>
+              </a:rPr>
+              <a:t>并登陆即可使用。</a:t>
+            </a:r>
+          </a:p>
+          <a:p>
+            <a:pPr marL="342900" lvl="0" indent="-342900" algn="l">
               <a:spcBef>
-                <a:spcPts val="0"/>
+                <a:spcPts val="500"/>
               </a:spcBef>
               <a:spcAft>
                 <a:spcPts val="0"/>
               </a:spcAft>
-              <a:buClrTx/>
-              <a:buSzTx/>
-              <a:buFontTx/>
-              <a:buNone/>
-              <a:tabLst/>
-              <a:defRPr/>
+              <a:buFont typeface="+mj-lt"/>
+              <a:buAutoNum type="arabicPeriod"/>
             </a:pPr>
-            <a:endParaRPr kumimoji="0" lang="zh-CN" altLang="en-US" sz="1800" b="0" i="0" u="none" strike="noStrike" kern="1200" cap="none" spc="0" normalizeH="0" baseline="0" noProof="0" dirty="0">
-              <a:ln>
-                <a:noFill/>
-              </a:ln>
-              <a:solidFill>
-                <a:prstClr val="white"/>
-              </a:solidFill>
+            <a:r>
+              <a:rPr lang="zh-CN" altLang="zh-CN" sz="2400" kern="100" dirty="0">
+                <a:effectLst/>
+                <a:latin typeface="黑体" panose="02010609060101010101" pitchFamily="49" charset="-122"/>
+                <a:ea typeface="黑体" panose="02010609060101010101" pitchFamily="49" charset="-122"/>
+                <a:cs typeface="Times New Roman" panose="02020603050405020304" pitchFamily="18" charset="0"/>
+              </a:rPr>
+              <a:t>页面布局符合用户的日常使用习惯</a:t>
+            </a:r>
+            <a:endParaRPr lang="en-US" altLang="zh-CN" sz="2400" kern="100" dirty="0">
               <a:effectLst/>
-              <a:uLnTx/>
-              <a:uFillTx/>
-              <a:latin typeface="等线"/>
-              <a:ea typeface="等线" panose="02010600030101010101" pitchFamily="2" charset="-122"/>
-              <a:cs typeface="+mn-cs"/>
+              <a:latin typeface="黑体" panose="02010609060101010101" pitchFamily="49" charset="-122"/>
+              <a:ea typeface="黑体" panose="02010609060101010101" pitchFamily="49" charset="-122"/>
+              <a:cs typeface="Times New Roman" panose="02020603050405020304" pitchFamily="18" charset="0"/>
             </a:endParaRPr>
           </a:p>
-        </p:txBody>
-      </p:sp>
-      <p:sp>
-        <p:nvSpPr>
-          <p:cNvPr id="2" name="文本框 1"/>
-          <p:cNvSpPr txBox="1"/>
-          <p:nvPr/>
-        </p:nvSpPr>
-        <p:spPr>
-          <a:xfrm>
-            <a:off x="4818743" y="1321632"/>
-            <a:ext cx="184731" cy="369332"/>
-          </a:xfrm>
-          <a:prstGeom prst="rect">
-            <a:avLst/>
-          </a:prstGeom>
-          <a:noFill/>
-        </p:spPr>
-        <p:txBody>
-          <a:bodyPr wrap="none" rtlCol="0">
-            <a:spAutoFit/>
-          </a:bodyPr>
-          <a:lstStyle/>
-          <a:p>
-            <a:pPr marL="0" marR="0" lvl="0" indent="0" algn="l" defTabSz="914400" rtl="0" eaLnBrk="1" fontAlgn="auto" latinLnBrk="0" hangingPunct="1">
-              <a:lnSpc>
-                <a:spcPct val="100000"/>
-              </a:lnSpc>
+          <a:p>
+            <a:pPr marL="342900" lvl="0" indent="-342900" algn="l">
               <a:spcBef>
-                <a:spcPts val="0"/>
+                <a:spcPts val="500"/>
               </a:spcBef>
               <a:spcAft>
                 <a:spcPts val="0"/>
               </a:spcAft>
-              <a:buClrTx/>
-              <a:buSzTx/>
-              <a:buFontTx/>
-              <a:buNone/>
-              <a:tabLst/>
-              <a:defRPr/>
+              <a:buFont typeface="+mj-lt"/>
+              <a:buAutoNum type="arabicPeriod"/>
             </a:pPr>
-            <a:endParaRPr kumimoji="0" lang="zh-CN" altLang="en-US" sz="1800" b="0" i="0" u="none" strike="noStrike" kern="1200" cap="none" spc="0" normalizeH="0" baseline="0" noProof="0" dirty="0">
-              <a:ln>
-                <a:noFill/>
-              </a:ln>
-              <a:solidFill>
-                <a:prstClr val="black"/>
-              </a:solidFill>
+            <a:r>
+              <a:rPr lang="zh-CN" altLang="en-US" sz="2400" kern="100" dirty="0">
+                <a:effectLst/>
+                <a:latin typeface="黑体" panose="02010609060101010101" pitchFamily="49" charset="-122"/>
+                <a:ea typeface="黑体" panose="02010609060101010101" pitchFamily="49" charset="-122"/>
+                <a:cs typeface="Times New Roman" panose="02020603050405020304" pitchFamily="18" charset="0"/>
+              </a:rPr>
+              <a:t>登录成功后离线也可使用部分功能（例如查看已保存的课表及任务）</a:t>
+            </a:r>
+            <a:endParaRPr lang="zh-CN" altLang="zh-CN" sz="2400" kern="100" dirty="0">
               <a:effectLst/>
-              <a:uLnTx/>
-              <a:uFillTx/>
-              <a:latin typeface="等线"/>
-              <a:ea typeface="等线" panose="02010600030101010101" pitchFamily="2" charset="-122"/>
-              <a:cs typeface="+mn-cs"/>
+              <a:latin typeface="黑体" panose="02010609060101010101" pitchFamily="49" charset="-122"/>
+              <a:ea typeface="黑体" panose="02010609060101010101" pitchFamily="49" charset="-122"/>
+              <a:cs typeface="Times New Roman" panose="02020603050405020304" pitchFamily="18" charset="0"/>
             </a:endParaRPr>
-          </a:p>
-        </p:txBody>
-      </p:sp>
-      <p:sp>
-        <p:nvSpPr>
-          <p:cNvPr id="4" name="矩形 3"/>
-          <p:cNvSpPr/>
-          <p:nvPr/>
-        </p:nvSpPr>
-        <p:spPr>
-          <a:xfrm>
-            <a:off x="1226820" y="1176386"/>
-            <a:ext cx="1422184" cy="461665"/>
-          </a:xfrm>
-          <a:prstGeom prst="rect">
-            <a:avLst/>
-          </a:prstGeom>
-        </p:spPr>
-        <p:txBody>
-          <a:bodyPr wrap="none" anchor="t">
-            <a:spAutoFit/>
-          </a:bodyPr>
-          <a:lstStyle/>
-          <a:p>
-            <a:pPr marL="0" marR="0" lvl="0" indent="0" algn="l" defTabSz="914400" rtl="0" eaLnBrk="1" fontAlgn="auto" latinLnBrk="0" hangingPunct="1">
-              <a:lnSpc>
-                <a:spcPct val="100000"/>
-              </a:lnSpc>
-              <a:spcBef>
-                <a:spcPts val="0"/>
-              </a:spcBef>
-              <a:spcAft>
-                <a:spcPts val="0"/>
-              </a:spcAft>
-              <a:buClrTx/>
-              <a:buSzTx/>
-              <a:buFontTx/>
-              <a:buNone/>
-              <a:tabLst/>
-              <a:defRPr/>
-            </a:pPr>
-            <a:r>
-              <a:rPr kumimoji="0" lang="zh-CN" altLang="en-US" sz="2400" b="1" i="0" u="none" strike="noStrike" kern="1200" cap="none" spc="0" normalizeH="0" baseline="0" noProof="0" dirty="0">
-                <a:ln>
-                  <a:noFill/>
-                </a:ln>
-                <a:solidFill>
-                  <a:srgbClr val="449F9E"/>
-                </a:solidFill>
-                <a:effectLst/>
-                <a:uLnTx/>
-                <a:uFillTx/>
-                <a:latin typeface="黑体" panose="02010609060101010101" charset="-122"/>
-                <a:ea typeface="黑体" panose="02010609060101010101" charset="-122"/>
-                <a:cs typeface="+mn-cs"/>
-              </a:rPr>
-              <a:t>潜在冲突</a:t>
-            </a:r>
-          </a:p>
-        </p:txBody>
-      </p:sp>
-      <p:sp>
-        <p:nvSpPr>
-          <p:cNvPr id="7" name="文本框 6"/>
-          <p:cNvSpPr txBox="1"/>
-          <p:nvPr/>
-        </p:nvSpPr>
-        <p:spPr>
-          <a:xfrm>
-            <a:off x="1240370" y="1912597"/>
-            <a:ext cx="9890206" cy="461665"/>
-          </a:xfrm>
-          <a:prstGeom prst="rect">
-            <a:avLst/>
-          </a:prstGeom>
-        </p:spPr>
-        <p:txBody>
-          <a:bodyPr rot="0" spcFirstLastPara="0" vertOverflow="overflow" horzOverflow="overflow" vert="horz" wrap="square" lIns="91440" tIns="45720" rIns="91440" bIns="45720" numCol="1" spcCol="0" rtlCol="0" fromWordArt="0" anchor="t" anchorCtr="0" forceAA="0" compatLnSpc="1">
-            <a:spAutoFit/>
-          </a:bodyPr>
-          <a:lstStyle/>
-          <a:p>
-            <a:pPr marL="0" marR="0" lvl="0" indent="0" algn="l" defTabSz="914400" rtl="0" eaLnBrk="1" fontAlgn="auto" latinLnBrk="0" hangingPunct="1">
-              <a:lnSpc>
-                <a:spcPct val="100000"/>
-              </a:lnSpc>
-              <a:spcBef>
-                <a:spcPts val="0"/>
-              </a:spcBef>
-              <a:spcAft>
-                <a:spcPts val="0"/>
-              </a:spcAft>
-              <a:buClrTx/>
-              <a:buSzTx/>
-              <a:buFontTx/>
-              <a:buNone/>
-              <a:tabLst/>
-              <a:defRPr/>
-            </a:pPr>
-            <a:r>
-              <a:rPr kumimoji="0" lang="zh-CN" altLang="en-US" sz="2400" b="0" i="0" u="none" strike="noStrike" kern="1200" cap="none" spc="0" normalizeH="0" baseline="0" noProof="0" dirty="0">
-                <a:ln>
-                  <a:noFill/>
-                </a:ln>
-                <a:solidFill>
-                  <a:prstClr val="white"/>
-                </a:solidFill>
-                <a:effectLst/>
-                <a:uLnTx/>
-                <a:uFillTx/>
-                <a:latin typeface="等线"/>
-                <a:ea typeface="等线" panose="02010600030101010101" pitchFamily="2" charset="-122"/>
-                <a:cs typeface="+mn-cs"/>
-              </a:rPr>
-              <a:t>      用户认为在任务概览界面中概览时也可明确此任务是从属于哪个课程</a:t>
-            </a:r>
-          </a:p>
-        </p:txBody>
-      </p:sp>
-      <p:sp>
-        <p:nvSpPr>
-          <p:cNvPr id="12" name="矩形 11"/>
-          <p:cNvSpPr/>
-          <p:nvPr/>
-        </p:nvSpPr>
-        <p:spPr>
-          <a:xfrm>
-            <a:off x="1240370" y="4562366"/>
-            <a:ext cx="9949581" cy="1332212"/>
-          </a:xfrm>
-          <a:prstGeom prst="rect">
-            <a:avLst/>
-          </a:prstGeom>
-          <a:solidFill>
-            <a:schemeClr val="tx1">
-              <a:lumMod val="85000"/>
-              <a:lumOff val="15000"/>
-              <a:alpha val="70000"/>
-            </a:schemeClr>
-          </a:solidFill>
-          <a:ln>
-            <a:noFill/>
-          </a:ln>
-        </p:spPr>
-        <p:style>
-          <a:lnRef idx="2">
-            <a:schemeClr val="accent1">
-              <a:shade val="50000"/>
-            </a:schemeClr>
-          </a:lnRef>
-          <a:fillRef idx="1">
-            <a:schemeClr val="accent1"/>
-          </a:fillRef>
-          <a:effectRef idx="0">
-            <a:schemeClr val="accent1"/>
-          </a:effectRef>
-          <a:fontRef idx="minor">
-            <a:schemeClr val="lt1"/>
-          </a:fontRef>
-        </p:style>
-        <p:txBody>
-          <a:bodyPr rtlCol="0" anchor="ctr"/>
-          <a:lstStyle/>
-          <a:p>
-            <a:pPr marL="0" marR="0" lvl="0" indent="0" algn="ctr" defTabSz="914400" rtl="0" eaLnBrk="1" fontAlgn="auto" latinLnBrk="0" hangingPunct="1">
-              <a:lnSpc>
-                <a:spcPct val="100000"/>
-              </a:lnSpc>
-              <a:spcBef>
-                <a:spcPts val="0"/>
-              </a:spcBef>
-              <a:spcAft>
-                <a:spcPts val="0"/>
-              </a:spcAft>
-              <a:buClrTx/>
-              <a:buSzTx/>
-              <a:buFontTx/>
-              <a:buNone/>
-              <a:tabLst/>
-              <a:defRPr/>
-            </a:pPr>
-            <a:endParaRPr kumimoji="0" lang="zh-CN" altLang="en-US" sz="1800" b="0" i="0" u="none" strike="noStrike" kern="1200" cap="none" spc="0" normalizeH="0" baseline="0" noProof="0" dirty="0">
-              <a:ln>
-                <a:noFill/>
-              </a:ln>
-              <a:solidFill>
-                <a:prstClr val="white"/>
-              </a:solidFill>
-              <a:effectLst/>
-              <a:uLnTx/>
-              <a:uFillTx/>
-              <a:latin typeface="等线"/>
-              <a:ea typeface="等线" panose="02010600030101010101" pitchFamily="2" charset="-122"/>
-              <a:cs typeface="+mn-cs"/>
-            </a:endParaRPr>
-          </a:p>
-        </p:txBody>
-      </p:sp>
-      <p:sp>
-        <p:nvSpPr>
-          <p:cNvPr id="14" name="矩形 13"/>
-          <p:cNvSpPr/>
-          <p:nvPr/>
-        </p:nvSpPr>
-        <p:spPr>
-          <a:xfrm>
-            <a:off x="1226820" y="3945009"/>
-            <a:ext cx="1422184" cy="461665"/>
-          </a:xfrm>
-          <a:prstGeom prst="rect">
-            <a:avLst/>
-          </a:prstGeom>
-        </p:spPr>
-        <p:txBody>
-          <a:bodyPr wrap="none" anchor="t">
-            <a:spAutoFit/>
-          </a:bodyPr>
-          <a:lstStyle/>
-          <a:p>
-            <a:pPr marL="0" marR="0" lvl="0" indent="0" algn="l" defTabSz="914400" rtl="0" eaLnBrk="1" fontAlgn="auto" latinLnBrk="0" hangingPunct="1">
-              <a:lnSpc>
-                <a:spcPct val="100000"/>
-              </a:lnSpc>
-              <a:spcBef>
-                <a:spcPts val="0"/>
-              </a:spcBef>
-              <a:spcAft>
-                <a:spcPts val="0"/>
-              </a:spcAft>
-              <a:buClrTx/>
-              <a:buSzTx/>
-              <a:buFontTx/>
-              <a:buNone/>
-              <a:tabLst/>
-              <a:defRPr/>
-            </a:pPr>
-            <a:r>
-              <a:rPr kumimoji="0" lang="zh-CN" altLang="en-US" sz="2400" b="1" i="0" u="none" strike="noStrike" kern="1200" cap="none" spc="0" normalizeH="0" baseline="0" noProof="0" dirty="0">
-                <a:ln>
-                  <a:noFill/>
-                </a:ln>
-                <a:solidFill>
-                  <a:srgbClr val="6C92C0"/>
-                </a:solidFill>
-                <a:effectLst/>
-                <a:uLnTx/>
-                <a:uFillTx/>
-                <a:latin typeface="黑体" panose="02010609060101010101" charset="-122"/>
-                <a:ea typeface="黑体" panose="02010609060101010101" charset="-122"/>
-                <a:cs typeface="+mn-cs"/>
-              </a:rPr>
-              <a:t>冲突解决</a:t>
-            </a:r>
-          </a:p>
-        </p:txBody>
-      </p:sp>
-      <p:sp>
-        <p:nvSpPr>
-          <p:cNvPr id="15" name="文本框 14"/>
-          <p:cNvSpPr txBox="1"/>
-          <p:nvPr/>
-        </p:nvSpPr>
-        <p:spPr>
-          <a:xfrm>
-            <a:off x="1240370" y="4639441"/>
-            <a:ext cx="9559416" cy="830997"/>
-          </a:xfrm>
-          <a:prstGeom prst="rect">
-            <a:avLst/>
-          </a:prstGeom>
-        </p:spPr>
-        <p:txBody>
-          <a:bodyPr rot="0" spcFirstLastPara="0" vertOverflow="overflow" horzOverflow="overflow" vert="horz" wrap="square" lIns="91440" tIns="45720" rIns="91440" bIns="45720" numCol="1" spcCol="0" rtlCol="0" fromWordArt="0" anchor="t" anchorCtr="0" forceAA="0" compatLnSpc="1">
-            <a:spAutoFit/>
-          </a:bodyPr>
-          <a:lstStyle/>
-          <a:p>
-            <a:pPr marL="0" marR="0" lvl="0" indent="0" algn="l" defTabSz="914400" rtl="0" eaLnBrk="1" fontAlgn="auto" latinLnBrk="0" hangingPunct="1">
-              <a:lnSpc>
-                <a:spcPct val="100000"/>
-              </a:lnSpc>
-              <a:spcBef>
-                <a:spcPts val="0"/>
-              </a:spcBef>
-              <a:spcAft>
-                <a:spcPts val="0"/>
-              </a:spcAft>
-              <a:buClrTx/>
-              <a:buSzTx/>
-              <a:buFontTx/>
-              <a:buNone/>
-              <a:tabLst/>
-              <a:defRPr/>
-            </a:pPr>
-            <a:r>
-              <a:rPr kumimoji="0" lang="en-US" altLang="zh-CN" sz="2400" b="0" i="0" u="none" strike="noStrike" kern="1200" cap="none" spc="0" normalizeH="0" baseline="0" noProof="0" dirty="0">
-                <a:ln>
-                  <a:noFill/>
-                </a:ln>
-                <a:solidFill>
-                  <a:prstClr val="white"/>
-                </a:solidFill>
-                <a:effectLst/>
-                <a:uLnTx/>
-                <a:uFillTx/>
-                <a:latin typeface="黑体" panose="02010609060101010101" charset="-122"/>
-                <a:ea typeface="黑体" panose="02010609060101010101" charset="-122"/>
-                <a:cs typeface="Segoe UI" panose="020B0502040204020203"/>
-              </a:rPr>
-              <a:t>    </a:t>
-            </a:r>
-            <a:r>
-              <a:rPr kumimoji="0" lang="zh-CN" altLang="en-US" sz="2400" b="0" i="0" u="none" strike="noStrike" kern="1200" cap="none" spc="0" normalizeH="0" baseline="0" noProof="0" dirty="0">
-                <a:ln>
-                  <a:noFill/>
-                </a:ln>
-                <a:solidFill>
-                  <a:prstClr val="white"/>
-                </a:solidFill>
-                <a:effectLst/>
-                <a:uLnTx/>
-                <a:uFillTx/>
-                <a:latin typeface="黑体" panose="02010609060101010101" charset="-122"/>
-                <a:ea typeface="黑体" panose="02010609060101010101" charset="-122"/>
-                <a:cs typeface="Segoe UI" panose="020B0502040204020203"/>
-              </a:rPr>
-              <a:t>经过考虑我们决定在任务概览界面中的任务条目中加入从属课程的标识，且点击此标识</a:t>
-            </a:r>
-            <a:r>
-              <a:rPr kumimoji="0" lang="en-US" altLang="zh-CN" sz="2400" b="0" i="0" u="none" strike="noStrike" kern="1200" cap="none" spc="0" normalizeH="0" baseline="0" noProof="0" dirty="0">
-                <a:ln>
-                  <a:noFill/>
-                </a:ln>
-                <a:solidFill>
-                  <a:prstClr val="white"/>
-                </a:solidFill>
-                <a:effectLst/>
-                <a:uLnTx/>
-                <a:uFillTx/>
-                <a:latin typeface="黑体" panose="02010609060101010101" charset="-122"/>
-                <a:ea typeface="黑体" panose="02010609060101010101" charset="-122"/>
-                <a:cs typeface="Segoe UI" panose="020B0502040204020203"/>
-              </a:rPr>
-              <a:t>1</a:t>
-            </a:r>
-            <a:r>
-              <a:rPr kumimoji="0" lang="zh-CN" altLang="en-US" sz="2400" b="0" i="0" u="none" strike="noStrike" kern="1200" cap="none" spc="0" normalizeH="0" baseline="0" noProof="0" dirty="0">
-                <a:ln>
-                  <a:noFill/>
-                </a:ln>
-                <a:solidFill>
-                  <a:prstClr val="white"/>
-                </a:solidFill>
-                <a:effectLst/>
-                <a:uLnTx/>
-                <a:uFillTx/>
-                <a:latin typeface="黑体" panose="02010609060101010101" charset="-122"/>
-                <a:ea typeface="黑体" panose="02010609060101010101" charset="-122"/>
-                <a:cs typeface="Segoe UI" panose="020B0502040204020203"/>
-              </a:rPr>
-              <a:t>可跳转至课程的任务列表界面</a:t>
-            </a:r>
           </a:p>
         </p:txBody>
       </p:sp>
     </p:spTree>
     <p:extLst>
       <p:ext uri="{BB962C8B-B14F-4D97-AF65-F5344CB8AC3E}">
-        <p14:creationId xmlns:p14="http://schemas.microsoft.com/office/powerpoint/2010/main" val="124019466"/>
+        <p14:creationId xmlns:p14="http://schemas.microsoft.com/office/powerpoint/2010/main" val="3798542832"/>
       </p:ext>
     </p:extLst>
   </p:cSld>
@@ -3347,612 +2550,346 @@
       </p:grpSpPr>
       <p:sp>
         <p:nvSpPr>
-          <p:cNvPr id="3" name="矩形 2"/>
+          <p:cNvPr id="19" name="矩形 18"/>
           <p:cNvSpPr/>
           <p:nvPr/>
         </p:nvSpPr>
         <p:spPr>
           <a:xfrm>
-            <a:off x="166713" y="83305"/>
-            <a:ext cx="1422184" cy="461665"/>
-          </a:xfrm>
-          <a:prstGeom prst="rect">
-            <a:avLst/>
-          </a:prstGeom>
-        </p:spPr>
-        <p:txBody>
-          <a:bodyPr wrap="none" anchor="t">
+            <a:off x="381337" y="243008"/>
+            <a:ext cx="2040943" cy="461665"/>
+          </a:xfrm>
+          <a:prstGeom prst="rect">
+            <a:avLst/>
+          </a:prstGeom>
+        </p:spPr>
+        <p:txBody>
+          <a:bodyPr wrap="none">
             <a:spAutoFit/>
           </a:bodyPr>
           <a:lstStyle/>
           <a:p>
-            <a:pPr marL="0" marR="0" lvl="0" indent="0" algn="l" defTabSz="914400" rtl="0" eaLnBrk="1" fontAlgn="auto" latinLnBrk="0" hangingPunct="1">
-              <a:lnSpc>
-                <a:spcPct val="100000"/>
-              </a:lnSpc>
-              <a:spcBef>
-                <a:spcPts val="0"/>
-              </a:spcBef>
-              <a:spcAft>
-                <a:spcPts val="0"/>
-              </a:spcAft>
-              <a:buClrTx/>
-              <a:buSzTx/>
-              <a:buFontTx/>
-              <a:buNone/>
-              <a:tabLst/>
-              <a:defRPr/>
-            </a:pPr>
-            <a:r>
-              <a:rPr kumimoji="0" lang="zh-CN" altLang="en-US" sz="2400" b="1" i="0" u="none" strike="noStrike" kern="1200" cap="none" spc="0" normalizeH="0" baseline="0" noProof="0" dirty="0">
-                <a:ln>
-                  <a:noFill/>
-                </a:ln>
+            <a:r>
+              <a:rPr lang="zh-CN" altLang="en-US" sz="2400" b="1" dirty="0">
                 <a:solidFill>
-                  <a:prstClr val="black">
+                  <a:schemeClr val="tx1">
                     <a:lumMod val="75000"/>
                     <a:lumOff val="25000"/>
-                  </a:prstClr>
+                  </a:schemeClr>
                 </a:solidFill>
-                <a:effectLst/>
-                <a:uLnTx/>
-                <a:uFillTx/>
-                <a:latin typeface="黑体" panose="02010609060101010101" charset="-122"/>
-                <a:ea typeface="黑体" panose="02010609060101010101" charset="-122"/>
-                <a:cs typeface="+mn-cs"/>
-              </a:rPr>
-              <a:t>需求冲突</a:t>
-            </a:r>
-          </a:p>
-        </p:txBody>
-      </p:sp>
-      <p:sp>
-        <p:nvSpPr>
-          <p:cNvPr id="6" name="文本框 5"/>
-          <p:cNvSpPr txBox="1"/>
-          <p:nvPr/>
-        </p:nvSpPr>
-        <p:spPr>
-          <a:xfrm>
-            <a:off x="1457011" y="1659653"/>
-            <a:ext cx="9202615" cy="461665"/>
-          </a:xfrm>
-          <a:prstGeom prst="rect">
-            <a:avLst/>
-          </a:prstGeom>
-        </p:spPr>
-        <p:txBody>
-          <a:bodyPr rot="0" spcFirstLastPara="0" vertOverflow="overflow" horzOverflow="overflow" vert="horz" wrap="square" lIns="91440" tIns="45720" rIns="91440" bIns="45720" numCol="1" spcCol="0" rtlCol="0" fromWordArt="0" anchor="t" anchorCtr="0" forceAA="0" compatLnSpc="1">
+                <a:latin typeface="黑体" panose="02010609060101010101" pitchFamily="49" charset="-122"/>
+                <a:ea typeface="黑体" panose="02010609060101010101" pitchFamily="49" charset="-122"/>
+              </a:rPr>
+              <a:t>非功能性需求</a:t>
+            </a:r>
+          </a:p>
+        </p:txBody>
+      </p:sp>
+      <p:sp>
+        <p:nvSpPr>
+          <p:cNvPr id="7" name="矩形 6">
+            <a:extLst>
+              <a:ext uri="{FF2B5EF4-FFF2-40B4-BE49-F238E27FC236}">
+                <a16:creationId xmlns:a16="http://schemas.microsoft.com/office/drawing/2014/main" id="{44D0FCF1-B733-7640-AA89-54F43B384674}"/>
+              </a:ext>
+            </a:extLst>
+          </p:cNvPr>
+          <p:cNvSpPr/>
+          <p:nvPr/>
+        </p:nvSpPr>
+        <p:spPr>
+          <a:xfrm>
+            <a:off x="381337" y="3132842"/>
+            <a:ext cx="1988045" cy="523220"/>
+          </a:xfrm>
+          <a:prstGeom prst="rect">
+            <a:avLst/>
+          </a:prstGeom>
+        </p:spPr>
+        <p:txBody>
+          <a:bodyPr wrap="none">
             <a:spAutoFit/>
           </a:bodyPr>
           <a:lstStyle/>
           <a:p>
-            <a:pPr marL="0" marR="0" lvl="0" indent="0" algn="l" defTabSz="914400" rtl="0" eaLnBrk="1" fontAlgn="auto" latinLnBrk="0" hangingPunct="1">
-              <a:lnSpc>
-                <a:spcPct val="100000"/>
-              </a:lnSpc>
-              <a:spcBef>
-                <a:spcPts val="0"/>
-              </a:spcBef>
-              <a:spcAft>
-                <a:spcPts val="0"/>
-              </a:spcAft>
-              <a:buClrTx/>
-              <a:buSzTx/>
-              <a:buFontTx/>
-              <a:buNone/>
-              <a:tabLst/>
-              <a:defRPr/>
-            </a:pPr>
-            <a:endParaRPr kumimoji="0" lang="zh-CN" altLang="en-US" sz="2400" b="0" i="0" u="none" strike="noStrike" kern="1200" cap="none" spc="0" normalizeH="0" baseline="0" noProof="0" dirty="0">
-              <a:ln>
-                <a:noFill/>
-              </a:ln>
-              <a:solidFill>
-                <a:prstClr val="black"/>
-              </a:solidFill>
-              <a:effectLst/>
-              <a:uLnTx/>
-              <a:uFillTx/>
-              <a:latin typeface="宋体" panose="02010600030101010101" pitchFamily="2" charset="-122"/>
-              <a:ea typeface="宋体" panose="02010600030101010101" pitchFamily="2" charset="-122"/>
-              <a:cs typeface="+mn-cs"/>
-            </a:endParaRPr>
-          </a:p>
-        </p:txBody>
-      </p:sp>
-      <p:sp>
-        <p:nvSpPr>
-          <p:cNvPr id="9" name="矩形 8"/>
-          <p:cNvSpPr/>
-          <p:nvPr/>
-        </p:nvSpPr>
-        <p:spPr>
-          <a:xfrm>
-            <a:off x="1226819" y="1790999"/>
-            <a:ext cx="9949581" cy="1332212"/>
-          </a:xfrm>
-          <a:prstGeom prst="rect">
-            <a:avLst/>
-          </a:prstGeom>
-          <a:solidFill>
-            <a:schemeClr val="tx1">
-              <a:lumMod val="85000"/>
-              <a:lumOff val="15000"/>
-              <a:alpha val="70000"/>
-            </a:schemeClr>
-          </a:solidFill>
-          <a:ln>
-            <a:noFill/>
-          </a:ln>
+            <a:r>
+              <a:rPr lang="zh-CN" altLang="en-US" sz="2800" b="1" dirty="0">
+                <a:solidFill>
+                  <a:schemeClr val="tx1">
+                    <a:lumMod val="75000"/>
+                    <a:lumOff val="25000"/>
+                  </a:schemeClr>
+                </a:solidFill>
+                <a:latin typeface="黑体" panose="02010609060101010101" pitchFamily="49" charset="-122"/>
+                <a:ea typeface="黑体" panose="02010609060101010101" pitchFamily="49" charset="-122"/>
+              </a:rPr>
+              <a:t>管理员需求</a:t>
+            </a:r>
+          </a:p>
+        </p:txBody>
+      </p:sp>
+      <p:cxnSp>
+        <p:nvCxnSpPr>
+          <p:cNvPr id="5" name="直线连接符 4">
+            <a:extLst>
+              <a:ext uri="{FF2B5EF4-FFF2-40B4-BE49-F238E27FC236}">
+                <a16:creationId xmlns:a16="http://schemas.microsoft.com/office/drawing/2014/main" id="{94A53153-DF42-8942-887F-75443750EC2D}"/>
+              </a:ext>
+            </a:extLst>
+          </p:cNvPr>
+          <p:cNvCxnSpPr>
+            <a:cxnSpLocks/>
+          </p:cNvCxnSpPr>
+          <p:nvPr/>
+        </p:nvCxnSpPr>
+        <p:spPr>
+          <a:xfrm>
+            <a:off x="2534440" y="1207658"/>
+            <a:ext cx="0" cy="4896809"/>
+          </a:xfrm>
+          <a:prstGeom prst="line">
+            <a:avLst/>
+          </a:prstGeom>
         </p:spPr>
         <p:style>
-          <a:lnRef idx="2">
-            <a:schemeClr val="accent1">
-              <a:shade val="50000"/>
-            </a:schemeClr>
+          <a:lnRef idx="1">
+            <a:schemeClr val="dk1"/>
           </a:lnRef>
-          <a:fillRef idx="1">
-            <a:schemeClr val="accent1"/>
+          <a:fillRef idx="0">
+            <a:schemeClr val="dk1"/>
           </a:fillRef>
           <a:effectRef idx="0">
-            <a:schemeClr val="accent1"/>
+            <a:schemeClr val="dk1"/>
           </a:effectRef>
           <a:fontRef idx="minor">
-            <a:schemeClr val="lt1"/>
+            <a:schemeClr val="tx1"/>
           </a:fontRef>
         </p:style>
-        <p:txBody>
-          <a:bodyPr rtlCol="0" anchor="ctr"/>
-          <a:lstStyle/>
-          <a:p>
-            <a:pPr marL="0" marR="0" lvl="0" indent="0" algn="ctr" defTabSz="914400" rtl="0" eaLnBrk="1" fontAlgn="auto" latinLnBrk="0" hangingPunct="1">
-              <a:lnSpc>
-                <a:spcPct val="100000"/>
-              </a:lnSpc>
-              <a:spcBef>
-                <a:spcPts val="0"/>
-              </a:spcBef>
-              <a:spcAft>
-                <a:spcPts val="0"/>
-              </a:spcAft>
-              <a:buClrTx/>
-              <a:buSzTx/>
-              <a:buFontTx/>
-              <a:buNone/>
-              <a:tabLst/>
-              <a:defRPr/>
-            </a:pPr>
-            <a:endParaRPr kumimoji="0" lang="zh-CN" altLang="en-US" sz="1800" b="0" i="0" u="none" strike="noStrike" kern="1200" cap="none" spc="0" normalizeH="0" baseline="0" noProof="0" dirty="0">
-              <a:ln>
-                <a:noFill/>
-              </a:ln>
-              <a:solidFill>
-                <a:prstClr val="white"/>
-              </a:solidFill>
-              <a:effectLst/>
-              <a:uLnTx/>
-              <a:uFillTx/>
-              <a:latin typeface="等线"/>
-              <a:ea typeface="等线" panose="02010600030101010101" pitchFamily="2" charset="-122"/>
-              <a:cs typeface="+mn-cs"/>
-            </a:endParaRPr>
-          </a:p>
-        </p:txBody>
-      </p:sp>
-      <p:sp>
-        <p:nvSpPr>
-          <p:cNvPr id="2" name="文本框 1"/>
-          <p:cNvSpPr txBox="1"/>
-          <p:nvPr/>
-        </p:nvSpPr>
-        <p:spPr>
-          <a:xfrm>
-            <a:off x="4818743" y="1321632"/>
-            <a:ext cx="184731" cy="369332"/>
-          </a:xfrm>
-          <a:prstGeom prst="rect">
-            <a:avLst/>
-          </a:prstGeom>
-          <a:noFill/>
-        </p:spPr>
-        <p:txBody>
-          <a:bodyPr wrap="none" rtlCol="0">
+      </p:cxnSp>
+      <p:sp>
+        <p:nvSpPr>
+          <p:cNvPr id="10" name="矩形 9">
+            <a:extLst>
+              <a:ext uri="{FF2B5EF4-FFF2-40B4-BE49-F238E27FC236}">
+                <a16:creationId xmlns:a16="http://schemas.microsoft.com/office/drawing/2014/main" id="{5A0CDC55-9410-A249-B48C-7766DBD33CDA}"/>
+              </a:ext>
+            </a:extLst>
+          </p:cNvPr>
+          <p:cNvSpPr/>
+          <p:nvPr/>
+        </p:nvSpPr>
+        <p:spPr>
+          <a:xfrm>
+            <a:off x="2801467" y="967376"/>
+            <a:ext cx="8241000" cy="3108543"/>
+          </a:xfrm>
+          <a:prstGeom prst="rect">
+            <a:avLst/>
+          </a:prstGeom>
+        </p:spPr>
+        <p:txBody>
+          <a:bodyPr wrap="square">
             <a:spAutoFit/>
           </a:bodyPr>
           <a:lstStyle/>
           <a:p>
-            <a:pPr marL="0" marR="0" lvl="0" indent="0" algn="l" defTabSz="914400" rtl="0" eaLnBrk="1" fontAlgn="auto" latinLnBrk="0" hangingPunct="1">
-              <a:lnSpc>
-                <a:spcPct val="100000"/>
-              </a:lnSpc>
-              <a:spcBef>
-                <a:spcPts val="0"/>
-              </a:spcBef>
-              <a:spcAft>
-                <a:spcPts val="0"/>
-              </a:spcAft>
-              <a:buClrTx/>
-              <a:buSzTx/>
-              <a:buFontTx/>
-              <a:buNone/>
-              <a:tabLst/>
-              <a:defRPr/>
+            <a:r>
+              <a:rPr lang="zh-CN" altLang="en-US" sz="2800" b="1" dirty="0">
+                <a:solidFill>
+                  <a:schemeClr val="tx1">
+                    <a:lumMod val="75000"/>
+                    <a:lumOff val="25000"/>
+                  </a:schemeClr>
+                </a:solidFill>
+                <a:latin typeface="黑体" panose="02010609060101010101" pitchFamily="49" charset="-122"/>
+                <a:ea typeface="黑体" panose="02010609060101010101" pitchFamily="49" charset="-122"/>
+              </a:rPr>
+              <a:t>安全性需求</a:t>
+            </a:r>
+            <a:endParaRPr lang="en-US" altLang="zh-CN" sz="2800" b="1" dirty="0">
+              <a:solidFill>
+                <a:schemeClr val="tx1">
+                  <a:lumMod val="75000"/>
+                  <a:lumOff val="25000"/>
+                </a:schemeClr>
+              </a:solidFill>
+              <a:latin typeface="黑体" panose="02010609060101010101" pitchFamily="49" charset="-122"/>
+              <a:ea typeface="黑体" panose="02010609060101010101" pitchFamily="49" charset="-122"/>
+            </a:endParaRPr>
+          </a:p>
+          <a:p>
+            <a:pPr marL="342900" lvl="0" indent="-342900" algn="just">
+              <a:buFont typeface="+mj-lt"/>
+              <a:buAutoNum type="arabicPeriod"/>
             </a:pPr>
-            <a:endParaRPr kumimoji="0" lang="zh-CN" altLang="en-US" sz="1800" b="0" i="0" u="none" strike="noStrike" kern="1200" cap="none" spc="0" normalizeH="0" baseline="0" noProof="0" dirty="0">
-              <a:ln>
-                <a:noFill/>
-              </a:ln>
-              <a:solidFill>
-                <a:prstClr val="black"/>
-              </a:solidFill>
-              <a:effectLst/>
-              <a:uLnTx/>
-              <a:uFillTx/>
-              <a:latin typeface="等线"/>
-              <a:ea typeface="等线" panose="02010600030101010101" pitchFamily="2" charset="-122"/>
-              <a:cs typeface="+mn-cs"/>
-            </a:endParaRPr>
-          </a:p>
-        </p:txBody>
-      </p:sp>
-      <p:sp>
-        <p:nvSpPr>
-          <p:cNvPr id="4" name="矩形 3"/>
+            <a:r>
+              <a:rPr lang="zh-CN" altLang="zh-CN" sz="2400" kern="100" dirty="0">
+                <a:effectLst/>
+                <a:latin typeface="黑体" panose="02010609060101010101" pitchFamily="49" charset="-122"/>
+                <a:ea typeface="黑体" panose="02010609060101010101" pitchFamily="49" charset="-122"/>
+                <a:cs typeface="Times New Roman" panose="02020603050405020304" pitchFamily="18" charset="0"/>
+              </a:rPr>
+              <a:t>只有管理员才能对用户信息进行操作。</a:t>
+            </a:r>
+          </a:p>
+          <a:p>
+            <a:pPr marL="342900" lvl="0" indent="-342900" algn="just">
+              <a:buFont typeface="+mj-lt"/>
+              <a:buAutoNum type="arabicPeriod"/>
+            </a:pPr>
+            <a:r>
+              <a:rPr lang="zh-CN" altLang="zh-CN" sz="2400" kern="100" dirty="0">
+                <a:effectLst/>
+                <a:latin typeface="黑体" panose="02010609060101010101" pitchFamily="49" charset="-122"/>
+                <a:ea typeface="黑体" panose="02010609060101010101" pitchFamily="49" charset="-122"/>
+                <a:cs typeface="Times New Roman" panose="02020603050405020304" pitchFamily="18" charset="0"/>
+              </a:rPr>
+              <a:t>由系统自动注册的用户的临时密码，用户第一次登录成功后，必须修改密码。</a:t>
+            </a:r>
+          </a:p>
+          <a:p>
+            <a:pPr marL="342900" lvl="0" indent="-342900" algn="just">
+              <a:buFont typeface="+mj-lt"/>
+              <a:buAutoNum type="arabicPeriod"/>
+            </a:pPr>
+            <a:r>
+              <a:rPr lang="zh-CN" altLang="zh-CN" sz="2400" kern="100" dirty="0">
+                <a:effectLst/>
+                <a:latin typeface="黑体" panose="02010609060101010101" pitchFamily="49" charset="-122"/>
+                <a:ea typeface="黑体" panose="02010609060101010101" pitchFamily="49" charset="-122"/>
+                <a:cs typeface="Times New Roman" panose="02020603050405020304" pitchFamily="18" charset="0"/>
+              </a:rPr>
+              <a:t>对于用户的密码需要以加密的方式进行传输和存储。</a:t>
+            </a:r>
+          </a:p>
+          <a:p>
+            <a:pPr marL="342900" lvl="0" indent="-342900" algn="just">
+              <a:buFont typeface="+mj-lt"/>
+              <a:buAutoNum type="arabicPeriod"/>
+            </a:pPr>
+            <a:r>
+              <a:rPr lang="zh-CN" altLang="zh-CN" sz="2400" kern="100" dirty="0">
+                <a:effectLst/>
+                <a:latin typeface="黑体" panose="02010609060101010101" pitchFamily="49" charset="-122"/>
+                <a:ea typeface="黑体" panose="02010609060101010101" pitchFamily="49" charset="-122"/>
+                <a:cs typeface="Times New Roman" panose="02020603050405020304" pitchFamily="18" charset="0"/>
+              </a:rPr>
+              <a:t>教师注册需要通过管理员审核，需要上传身份证等信息，本团队可以保障用户个人信息不被泄露和不被用于其他用途</a:t>
+            </a:r>
+          </a:p>
+        </p:txBody>
+      </p:sp>
+      <p:sp>
+        <p:nvSpPr>
+          <p:cNvPr id="13" name="矩形 12">
+            <a:extLst>
+              <a:ext uri="{FF2B5EF4-FFF2-40B4-BE49-F238E27FC236}">
+                <a16:creationId xmlns:a16="http://schemas.microsoft.com/office/drawing/2014/main" id="{C807ADA2-E64C-8742-8480-B509E3D3002F}"/>
+              </a:ext>
+            </a:extLst>
+          </p:cNvPr>
           <p:cNvSpPr/>
           <p:nvPr/>
         </p:nvSpPr>
         <p:spPr>
           <a:xfrm>
-            <a:off x="1226820" y="1176386"/>
-            <a:ext cx="1422184" cy="461665"/>
-          </a:xfrm>
-          <a:prstGeom prst="rect">
-            <a:avLst/>
-          </a:prstGeom>
-        </p:spPr>
-        <p:txBody>
-          <a:bodyPr wrap="none" anchor="t">
+            <a:off x="2646601" y="4196455"/>
+            <a:ext cx="9155402" cy="2000548"/>
+          </a:xfrm>
+          <a:prstGeom prst="rect">
+            <a:avLst/>
+          </a:prstGeom>
+        </p:spPr>
+        <p:txBody>
+          <a:bodyPr wrap="square">
             <a:spAutoFit/>
           </a:bodyPr>
           <a:lstStyle/>
           <a:p>
-            <a:pPr marL="0" marR="0" lvl="0" indent="0" algn="l" defTabSz="914400" rtl="0" eaLnBrk="1" fontAlgn="auto" latinLnBrk="0" hangingPunct="1">
-              <a:lnSpc>
-                <a:spcPct val="100000"/>
-              </a:lnSpc>
-              <a:spcBef>
-                <a:spcPts val="0"/>
-              </a:spcBef>
-              <a:spcAft>
-                <a:spcPts val="0"/>
-              </a:spcAft>
-              <a:buClrTx/>
-              <a:buSzTx/>
-              <a:buFontTx/>
-              <a:buNone/>
-              <a:tabLst/>
-              <a:defRPr/>
+            <a:r>
+              <a:rPr lang="zh-CN" altLang="en-US" sz="2800" b="1" dirty="0">
+                <a:solidFill>
+                  <a:schemeClr val="tx1">
+                    <a:lumMod val="75000"/>
+                    <a:lumOff val="25000"/>
+                  </a:schemeClr>
+                </a:solidFill>
+                <a:latin typeface="黑体" panose="02010609060101010101" pitchFamily="49" charset="-122"/>
+                <a:ea typeface="黑体" panose="02010609060101010101" pitchFamily="49" charset="-122"/>
+              </a:rPr>
+              <a:t>可维护性</a:t>
+            </a:r>
+            <a:endParaRPr lang="en-US" altLang="zh-CN" sz="2800" b="1" dirty="0">
+              <a:solidFill>
+                <a:schemeClr val="tx1">
+                  <a:lumMod val="75000"/>
+                  <a:lumOff val="25000"/>
+                </a:schemeClr>
+              </a:solidFill>
+              <a:latin typeface="黑体" panose="02010609060101010101" pitchFamily="49" charset="-122"/>
+              <a:ea typeface="黑体" panose="02010609060101010101" pitchFamily="49" charset="-122"/>
+            </a:endParaRPr>
+          </a:p>
+          <a:p>
+            <a:pPr marL="342900" lvl="0" indent="-342900" algn="just">
+              <a:buFont typeface="+mj-lt"/>
+              <a:buAutoNum type="arabicPeriod"/>
             </a:pPr>
             <a:r>
-              <a:rPr kumimoji="0" lang="zh-CN" altLang="en-US" sz="2400" b="1" i="0" u="none" strike="noStrike" kern="1200" cap="none" spc="0" normalizeH="0" baseline="0" noProof="0" dirty="0">
-                <a:ln>
-                  <a:noFill/>
-                </a:ln>
-                <a:solidFill>
-                  <a:srgbClr val="449F9E"/>
-                </a:solidFill>
+              <a:rPr lang="zh-CN" altLang="zh-CN" sz="2400" kern="100" dirty="0">
                 <a:effectLst/>
-                <a:uLnTx/>
-                <a:uFillTx/>
-                <a:latin typeface="黑体" panose="02010609060101010101" charset="-122"/>
-                <a:ea typeface="黑体" panose="02010609060101010101" charset="-122"/>
-                <a:cs typeface="+mn-cs"/>
-              </a:rPr>
-              <a:t>潜在冲突</a:t>
-            </a:r>
-          </a:p>
-        </p:txBody>
-      </p:sp>
-      <p:sp>
-        <p:nvSpPr>
-          <p:cNvPr id="7" name="文本框 6"/>
-          <p:cNvSpPr txBox="1"/>
-          <p:nvPr/>
-        </p:nvSpPr>
-        <p:spPr>
-          <a:xfrm>
-            <a:off x="1240370" y="1912597"/>
-            <a:ext cx="9890206" cy="830997"/>
-          </a:xfrm>
-          <a:prstGeom prst="rect">
-            <a:avLst/>
-          </a:prstGeom>
-        </p:spPr>
-        <p:txBody>
-          <a:bodyPr rot="0" spcFirstLastPara="0" vertOverflow="overflow" horzOverflow="overflow" vert="horz" wrap="square" lIns="91440" tIns="45720" rIns="91440" bIns="45720" numCol="1" spcCol="0" rtlCol="0" fromWordArt="0" anchor="t" anchorCtr="0" forceAA="0" compatLnSpc="1">
-            <a:spAutoFit/>
-          </a:bodyPr>
-          <a:lstStyle/>
-          <a:p>
-            <a:pPr marL="0" marR="0" lvl="0" indent="0" algn="l" defTabSz="914400" rtl="0" eaLnBrk="1" fontAlgn="auto" latinLnBrk="0" hangingPunct="1">
-              <a:lnSpc>
-                <a:spcPct val="100000"/>
-              </a:lnSpc>
-              <a:spcBef>
-                <a:spcPts val="0"/>
-              </a:spcBef>
-              <a:spcAft>
-                <a:spcPts val="0"/>
-              </a:spcAft>
-              <a:buClrTx/>
-              <a:buSzTx/>
-              <a:buFontTx/>
-              <a:buNone/>
-              <a:tabLst/>
-              <a:defRPr/>
+                <a:latin typeface="黑体" panose="02010609060101010101" pitchFamily="49" charset="-122"/>
+                <a:ea typeface="黑体" panose="02010609060101010101" pitchFamily="49" charset="-122"/>
+                <a:cs typeface="Times New Roman" panose="02020603050405020304" pitchFamily="18" charset="0"/>
+              </a:rPr>
+              <a:t>软件内部功能模块化，易于功能的增删改。</a:t>
+            </a:r>
+          </a:p>
+          <a:p>
+            <a:pPr marL="342900" lvl="0" indent="-342900" algn="just">
+              <a:buFont typeface="+mj-lt"/>
+              <a:buAutoNum type="arabicPeriod"/>
             </a:pPr>
             <a:r>
-              <a:rPr kumimoji="0" lang="zh-CN" altLang="en-US" sz="2400" b="0" i="0" u="none" strike="noStrike" kern="1200" cap="none" spc="0" normalizeH="0" baseline="0" noProof="0" dirty="0">
-                <a:ln>
-                  <a:noFill/>
-                </a:ln>
-                <a:solidFill>
-                  <a:prstClr val="white"/>
-                </a:solidFill>
+              <a:rPr lang="zh-CN" altLang="zh-CN" sz="2400" kern="100" dirty="0">
                 <a:effectLst/>
-                <a:uLnTx/>
-                <a:uFillTx/>
-                <a:latin typeface="等线"/>
-                <a:ea typeface="等线" panose="02010600030101010101" pitchFamily="2" charset="-122"/>
-                <a:cs typeface="+mn-cs"/>
-              </a:rPr>
-              <a:t>      用户认为在点击进入课程界面后可以修改课程信息（例如上课地点，上下课时间等）</a:t>
-            </a:r>
-          </a:p>
-        </p:txBody>
-      </p:sp>
-      <p:sp>
-        <p:nvSpPr>
-          <p:cNvPr id="12" name="矩形 11"/>
-          <p:cNvSpPr/>
-          <p:nvPr/>
-        </p:nvSpPr>
-        <p:spPr>
-          <a:xfrm>
-            <a:off x="1180995" y="4639441"/>
-            <a:ext cx="9949581" cy="1332212"/>
-          </a:xfrm>
-          <a:prstGeom prst="rect">
-            <a:avLst/>
-          </a:prstGeom>
-          <a:solidFill>
-            <a:schemeClr val="tx1">
-              <a:lumMod val="85000"/>
-              <a:lumOff val="15000"/>
-              <a:alpha val="70000"/>
-            </a:schemeClr>
-          </a:solidFill>
-          <a:ln>
-            <a:noFill/>
-          </a:ln>
-        </p:spPr>
-        <p:style>
-          <a:lnRef idx="2">
-            <a:schemeClr val="accent1">
-              <a:shade val="50000"/>
-            </a:schemeClr>
-          </a:lnRef>
-          <a:fillRef idx="1">
-            <a:schemeClr val="accent1"/>
-          </a:fillRef>
-          <a:effectRef idx="0">
-            <a:schemeClr val="accent1"/>
-          </a:effectRef>
-          <a:fontRef idx="minor">
-            <a:schemeClr val="lt1"/>
-          </a:fontRef>
-        </p:style>
-        <p:txBody>
-          <a:bodyPr rtlCol="0" anchor="ctr"/>
-          <a:lstStyle/>
-          <a:p>
-            <a:pPr marL="0" marR="0" lvl="0" indent="0" algn="ctr" defTabSz="914400" rtl="0" eaLnBrk="1" fontAlgn="auto" latinLnBrk="0" hangingPunct="1">
-              <a:lnSpc>
-                <a:spcPct val="100000"/>
-              </a:lnSpc>
-              <a:spcBef>
-                <a:spcPts val="0"/>
-              </a:spcBef>
-              <a:spcAft>
-                <a:spcPts val="0"/>
-              </a:spcAft>
-              <a:buClrTx/>
-              <a:buSzTx/>
-              <a:buFontTx/>
-              <a:buNone/>
-              <a:tabLst/>
-              <a:defRPr/>
+                <a:latin typeface="黑体" panose="02010609060101010101" pitchFamily="49" charset="-122"/>
+                <a:ea typeface="黑体" panose="02010609060101010101" pitchFamily="49" charset="-122"/>
+                <a:cs typeface="Times New Roman" panose="02020603050405020304" pitchFamily="18" charset="0"/>
+              </a:rPr>
+              <a:t>软件代码有条理，备注详细，并配有维护手册。</a:t>
+            </a:r>
+          </a:p>
+          <a:p>
+            <a:pPr marL="342900" lvl="0" indent="-342900" algn="just">
+              <a:buFont typeface="+mj-lt"/>
+              <a:buAutoNum type="arabicPeriod"/>
             </a:pPr>
-            <a:endParaRPr kumimoji="0" lang="zh-CN" altLang="en-US" sz="1800" b="0" i="0" u="none" strike="noStrike" kern="1200" cap="none" spc="0" normalizeH="0" baseline="0" noProof="0" dirty="0">
-              <a:ln>
-                <a:noFill/>
-              </a:ln>
-              <a:solidFill>
-                <a:prstClr val="white"/>
-              </a:solidFill>
-              <a:effectLst/>
-              <a:uLnTx/>
-              <a:uFillTx/>
-              <a:latin typeface="等线"/>
-              <a:ea typeface="等线" panose="02010600030101010101" pitchFamily="2" charset="-122"/>
-              <a:cs typeface="+mn-cs"/>
-            </a:endParaRPr>
-          </a:p>
-        </p:txBody>
-      </p:sp>
-      <p:sp>
-        <p:nvSpPr>
-          <p:cNvPr id="14" name="矩形 13"/>
-          <p:cNvSpPr/>
-          <p:nvPr/>
-        </p:nvSpPr>
-        <p:spPr>
-          <a:xfrm>
-            <a:off x="1226820" y="3945009"/>
-            <a:ext cx="1422184" cy="461665"/>
-          </a:xfrm>
-          <a:prstGeom prst="rect">
-            <a:avLst/>
-          </a:prstGeom>
-        </p:spPr>
-        <p:txBody>
-          <a:bodyPr wrap="none" anchor="t">
-            <a:spAutoFit/>
-          </a:bodyPr>
-          <a:lstStyle/>
-          <a:p>
-            <a:pPr marL="0" marR="0" lvl="0" indent="0" algn="l" defTabSz="914400" rtl="0" eaLnBrk="1" fontAlgn="auto" latinLnBrk="0" hangingPunct="1">
-              <a:lnSpc>
-                <a:spcPct val="100000"/>
-              </a:lnSpc>
-              <a:spcBef>
-                <a:spcPts val="0"/>
-              </a:spcBef>
-              <a:spcAft>
-                <a:spcPts val="0"/>
-              </a:spcAft>
-              <a:buClrTx/>
-              <a:buSzTx/>
-              <a:buFontTx/>
-              <a:buNone/>
-              <a:tabLst/>
-              <a:defRPr/>
-            </a:pPr>
-            <a:r>
-              <a:rPr kumimoji="0" lang="zh-CN" altLang="en-US" sz="2400" b="1" i="0" u="none" strike="noStrike" kern="1200" cap="none" spc="0" normalizeH="0" baseline="0" noProof="0" dirty="0">
-                <a:ln>
-                  <a:noFill/>
-                </a:ln>
-                <a:solidFill>
-                  <a:srgbClr val="6C92C0"/>
-                </a:solidFill>
+            <a:r>
+              <a:rPr lang="zh-CN" altLang="zh-CN" sz="2400" kern="100" dirty="0">
                 <a:effectLst/>
-                <a:uLnTx/>
-                <a:uFillTx/>
-                <a:latin typeface="黑体" panose="02010609060101010101" charset="-122"/>
-                <a:ea typeface="黑体" panose="02010609060101010101" charset="-122"/>
-                <a:cs typeface="+mn-cs"/>
-              </a:rPr>
-              <a:t>冲突解决</a:t>
-            </a:r>
-          </a:p>
-        </p:txBody>
-      </p:sp>
-      <p:sp>
-        <p:nvSpPr>
-          <p:cNvPr id="15" name="文本框 14"/>
-          <p:cNvSpPr txBox="1"/>
-          <p:nvPr/>
-        </p:nvSpPr>
-        <p:spPr>
-          <a:xfrm>
-            <a:off x="1240370" y="4639441"/>
-            <a:ext cx="9559416" cy="830997"/>
-          </a:xfrm>
-          <a:prstGeom prst="rect">
-            <a:avLst/>
-          </a:prstGeom>
-        </p:spPr>
-        <p:txBody>
-          <a:bodyPr rot="0" spcFirstLastPara="0" vertOverflow="overflow" horzOverflow="overflow" vert="horz" wrap="square" lIns="91440" tIns="45720" rIns="91440" bIns="45720" numCol="1" spcCol="0" rtlCol="0" fromWordArt="0" anchor="t" anchorCtr="0" forceAA="0" compatLnSpc="1">
-            <a:spAutoFit/>
-          </a:bodyPr>
-          <a:lstStyle/>
-          <a:p>
-            <a:pPr marL="0" marR="0" lvl="0" indent="0" algn="l" defTabSz="914400" rtl="0" eaLnBrk="1" fontAlgn="auto" latinLnBrk="0" hangingPunct="1">
-              <a:lnSpc>
-                <a:spcPct val="100000"/>
-              </a:lnSpc>
-              <a:spcBef>
-                <a:spcPts val="0"/>
-              </a:spcBef>
-              <a:spcAft>
-                <a:spcPts val="0"/>
-              </a:spcAft>
-              <a:buClrTx/>
-              <a:buSzTx/>
-              <a:buFontTx/>
-              <a:buNone/>
-              <a:tabLst/>
-              <a:defRPr/>
-            </a:pPr>
-            <a:r>
-              <a:rPr kumimoji="0" lang="en-US" altLang="zh-CN" sz="2400" b="0" i="0" u="none" strike="noStrike" kern="1200" cap="none" spc="0" normalizeH="0" baseline="0" noProof="0" dirty="0">
-                <a:ln>
-                  <a:noFill/>
-                </a:ln>
-                <a:solidFill>
-                  <a:prstClr val="white"/>
-                </a:solidFill>
+                <a:latin typeface="黑体" panose="02010609060101010101" pitchFamily="49" charset="-122"/>
+                <a:ea typeface="黑体" panose="02010609060101010101" pitchFamily="49" charset="-122"/>
+                <a:cs typeface="Times New Roman" panose="02020603050405020304" pitchFamily="18" charset="0"/>
+              </a:rPr>
+              <a:t>日常维护可视化，能做到让非软件相关从业者也能清晰了应用运行状态</a:t>
+            </a:r>
+            <a:r>
+              <a:rPr lang="zh-CN" altLang="zh-CN" sz="1800" kern="100" dirty="0">
                 <a:effectLst/>
-                <a:uLnTx/>
-                <a:uFillTx/>
-                <a:latin typeface="黑体" panose="02010609060101010101" charset="-122"/>
-                <a:ea typeface="黑体" panose="02010609060101010101" charset="-122"/>
-                <a:cs typeface="Segoe UI" panose="020B0502040204020203"/>
-              </a:rPr>
-              <a:t>    </a:t>
-            </a:r>
-            <a:r>
-              <a:rPr kumimoji="0" lang="zh-CN" altLang="en-US" sz="2400" b="0" i="0" u="none" strike="noStrike" kern="1200" cap="none" spc="0" normalizeH="0" baseline="0" noProof="0" dirty="0">
-                <a:ln>
-                  <a:noFill/>
-                </a:ln>
-                <a:solidFill>
-                  <a:prstClr val="white"/>
-                </a:solidFill>
-                <a:effectLst/>
-                <a:uLnTx/>
-                <a:uFillTx/>
-                <a:latin typeface="黑体" panose="02010609060101010101" charset="-122"/>
-                <a:ea typeface="黑体" panose="02010609060101010101" charset="-122"/>
-                <a:cs typeface="Segoe UI" panose="020B0502040204020203"/>
-              </a:rPr>
-              <a:t>经过考虑我们决定在点击课程后的界面中加入设置</a:t>
-            </a:r>
-            <a:r>
-              <a:rPr lang="zh-CN" altLang="en-US" sz="2400" dirty="0">
-                <a:solidFill>
-                  <a:prstClr val="white"/>
-                </a:solidFill>
-                <a:latin typeface="黑体" panose="02010609060101010101" charset="-122"/>
-                <a:ea typeface="黑体" panose="02010609060101010101" charset="-122"/>
-                <a:cs typeface="Segoe UI" panose="020B0502040204020203"/>
-              </a:rPr>
-              <a:t>按钮，以设置此课程相关信息</a:t>
-            </a:r>
-            <a:endParaRPr kumimoji="0" lang="zh-CN" altLang="en-US" sz="2400" b="0" i="0" u="none" strike="noStrike" kern="1200" cap="none" spc="0" normalizeH="0" baseline="0" noProof="0" dirty="0">
-              <a:ln>
-                <a:noFill/>
-              </a:ln>
-              <a:solidFill>
-                <a:prstClr val="white"/>
-              </a:solidFill>
-              <a:effectLst/>
-              <a:uLnTx/>
-              <a:uFillTx/>
-              <a:latin typeface="黑体" panose="02010609060101010101" charset="-122"/>
-              <a:ea typeface="黑体" panose="02010609060101010101" charset="-122"/>
-              <a:cs typeface="Segoe UI" panose="020B0502040204020203"/>
-            </a:endParaRPr>
+                <a:latin typeface="Calibri" panose="020F0502020204030204" pitchFamily="34" charset="0"/>
+                <a:ea typeface="宋体" panose="02010600030101010101" pitchFamily="2" charset="-122"/>
+                <a:cs typeface="Times New Roman" panose="02020603050405020304" pitchFamily="18" charset="0"/>
+              </a:rPr>
+              <a:t>。</a:t>
+            </a:r>
           </a:p>
         </p:txBody>
       </p:sp>
     </p:spTree>
     <p:extLst>
       <p:ext uri="{BB962C8B-B14F-4D97-AF65-F5344CB8AC3E}">
-        <p14:creationId xmlns:p14="http://schemas.microsoft.com/office/powerpoint/2010/main" val="152360695"/>
+        <p14:creationId xmlns:p14="http://schemas.microsoft.com/office/powerpoint/2010/main" val="2538405553"/>
       </p:ext>
     </p:extLst>
   </p:cSld>
@@ -3981,38 +2918,25 @@
       </p:grpSpPr>
       <p:sp>
         <p:nvSpPr>
-          <p:cNvPr id="19" name="矩形 18"/>
+          <p:cNvPr id="3" name="矩形 2"/>
           <p:cNvSpPr/>
           <p:nvPr/>
         </p:nvSpPr>
         <p:spPr>
           <a:xfrm>
-            <a:off x="320305" y="272987"/>
-            <a:ext cx="806631" cy="461665"/>
-          </a:xfrm>
-          <a:prstGeom prst="rect">
-            <a:avLst/>
-          </a:prstGeom>
-        </p:spPr>
-        <p:txBody>
-          <a:bodyPr wrap="none">
+            <a:off x="166713" y="83305"/>
+            <a:ext cx="1422184" cy="461665"/>
+          </a:xfrm>
+          <a:prstGeom prst="rect">
+            <a:avLst/>
+          </a:prstGeom>
+        </p:spPr>
+        <p:txBody>
+          <a:bodyPr wrap="none" anchor="t">
             <a:spAutoFit/>
           </a:bodyPr>
           <a:lstStyle/>
           <a:p>
-            <a:r>
-              <a:rPr lang="en-US" altLang="zh-CN" sz="2400" b="1" dirty="0">
-                <a:solidFill>
-                  <a:schemeClr val="tx1">
-                    <a:lumMod val="75000"/>
-                    <a:lumOff val="25000"/>
-                  </a:schemeClr>
-                </a:solidFill>
-                <a:latin typeface="黑体" panose="02010609060101010101" pitchFamily="49" charset="-122"/>
-                <a:ea typeface="黑体" panose="02010609060101010101" pitchFamily="49" charset="-122"/>
-              </a:rPr>
-              <a:t>ER</a:t>
-            </a:r>
             <a:r>
               <a:rPr lang="zh-CN" altLang="en-US" sz="2400" b="1" dirty="0">
                 <a:solidFill>
@@ -4021,20 +2945,63 @@
                     <a:lumOff val="25000"/>
                   </a:schemeClr>
                 </a:solidFill>
-                <a:latin typeface="黑体" panose="02010609060101010101" pitchFamily="49" charset="-122"/>
-                <a:ea typeface="黑体" panose="02010609060101010101" pitchFamily="49" charset="-122"/>
-              </a:rPr>
-              <a:t>图</a:t>
-            </a:r>
+                <a:latin typeface="黑体" panose="02010609060101010101" charset="-122"/>
+                <a:ea typeface="黑体" panose="02010609060101010101" charset="-122"/>
+              </a:rPr>
+              <a:t>会议纪要</a:t>
+            </a:r>
+          </a:p>
+        </p:txBody>
+      </p:sp>
+      <p:sp>
+        <p:nvSpPr>
+          <p:cNvPr id="10" name="文本框 9"/>
+          <p:cNvSpPr txBox="1"/>
+          <p:nvPr/>
+        </p:nvSpPr>
+        <p:spPr>
+          <a:xfrm>
+            <a:off x="4810183" y="4823310"/>
+            <a:ext cx="1901190" cy="460375"/>
+          </a:xfrm>
+          <a:prstGeom prst="rect">
+            <a:avLst/>
+          </a:prstGeom>
+        </p:spPr>
+        <p:txBody>
+          <a:bodyPr rot="0" spcFirstLastPara="0" vertOverflow="overflow" horzOverflow="overflow" vert="horz" wrap="square" lIns="91440" tIns="45720" rIns="91440" bIns="45720" numCol="1" spcCol="0" rtlCol="0" fromWordArt="0" anchor="t" anchorCtr="0" forceAA="0" compatLnSpc="1">
+            <a:spAutoFit/>
+          </a:bodyPr>
+          <a:lstStyle/>
+          <a:p>
+            <a:r>
+              <a:rPr lang="en-US" altLang="zh-CN" sz="2400" dirty="0">
+                <a:solidFill>
+                  <a:schemeClr val="bg1"/>
+                </a:solidFill>
+                <a:latin typeface="黑体" panose="02010609060101010101" charset="-122"/>
+                <a:ea typeface="黑体" panose="02010609060101010101" charset="-122"/>
+                <a:cs typeface="Segoe UI" panose="020B0502040204020203"/>
+              </a:rPr>
+              <a:t>   </a:t>
+            </a:r>
+            <a:endParaRPr lang="zh-CN" altLang="en-US" sz="2400" dirty="0">
+              <a:solidFill>
+                <a:schemeClr val="tx1"/>
+              </a:solidFill>
+              <a:latin typeface="黑体" panose="02010609060101010101" charset="-122"/>
+              <a:ea typeface="黑体" panose="02010609060101010101" charset="-122"/>
+              <a:cs typeface="Segoe UI" panose="020B0502040204020203"/>
+            </a:endParaRPr>
           </a:p>
         </p:txBody>
       </p:sp>
       <p:pic>
         <p:nvPicPr>
-          <p:cNvPr id="6" name="图片 5">
+          <p:cNvPr id="9" name="图片 8">
             <a:extLst>
               <a:ext uri="{FF2B5EF4-FFF2-40B4-BE49-F238E27FC236}">
-                <a16:creationId xmlns:a16="http://schemas.microsoft.com/office/drawing/2014/main" id="{10518439-C7A4-4F81-92C6-C282899DF878}"/>
+                <a16:creationId xmlns:a16="http://schemas.microsoft.com/office/drawing/2014/main" id="{97ABC40E-2D8B-400F-A07B-B634E4A08358}"/>
               </a:ext>
             </a:extLst>
           </p:cNvPr>
@@ -4044,36 +3011,55 @@
           <p:nvPr/>
         </p:nvPicPr>
         <p:blipFill>
-          <a:blip r:embed="rId2" cstate="print">
-            <a:extLst>
-              <a:ext uri="{28A0092B-C50C-407E-A947-70E740481C1C}">
-                <a14:useLocalDpi xmlns:a14="http://schemas.microsoft.com/office/drawing/2010/main" val="0"/>
-              </a:ext>
-            </a:extLst>
-          </a:blip>
-          <a:srcRect/>
+          <a:blip r:embed="rId3"/>
           <a:stretch>
             <a:fillRect/>
           </a:stretch>
         </p:blipFill>
-        <p:spPr bwMode="auto">
-          <a:xfrm>
-            <a:off x="48003" y="891969"/>
-            <a:ext cx="12143997" cy="4889400"/>
-          </a:xfrm>
-          <a:prstGeom prst="rect">
-            <a:avLst/>
-          </a:prstGeom>
-          <a:noFill/>
-          <a:ln>
-            <a:noFill/>
-          </a:ln>
+        <p:spPr>
+          <a:xfrm>
+            <a:off x="1364343" y="910356"/>
+            <a:ext cx="4168501" cy="5403048"/>
+          </a:xfrm>
+          <a:prstGeom prst="rect">
+            <a:avLst/>
+          </a:prstGeom>
+        </p:spPr>
+      </p:pic>
+      <p:pic>
+        <p:nvPicPr>
+          <p:cNvPr id="13" name="图片 12">
+            <a:extLst>
+              <a:ext uri="{FF2B5EF4-FFF2-40B4-BE49-F238E27FC236}">
+                <a16:creationId xmlns:a16="http://schemas.microsoft.com/office/drawing/2014/main" id="{0A2594F5-6ACE-47AD-889F-FA7A56BE884D}"/>
+              </a:ext>
+            </a:extLst>
+          </p:cNvPr>
+          <p:cNvPicPr>
+            <a:picLocks noChangeAspect="1"/>
+          </p:cNvPicPr>
+          <p:nvPr/>
+        </p:nvPicPr>
+        <p:blipFill>
+          <a:blip r:embed="rId4"/>
+          <a:stretch>
+            <a:fillRect/>
+          </a:stretch>
+        </p:blipFill>
+        <p:spPr>
+          <a:xfrm>
+            <a:off x="5931429" y="910356"/>
+            <a:ext cx="4526672" cy="5540220"/>
+          </a:xfrm>
+          <a:prstGeom prst="rect">
+            <a:avLst/>
+          </a:prstGeom>
         </p:spPr>
       </p:pic>
     </p:spTree>
     <p:extLst>
       <p:ext uri="{BB962C8B-B14F-4D97-AF65-F5344CB8AC3E}">
-        <p14:creationId xmlns:p14="http://schemas.microsoft.com/office/powerpoint/2010/main" val="1816069485"/>
+        <p14:creationId xmlns:p14="http://schemas.microsoft.com/office/powerpoint/2010/main" val="2186207063"/>
       </p:ext>
     </p:extLst>
   </p:cSld>
@@ -4100,12 +3086,42 @@
           <a:chExt cx="0" cy="0"/>
         </a:xfrm>
       </p:grpSpPr>
-      <p:sp>
-        <p:nvSpPr>
-          <p:cNvPr id="3" name="矩形 2">
+      <p:pic>
+        <p:nvPicPr>
+          <p:cNvPr id="3" name="图片 2">
             <a:extLst>
               <a:ext uri="{FF2B5EF4-FFF2-40B4-BE49-F238E27FC236}">
-                <a16:creationId xmlns:a16="http://schemas.microsoft.com/office/drawing/2014/main" id="{6A191CAE-99AF-43E6-B56E-28AE7D5328BF}"/>
+                <a16:creationId xmlns:a16="http://schemas.microsoft.com/office/drawing/2014/main" id="{44286F04-A7A9-49EE-8419-6856DEA2F1F8}"/>
+              </a:ext>
+            </a:extLst>
+          </p:cNvPr>
+          <p:cNvPicPr>
+            <a:picLocks noChangeAspect="1"/>
+          </p:cNvPicPr>
+          <p:nvPr/>
+        </p:nvPicPr>
+        <p:blipFill>
+          <a:blip r:embed="rId2"/>
+          <a:stretch>
+            <a:fillRect/>
+          </a:stretch>
+        </p:blipFill>
+        <p:spPr>
+          <a:xfrm>
+            <a:off x="22526" y="1871214"/>
+            <a:ext cx="5868959" cy="3894586"/>
+          </a:xfrm>
+          <a:prstGeom prst="rect">
+            <a:avLst/>
+          </a:prstGeom>
+        </p:spPr>
+      </p:pic>
+      <p:sp>
+        <p:nvSpPr>
+          <p:cNvPr id="6" name="矩形 5">
+            <a:extLst>
+              <a:ext uri="{FF2B5EF4-FFF2-40B4-BE49-F238E27FC236}">
+                <a16:creationId xmlns:a16="http://schemas.microsoft.com/office/drawing/2014/main" id="{B91C434C-3CC5-4881-B896-454F5128C930}"/>
               </a:ext>
             </a:extLst>
           </p:cNvPr>
@@ -4114,7 +3130,7 @@
         </p:nvSpPr>
         <p:spPr>
           <a:xfrm>
-            <a:off x="226725" y="98886"/>
+            <a:off x="5492753" y="726772"/>
             <a:ext cx="1422184" cy="461665"/>
           </a:xfrm>
           <a:prstGeom prst="rect">
@@ -4135,85 +3151,20 @@
                     <a:lumOff val="25000"/>
                   </a:schemeClr>
                 </a:solidFill>
-                <a:latin typeface="黑体"/>
-                <a:ea typeface="黑体"/>
-              </a:rPr>
-              <a:t>数据字典</a:t>
-            </a:r>
-          </a:p>
-        </p:txBody>
-      </p:sp>
-      <p:sp>
-        <p:nvSpPr>
-          <p:cNvPr id="2" name="文本框 1">
-            <a:extLst>
-              <a:ext uri="{FF2B5EF4-FFF2-40B4-BE49-F238E27FC236}">
-                <a16:creationId xmlns:a16="http://schemas.microsoft.com/office/drawing/2014/main" id="{FD2FD517-986E-C747-A021-CE65C12170DA}"/>
-              </a:ext>
-            </a:extLst>
-          </p:cNvPr>
-          <p:cNvSpPr txBox="1"/>
-          <p:nvPr/>
-        </p:nvSpPr>
-        <p:spPr>
-          <a:xfrm>
-            <a:off x="8129247" y="6411733"/>
-            <a:ext cx="3877985" cy="369332"/>
-          </a:xfrm>
-          <a:prstGeom prst="rect">
-            <a:avLst/>
-          </a:prstGeom>
-          <a:noFill/>
-        </p:spPr>
-        <p:txBody>
-          <a:bodyPr wrap="none" rtlCol="0">
-            <a:spAutoFit/>
-          </a:bodyPr>
-          <a:lstStyle/>
-          <a:p>
-            <a:r>
-              <a:rPr kumimoji="1" lang="zh-CN" altLang="en-US" dirty="0"/>
-              <a:t>详细数据字典可以在相关文档中查看</a:t>
+                <a:latin typeface="黑体" panose="02010609060101010101" charset="-122"/>
+                <a:ea typeface="黑体" panose="02010609060101010101" charset="-122"/>
+              </a:rPr>
+              <a:t>会议纪要</a:t>
             </a:r>
           </a:p>
         </p:txBody>
       </p:sp>
       <p:pic>
         <p:nvPicPr>
-          <p:cNvPr id="5" name="图片 4">
+          <p:cNvPr id="4" name="图片 3">
             <a:extLst>
               <a:ext uri="{FF2B5EF4-FFF2-40B4-BE49-F238E27FC236}">
-                <a16:creationId xmlns:a16="http://schemas.microsoft.com/office/drawing/2014/main" id="{4BE24FD0-348E-4717-B24F-8A4E7A1C8F77}"/>
-              </a:ext>
-            </a:extLst>
-          </p:cNvPr>
-          <p:cNvPicPr>
-            <a:picLocks noChangeAspect="1"/>
-          </p:cNvPicPr>
-          <p:nvPr/>
-        </p:nvPicPr>
-        <p:blipFill>
-          <a:blip r:embed="rId2"/>
-          <a:stretch>
-            <a:fillRect/>
-          </a:stretch>
-        </p:blipFill>
-        <p:spPr>
-          <a:xfrm>
-            <a:off x="165780" y="1863348"/>
-            <a:ext cx="6492067" cy="4316580"/>
-          </a:xfrm>
-          <a:prstGeom prst="rect">
-            <a:avLst/>
-          </a:prstGeom>
-        </p:spPr>
-      </p:pic>
-      <p:pic>
-        <p:nvPicPr>
-          <p:cNvPr id="9" name="图片 8">
-            <a:extLst>
-              <a:ext uri="{FF2B5EF4-FFF2-40B4-BE49-F238E27FC236}">
-                <a16:creationId xmlns:a16="http://schemas.microsoft.com/office/drawing/2014/main" id="{DA897E56-D269-4739-94D4-3DE5696EEE6F}"/>
+                <a16:creationId xmlns:a16="http://schemas.microsoft.com/office/drawing/2014/main" id="{10609A16-B016-4F2E-9466-D4205235515F}"/>
               </a:ext>
             </a:extLst>
           </p:cNvPr>
@@ -4230,86 +3181,18 @@
         </p:blipFill>
         <p:spPr>
           <a:xfrm>
-            <a:off x="6281502" y="231377"/>
-            <a:ext cx="5593565" cy="6180356"/>
+            <a:off x="6113684" y="1871214"/>
+            <a:ext cx="6078316" cy="3894586"/>
           </a:xfrm>
           <a:prstGeom prst="rect">
             <a:avLst/>
           </a:prstGeom>
         </p:spPr>
       </p:pic>
-      <p:sp>
-        <p:nvSpPr>
-          <p:cNvPr id="4" name="文本框 3">
-            <a:extLst>
-              <a:ext uri="{FF2B5EF4-FFF2-40B4-BE49-F238E27FC236}">
-                <a16:creationId xmlns:a16="http://schemas.microsoft.com/office/drawing/2014/main" id="{F1A0255A-1976-4678-9045-DEE896908C29}"/>
-              </a:ext>
-            </a:extLst>
-          </p:cNvPr>
-          <p:cNvSpPr txBox="1"/>
-          <p:nvPr/>
-        </p:nvSpPr>
-        <p:spPr>
-          <a:xfrm>
-            <a:off x="226725" y="678072"/>
-            <a:ext cx="5479808" cy="923330"/>
-          </a:xfrm>
-          <a:prstGeom prst="rect">
-            <a:avLst/>
-          </a:prstGeom>
-          <a:noFill/>
-        </p:spPr>
-        <p:txBody>
-          <a:bodyPr wrap="square" rtlCol="0">
-            <a:spAutoFit/>
-          </a:bodyPr>
-          <a:lstStyle/>
-          <a:p>
-            <a:r>
-              <a:rPr lang="zh-CN" altLang="zh-CN" sz="1800" dirty="0">
-                <a:effectLst/>
-                <a:latin typeface="Calibri" panose="020F0502020204030204" pitchFamily="34" charset="0"/>
-                <a:ea typeface="宋体" panose="02010600030101010101" pitchFamily="2" charset="-122"/>
-                <a:cs typeface="Times New Roman" panose="02020603050405020304" pitchFamily="18" charset="0"/>
-              </a:rPr>
-              <a:t>如果在开发小型软件系统时暂时没有数据字典处理程序，建议采用卡片形式书写数据字典，每张卡片上保存描述一个数据的信息</a:t>
-            </a:r>
-            <a:r>
-              <a:rPr lang="en-US" altLang="zh-CN" sz="1800" dirty="0">
-                <a:effectLst/>
-                <a:latin typeface="Calibri" panose="020F0502020204030204" pitchFamily="34" charset="0"/>
-                <a:ea typeface="宋体" panose="02010600030101010101" pitchFamily="2" charset="-122"/>
-                <a:cs typeface="Times New Roman" panose="02020603050405020304" pitchFamily="18" charset="0"/>
-              </a:rPr>
-              <a:t>——《</a:t>
-            </a:r>
-            <a:r>
-              <a:rPr lang="zh-CN" altLang="en-US" sz="1800" dirty="0">
-                <a:effectLst/>
-                <a:latin typeface="Calibri" panose="020F0502020204030204" pitchFamily="34" charset="0"/>
-                <a:ea typeface="宋体" panose="02010600030101010101" pitchFamily="2" charset="-122"/>
-                <a:cs typeface="Times New Roman" panose="02020603050405020304" pitchFamily="18" charset="0"/>
-              </a:rPr>
-              <a:t>软件工程导论</a:t>
-            </a:r>
-            <a:r>
-              <a:rPr lang="en-US" altLang="zh-CN" sz="1800" dirty="0">
-                <a:effectLst/>
-                <a:latin typeface="Calibri" panose="020F0502020204030204" pitchFamily="34" charset="0"/>
-                <a:ea typeface="宋体" panose="02010600030101010101" pitchFamily="2" charset="-122"/>
-                <a:cs typeface="Times New Roman" panose="02020603050405020304" pitchFamily="18" charset="0"/>
-              </a:rPr>
-              <a:t>》p49</a:t>
-            </a:r>
-            <a:endParaRPr lang="zh-CN" altLang="en-US" dirty="0"/>
-          </a:p>
-        </p:txBody>
-      </p:sp>
     </p:spTree>
     <p:extLst>
       <p:ext uri="{BB962C8B-B14F-4D97-AF65-F5344CB8AC3E}">
-        <p14:creationId xmlns:p14="http://schemas.microsoft.com/office/powerpoint/2010/main" val="2813153290"/>
+        <p14:creationId xmlns:p14="http://schemas.microsoft.com/office/powerpoint/2010/main" val="3640877841"/>
       </p:ext>
     </p:extLst>
   </p:cSld>
@@ -4338,422 +3221,133 @@
       </p:grpSpPr>
       <p:sp>
         <p:nvSpPr>
-          <p:cNvPr id="19" name="矩形 18"/>
+          <p:cNvPr id="3" name="矩形 2">
+            <a:extLst>
+              <a:ext uri="{FF2B5EF4-FFF2-40B4-BE49-F238E27FC236}">
+                <a16:creationId xmlns:a16="http://schemas.microsoft.com/office/drawing/2014/main" id="{6A191CAE-99AF-43E6-B56E-28AE7D5328BF}"/>
+              </a:ext>
+            </a:extLst>
+          </p:cNvPr>
           <p:cNvSpPr/>
           <p:nvPr/>
         </p:nvSpPr>
         <p:spPr>
           <a:xfrm>
-            <a:off x="414832" y="317959"/>
-            <a:ext cx="2040943" cy="461665"/>
-          </a:xfrm>
-          <a:prstGeom prst="rect">
-            <a:avLst/>
-          </a:prstGeom>
-        </p:spPr>
-        <p:txBody>
-          <a:bodyPr wrap="none">
+            <a:off x="166713" y="83305"/>
+            <a:ext cx="2050561" cy="461665"/>
+          </a:xfrm>
+          <a:prstGeom prst="rect">
+            <a:avLst/>
+          </a:prstGeom>
+        </p:spPr>
+        <p:txBody>
+          <a:bodyPr wrap="none" anchor="t">
             <a:spAutoFit/>
           </a:bodyPr>
           <a:lstStyle/>
           <a:p>
             <a:r>
-              <a:rPr lang="zh-CN" altLang="en-US" sz="2400" b="1" dirty="0">
+              <a:rPr lang="en-US" altLang="zh-CN" sz="2400" b="1" dirty="0">
                 <a:solidFill>
                   <a:schemeClr val="tx1">
                     <a:lumMod val="75000"/>
                     <a:lumOff val="25000"/>
                   </a:schemeClr>
                 </a:solidFill>
-                <a:latin typeface="黑体" panose="02010609060101010101" pitchFamily="49" charset="-122"/>
-                <a:ea typeface="黑体" panose="02010609060101010101" pitchFamily="49" charset="-122"/>
-              </a:rPr>
-              <a:t>非功能性需求</a:t>
-            </a:r>
-          </a:p>
-        </p:txBody>
-      </p:sp>
-      <p:sp>
-        <p:nvSpPr>
-          <p:cNvPr id="7" name="矩形 6">
-            <a:extLst>
-              <a:ext uri="{FF2B5EF4-FFF2-40B4-BE49-F238E27FC236}">
-                <a16:creationId xmlns:a16="http://schemas.microsoft.com/office/drawing/2014/main" id="{44D0FCF1-B733-7640-AA89-54F43B384674}"/>
-              </a:ext>
-            </a:extLst>
-          </p:cNvPr>
-          <p:cNvSpPr/>
-          <p:nvPr/>
-        </p:nvSpPr>
-        <p:spPr>
-          <a:xfrm>
-            <a:off x="801710" y="2970964"/>
-            <a:ext cx="1627369" cy="523220"/>
-          </a:xfrm>
-          <a:prstGeom prst="rect">
-            <a:avLst/>
-          </a:prstGeom>
-        </p:spPr>
-        <p:txBody>
-          <a:bodyPr wrap="none">
-            <a:spAutoFit/>
-          </a:bodyPr>
-          <a:lstStyle/>
-          <a:p>
-            <a:r>
-              <a:rPr lang="zh-CN" altLang="en-US" sz="2800" b="1" dirty="0">
-                <a:solidFill>
-                  <a:schemeClr val="tx1">
-                    <a:lumMod val="75000"/>
-                    <a:lumOff val="25000"/>
-                  </a:schemeClr>
-                </a:solidFill>
-                <a:latin typeface="黑体" panose="02010609060101010101" pitchFamily="49" charset="-122"/>
-                <a:ea typeface="黑体" panose="02010609060101010101" pitchFamily="49" charset="-122"/>
-              </a:rPr>
-              <a:t>用户需求</a:t>
-            </a:r>
-          </a:p>
-        </p:txBody>
-      </p:sp>
-      <p:cxnSp>
-        <p:nvCxnSpPr>
-          <p:cNvPr id="5" name="直线连接符 4">
-            <a:extLst>
-              <a:ext uri="{FF2B5EF4-FFF2-40B4-BE49-F238E27FC236}">
-                <a16:creationId xmlns:a16="http://schemas.microsoft.com/office/drawing/2014/main" id="{94A53153-DF42-8942-887F-75443750EC2D}"/>
-              </a:ext>
-            </a:extLst>
-          </p:cNvPr>
-          <p:cNvCxnSpPr>
-            <a:cxnSpLocks/>
-          </p:cNvCxnSpPr>
-          <p:nvPr/>
-        </p:nvCxnSpPr>
-        <p:spPr>
-          <a:xfrm flipH="1">
-            <a:off x="2526890" y="1693648"/>
-            <a:ext cx="101287" cy="4618662"/>
-          </a:xfrm>
-          <a:prstGeom prst="line">
-            <a:avLst/>
-          </a:prstGeom>
-        </p:spPr>
-        <p:style>
-          <a:lnRef idx="1">
-            <a:schemeClr val="dk1"/>
-          </a:lnRef>
-          <a:fillRef idx="0">
-            <a:schemeClr val="dk1"/>
-          </a:fillRef>
-          <a:effectRef idx="0">
-            <a:schemeClr val="dk1"/>
-          </a:effectRef>
-          <a:fontRef idx="minor">
-            <a:schemeClr val="tx1"/>
-          </a:fontRef>
-        </p:style>
-      </p:cxnSp>
-      <p:sp>
-        <p:nvSpPr>
-          <p:cNvPr id="10" name="矩形 9">
-            <a:extLst>
-              <a:ext uri="{FF2B5EF4-FFF2-40B4-BE49-F238E27FC236}">
-                <a16:creationId xmlns:a16="http://schemas.microsoft.com/office/drawing/2014/main" id="{5A0CDC55-9410-A249-B48C-7766DBD33CDA}"/>
-              </a:ext>
-            </a:extLst>
-          </p:cNvPr>
-          <p:cNvSpPr/>
-          <p:nvPr/>
-        </p:nvSpPr>
-        <p:spPr>
-          <a:xfrm>
-            <a:off x="2807171" y="1563157"/>
-            <a:ext cx="6955750" cy="1631216"/>
-          </a:xfrm>
-          <a:prstGeom prst="rect">
-            <a:avLst/>
-          </a:prstGeom>
-        </p:spPr>
-        <p:txBody>
-          <a:bodyPr wrap="none">
-            <a:spAutoFit/>
-          </a:bodyPr>
-          <a:lstStyle/>
-          <a:p>
-            <a:r>
-              <a:rPr lang="zh-CN" altLang="en-US" sz="2800" b="1" dirty="0">
-                <a:solidFill>
-                  <a:schemeClr val="tx1">
-                    <a:lumMod val="75000"/>
-                    <a:lumOff val="25000"/>
-                  </a:schemeClr>
-                </a:solidFill>
-                <a:latin typeface="黑体" panose="02010609060101010101" pitchFamily="49" charset="-122"/>
-                <a:ea typeface="黑体" panose="02010609060101010101" pitchFamily="49" charset="-122"/>
-              </a:rPr>
-              <a:t>性能需求</a:t>
-            </a:r>
-            <a:endParaRPr lang="en-US" altLang="zh-CN" sz="2800" b="1" dirty="0">
+                <a:latin typeface="黑体"/>
+                <a:ea typeface="黑体"/>
+              </a:rPr>
+              <a:t>SRS Baseline</a:t>
+            </a:r>
+            <a:endParaRPr lang="zh-CN" altLang="en-US" sz="2400" b="1" dirty="0">
               <a:solidFill>
                 <a:schemeClr val="tx1">
                   <a:lumMod val="75000"/>
                   <a:lumOff val="25000"/>
                 </a:schemeClr>
               </a:solidFill>
-              <a:latin typeface="黑体" panose="02010609060101010101" pitchFamily="49" charset="-122"/>
-              <a:ea typeface="黑体" panose="02010609060101010101" pitchFamily="49" charset="-122"/>
+              <a:latin typeface="黑体"/>
+              <a:ea typeface="黑体"/>
             </a:endParaRPr>
           </a:p>
-          <a:p>
-            <a:r>
-              <a:rPr lang="zh-CN" altLang="zh-CN" sz="2400" dirty="0">
-                <a:effectLst/>
-                <a:latin typeface="黑体" panose="02010609060101010101" pitchFamily="49" charset="-122"/>
-                <a:ea typeface="黑体" panose="02010609060101010101" pitchFamily="49" charset="-122"/>
-                <a:cs typeface="Times New Roman" panose="02020603050405020304" pitchFamily="18" charset="0"/>
-              </a:rPr>
-              <a:t>系统至少能承载的最大并发用户数要求达到</a:t>
-            </a:r>
-            <a:r>
-              <a:rPr lang="en-US" altLang="zh-CN" sz="2400" dirty="0">
-                <a:effectLst/>
-                <a:latin typeface="黑体" panose="02010609060101010101" pitchFamily="49" charset="-122"/>
-                <a:ea typeface="黑体" panose="02010609060101010101" pitchFamily="49" charset="-122"/>
-                <a:cs typeface="Times New Roman" panose="02020603050405020304" pitchFamily="18" charset="0"/>
-              </a:rPr>
-              <a:t>1000</a:t>
-            </a:r>
-            <a:r>
-              <a:rPr lang="zh-CN" altLang="zh-CN" sz="2400" dirty="0">
-                <a:effectLst/>
-                <a:latin typeface="黑体" panose="02010609060101010101" pitchFamily="49" charset="-122"/>
-                <a:ea typeface="黑体" panose="02010609060101010101" pitchFamily="49" charset="-122"/>
-                <a:cs typeface="Times New Roman" panose="02020603050405020304" pitchFamily="18" charset="0"/>
-              </a:rPr>
-              <a:t>。</a:t>
-            </a:r>
-            <a:br>
-              <a:rPr lang="en-US" altLang="zh-CN" sz="2400" dirty="0">
-                <a:effectLst/>
-                <a:latin typeface="黑体" panose="02010609060101010101" pitchFamily="49" charset="-122"/>
-                <a:ea typeface="黑体" panose="02010609060101010101" pitchFamily="49" charset="-122"/>
-                <a:cs typeface="Times New Roman" panose="02020603050405020304" pitchFamily="18" charset="0"/>
-              </a:rPr>
-            </a:br>
-            <a:r>
-              <a:rPr lang="zh-CN" altLang="zh-CN" sz="2400" kern="100" dirty="0">
-                <a:effectLst/>
-                <a:latin typeface="黑体" panose="02010609060101010101" pitchFamily="49" charset="-122"/>
-                <a:ea typeface="黑体" panose="02010609060101010101" pitchFamily="49" charset="-122"/>
-                <a:cs typeface="Times New Roman" panose="02020603050405020304" pitchFamily="18" charset="0"/>
-              </a:rPr>
-              <a:t>系统平均响应时间低于</a:t>
-            </a:r>
-            <a:r>
-              <a:rPr lang="en-US" altLang="zh-CN" sz="2400" kern="100" dirty="0">
-                <a:effectLst/>
-                <a:latin typeface="黑体" panose="02010609060101010101" pitchFamily="49" charset="-122"/>
-                <a:ea typeface="黑体" panose="02010609060101010101" pitchFamily="49" charset="-122"/>
-                <a:cs typeface="Times New Roman" panose="02020603050405020304" pitchFamily="18" charset="0"/>
-              </a:rPr>
-              <a:t>500ms</a:t>
-            </a:r>
-            <a:r>
-              <a:rPr lang="zh-CN" altLang="zh-CN" sz="2400" kern="100" dirty="0">
-                <a:effectLst/>
-                <a:latin typeface="黑体" panose="02010609060101010101" pitchFamily="49" charset="-122"/>
-                <a:ea typeface="黑体" panose="02010609060101010101" pitchFamily="49" charset="-122"/>
-                <a:cs typeface="Times New Roman" panose="02020603050405020304" pitchFamily="18" charset="0"/>
-              </a:rPr>
-              <a:t>。</a:t>
-            </a:r>
-          </a:p>
-          <a:p>
-            <a:endParaRPr lang="zh-CN" altLang="en-US" sz="2400" dirty="0">
-              <a:solidFill>
-                <a:schemeClr val="tx1">
-                  <a:lumMod val="75000"/>
-                  <a:lumOff val="25000"/>
-                </a:schemeClr>
-              </a:solidFill>
-              <a:latin typeface="黑体" panose="02010609060101010101" pitchFamily="49" charset="-122"/>
-              <a:ea typeface="黑体" panose="02010609060101010101" pitchFamily="49" charset="-122"/>
-            </a:endParaRPr>
-          </a:p>
-        </p:txBody>
-      </p:sp>
-      <p:sp>
-        <p:nvSpPr>
-          <p:cNvPr id="13" name="矩形 12">
+        </p:txBody>
+      </p:sp>
+      <p:sp>
+        <p:nvSpPr>
+          <p:cNvPr id="9" name="文本框 8">
             <a:extLst>
               <a:ext uri="{FF2B5EF4-FFF2-40B4-BE49-F238E27FC236}">
-                <a16:creationId xmlns:a16="http://schemas.microsoft.com/office/drawing/2014/main" id="{C807ADA2-E64C-8742-8480-B509E3D3002F}"/>
+                <a16:creationId xmlns:a16="http://schemas.microsoft.com/office/drawing/2014/main" id="{D962281A-9CFE-4484-829B-2BED9A7B861C}"/>
               </a:ext>
             </a:extLst>
           </p:cNvPr>
-          <p:cNvSpPr/>
-          <p:nvPr/>
-        </p:nvSpPr>
-        <p:spPr>
-          <a:xfrm>
-            <a:off x="2773986" y="3232574"/>
-            <a:ext cx="8956299" cy="2995692"/>
-          </a:xfrm>
-          <a:prstGeom prst="rect">
-            <a:avLst/>
-          </a:prstGeom>
-        </p:spPr>
-        <p:txBody>
-          <a:bodyPr wrap="square">
+          <p:cNvSpPr txBox="1"/>
+          <p:nvPr/>
+        </p:nvSpPr>
+        <p:spPr>
+          <a:xfrm>
+            <a:off x="2500896" y="5447267"/>
+            <a:ext cx="6953141" cy="461665"/>
+          </a:xfrm>
+          <a:prstGeom prst="rect">
+            <a:avLst/>
+          </a:prstGeom>
+        </p:spPr>
+        <p:txBody>
+          <a:bodyPr rot="0" spcFirstLastPara="0" vertOverflow="overflow" horzOverflow="overflow" vert="horz" wrap="square" lIns="91440" tIns="45720" rIns="91440" bIns="45720" numCol="1" spcCol="0" rtlCol="0" fromWordArt="0" anchor="t" anchorCtr="0" forceAA="0" compatLnSpc="1">
+            <a:prstTxWarp prst="textNoShape">
+              <a:avLst/>
+            </a:prstTxWarp>
             <a:spAutoFit/>
           </a:bodyPr>
           <a:lstStyle/>
           <a:p>
             <a:r>
-              <a:rPr lang="zh-CN" altLang="en-US" sz="2800" b="1" dirty="0">
+              <a:rPr lang="zh-CN" altLang="en-US" sz="2400" dirty="0">
                 <a:solidFill>
                   <a:schemeClr val="tx1">
-                    <a:lumMod val="75000"/>
-                    <a:lumOff val="25000"/>
+                    <a:lumMod val="85000"/>
+                    <a:lumOff val="15000"/>
                   </a:schemeClr>
                 </a:solidFill>
                 <a:latin typeface="黑体" panose="02010609060101010101" pitchFamily="49" charset="-122"/>
                 <a:ea typeface="黑体" panose="02010609060101010101" pitchFamily="49" charset="-122"/>
               </a:rPr>
-              <a:t>易用性</a:t>
-            </a:r>
-            <a:endParaRPr lang="en-US" altLang="zh-CN" sz="2800" b="1" dirty="0">
-              <a:solidFill>
-                <a:schemeClr val="tx1">
-                  <a:lumMod val="75000"/>
-                  <a:lumOff val="25000"/>
-                </a:schemeClr>
-              </a:solidFill>
-              <a:latin typeface="黑体" panose="02010609060101010101" pitchFamily="49" charset="-122"/>
-              <a:ea typeface="黑体" panose="02010609060101010101" pitchFamily="49" charset="-122"/>
-            </a:endParaRPr>
-          </a:p>
-          <a:p>
-            <a:pPr marL="342900" lvl="0" indent="-342900" algn="l">
-              <a:spcBef>
-                <a:spcPts val="500"/>
-              </a:spcBef>
-              <a:spcAft>
-                <a:spcPts val="0"/>
-              </a:spcAft>
-              <a:buFont typeface="+mj-lt"/>
-              <a:buAutoNum type="arabicPeriod"/>
-            </a:pPr>
-            <a:r>
-              <a:rPr lang="zh-CN" altLang="zh-CN" sz="2400" kern="100" dirty="0">
-                <a:effectLst/>
+              <a:t>需求规格说明书已经上传到</a:t>
+            </a:r>
+            <a:r>
+              <a:rPr lang="en-US" altLang="zh-CN" sz="2400" dirty="0" err="1">
+                <a:solidFill>
+                  <a:schemeClr val="tx1">
+                    <a:lumMod val="85000"/>
+                    <a:lumOff val="15000"/>
+                  </a:schemeClr>
+                </a:solidFill>
                 <a:latin typeface="黑体" panose="02010609060101010101" pitchFamily="49" charset="-122"/>
                 <a:ea typeface="黑体" panose="02010609060101010101" pitchFamily="49" charset="-122"/>
-                <a:cs typeface="Times New Roman" panose="02020603050405020304" pitchFamily="18" charset="0"/>
-              </a:rPr>
-              <a:t>本项目在需求开发阶段与各用户代表进行了多次详细深入的访谈，确保用户对用户页面功能的了解</a:t>
-            </a:r>
-          </a:p>
-          <a:p>
-            <a:pPr marL="342900" lvl="0" indent="-342900" algn="l">
-              <a:spcBef>
-                <a:spcPts val="500"/>
-              </a:spcBef>
-              <a:spcAft>
-                <a:spcPts val="0"/>
-              </a:spcAft>
-              <a:buFont typeface="+mj-lt"/>
-              <a:buAutoNum type="arabicPeriod"/>
-            </a:pPr>
-            <a:r>
-              <a:rPr lang="zh-CN" altLang="zh-CN" sz="2400" kern="100" dirty="0">
-                <a:effectLst/>
+              </a:rPr>
+              <a:t>github</a:t>
+            </a:r>
+            <a:r>
+              <a:rPr lang="zh-CN" altLang="en-US" sz="2400" dirty="0">
+                <a:solidFill>
+                  <a:schemeClr val="tx1">
+                    <a:lumMod val="85000"/>
+                    <a:lumOff val="15000"/>
+                  </a:schemeClr>
+                </a:solidFill>
                 <a:latin typeface="黑体" panose="02010609060101010101" pitchFamily="49" charset="-122"/>
                 <a:ea typeface="黑体" panose="02010609060101010101" pitchFamily="49" charset="-122"/>
-                <a:cs typeface="Times New Roman" panose="02020603050405020304" pitchFamily="18" charset="0"/>
-              </a:rPr>
-              <a:t>只需下载打开</a:t>
-            </a:r>
-            <a:r>
-              <a:rPr lang="en-US" altLang="zh-CN" sz="2400" kern="100" dirty="0">
-                <a:effectLst/>
-                <a:latin typeface="黑体" panose="02010609060101010101" pitchFamily="49" charset="-122"/>
-                <a:ea typeface="黑体" panose="02010609060101010101" pitchFamily="49" charset="-122"/>
-                <a:cs typeface="Times New Roman" panose="02020603050405020304" pitchFamily="18" charset="0"/>
-              </a:rPr>
-              <a:t>APP</a:t>
-            </a:r>
-            <a:r>
-              <a:rPr lang="zh-CN" altLang="zh-CN" sz="2400" kern="100" dirty="0">
-                <a:effectLst/>
-                <a:latin typeface="黑体" panose="02010609060101010101" pitchFamily="49" charset="-122"/>
-                <a:ea typeface="黑体" panose="02010609060101010101" pitchFamily="49" charset="-122"/>
-                <a:cs typeface="Times New Roman" panose="02020603050405020304" pitchFamily="18" charset="0"/>
-              </a:rPr>
-              <a:t>并登陆即可使用。</a:t>
-            </a:r>
-          </a:p>
-          <a:p>
-            <a:pPr marL="342900" lvl="0" indent="-342900" algn="l">
-              <a:spcBef>
-                <a:spcPts val="500"/>
-              </a:spcBef>
-              <a:spcAft>
-                <a:spcPts val="0"/>
-              </a:spcAft>
-              <a:buFont typeface="+mj-lt"/>
-              <a:buAutoNum type="arabicPeriod"/>
-            </a:pPr>
-            <a:r>
-              <a:rPr lang="zh-CN" altLang="zh-CN" sz="2400" kern="100" dirty="0">
-                <a:effectLst/>
-                <a:latin typeface="黑体" panose="02010609060101010101" pitchFamily="49" charset="-122"/>
-                <a:ea typeface="黑体" panose="02010609060101010101" pitchFamily="49" charset="-122"/>
-                <a:cs typeface="Times New Roman" panose="02020603050405020304" pitchFamily="18" charset="0"/>
-              </a:rPr>
-              <a:t>页面布局符合用户的日常使用习惯</a:t>
-            </a:r>
-            <a:endParaRPr lang="en-US" altLang="zh-CN" sz="2400" kern="100" dirty="0">
-              <a:effectLst/>
-              <a:latin typeface="黑体" panose="02010609060101010101" pitchFamily="49" charset="-122"/>
-              <a:ea typeface="黑体" panose="02010609060101010101" pitchFamily="49" charset="-122"/>
-              <a:cs typeface="Times New Roman" panose="02020603050405020304" pitchFamily="18" charset="0"/>
-            </a:endParaRPr>
-          </a:p>
-          <a:p>
-            <a:pPr marL="342900" lvl="0" indent="-342900" algn="l">
-              <a:spcBef>
-                <a:spcPts val="500"/>
-              </a:spcBef>
-              <a:spcAft>
-                <a:spcPts val="0"/>
-              </a:spcAft>
-              <a:buFont typeface="+mj-lt"/>
-              <a:buAutoNum type="arabicPeriod"/>
-            </a:pPr>
-            <a:r>
-              <a:rPr lang="zh-CN" altLang="en-US" sz="2400" kern="100" dirty="0">
-                <a:effectLst/>
-                <a:latin typeface="黑体" panose="02010609060101010101" pitchFamily="49" charset="-122"/>
-                <a:ea typeface="黑体" panose="02010609060101010101" pitchFamily="49" charset="-122"/>
-                <a:cs typeface="Times New Roman" panose="02020603050405020304" pitchFamily="18" charset="0"/>
-              </a:rPr>
-              <a:t>登录成功后离线也可使用部分功能（例如查看已保存的课表及任务）</a:t>
-            </a:r>
-            <a:endParaRPr lang="zh-CN" altLang="zh-CN" sz="2400" kern="100" dirty="0">
-              <a:effectLst/>
-              <a:latin typeface="黑体" panose="02010609060101010101" pitchFamily="49" charset="-122"/>
-              <a:ea typeface="黑体" panose="02010609060101010101" pitchFamily="49" charset="-122"/>
-              <a:cs typeface="Times New Roman" panose="02020603050405020304" pitchFamily="18" charset="0"/>
-            </a:endParaRPr>
+              </a:rPr>
+              <a:t>中的团队项目中</a:t>
+            </a:r>
           </a:p>
         </p:txBody>
       </p:sp>
     </p:spTree>
     <p:extLst>
       <p:ext uri="{BB962C8B-B14F-4D97-AF65-F5344CB8AC3E}">
-        <p14:creationId xmlns:p14="http://schemas.microsoft.com/office/powerpoint/2010/main" val="3798542832"/>
+        <p14:creationId xmlns:p14="http://schemas.microsoft.com/office/powerpoint/2010/main" val="466151644"/>
       </p:ext>
     </p:extLst>
   </p:cSld>
@@ -4780,23 +3374,59 @@
           <a:chExt cx="0" cy="0"/>
         </a:xfrm>
       </p:grpSpPr>
-      <p:sp>
-        <p:nvSpPr>
-          <p:cNvPr id="19" name="矩形 18"/>
+      <p:pic>
+        <p:nvPicPr>
+          <p:cNvPr id="3" name="图片 2">
+            <a:extLst>
+              <a:ext uri="{FF2B5EF4-FFF2-40B4-BE49-F238E27FC236}">
+                <a16:creationId xmlns:a16="http://schemas.microsoft.com/office/drawing/2014/main" id="{BA6F8285-7FA1-4F6A-93BD-960A0A3475F9}"/>
+              </a:ext>
+            </a:extLst>
+          </p:cNvPr>
+          <p:cNvPicPr>
+            <a:picLocks noChangeAspect="1"/>
+          </p:cNvPicPr>
+          <p:nvPr/>
+        </p:nvPicPr>
+        <p:blipFill>
+          <a:blip r:embed="rId2"/>
+          <a:stretch>
+            <a:fillRect/>
+          </a:stretch>
+        </p:blipFill>
+        <p:spPr>
+          <a:xfrm>
+            <a:off x="3177300" y="1115276"/>
+            <a:ext cx="6051366" cy="5209510"/>
+          </a:xfrm>
+          <a:prstGeom prst="rect">
+            <a:avLst/>
+          </a:prstGeom>
+        </p:spPr>
+      </p:pic>
+      <p:sp>
+        <p:nvSpPr>
+          <p:cNvPr id="4" name="矩形 3">
+            <a:extLst>
+              <a:ext uri="{FF2B5EF4-FFF2-40B4-BE49-F238E27FC236}">
+                <a16:creationId xmlns:a16="http://schemas.microsoft.com/office/drawing/2014/main" id="{B178AA39-0712-42BC-AF82-777B96D057B6}"/>
+              </a:ext>
+            </a:extLst>
+          </p:cNvPr>
           <p:cNvSpPr/>
           <p:nvPr/>
         </p:nvSpPr>
         <p:spPr>
           <a:xfrm>
-            <a:off x="381337" y="243008"/>
-            <a:ext cx="2040943" cy="461665"/>
-          </a:xfrm>
-          <a:prstGeom prst="rect">
-            <a:avLst/>
-          </a:prstGeom>
-        </p:spPr>
-        <p:txBody>
-          <a:bodyPr wrap="none">
+            <a:off x="437647" y="278039"/>
+            <a:ext cx="2969083" cy="461665"/>
+          </a:xfrm>
+          <a:prstGeom prst="rect">
+            <a:avLst/>
+          </a:prstGeom>
+        </p:spPr>
+        <p:txBody>
+          <a:bodyPr wrap="none" anchor="t">
             <a:spAutoFit/>
           </a:bodyPr>
           <a:lstStyle/>
@@ -4809,311 +3439,10 @@
                     <a:lumOff val="25000"/>
                   </a:schemeClr>
                 </a:solidFill>
-                <a:latin typeface="黑体" panose="02010609060101010101" pitchFamily="49" charset="-122"/>
-                <a:ea typeface="黑体" panose="02010609060101010101" pitchFamily="49" charset="-122"/>
-              </a:rPr>
-              <a:t>非功能性需求</a:t>
-            </a:r>
-          </a:p>
-        </p:txBody>
-      </p:sp>
-      <p:sp>
-        <p:nvSpPr>
-          <p:cNvPr id="7" name="矩形 6">
-            <a:extLst>
-              <a:ext uri="{FF2B5EF4-FFF2-40B4-BE49-F238E27FC236}">
-                <a16:creationId xmlns:a16="http://schemas.microsoft.com/office/drawing/2014/main" id="{44D0FCF1-B733-7640-AA89-54F43B384674}"/>
-              </a:ext>
-            </a:extLst>
-          </p:cNvPr>
-          <p:cNvSpPr/>
-          <p:nvPr/>
-        </p:nvSpPr>
-        <p:spPr>
-          <a:xfrm>
-            <a:off x="381337" y="3132842"/>
-            <a:ext cx="1988045" cy="523220"/>
-          </a:xfrm>
-          <a:prstGeom prst="rect">
-            <a:avLst/>
-          </a:prstGeom>
-        </p:spPr>
-        <p:txBody>
-          <a:bodyPr wrap="none">
-            <a:spAutoFit/>
-          </a:bodyPr>
-          <a:lstStyle/>
-          <a:p>
-            <a:r>
-              <a:rPr lang="zh-CN" altLang="en-US" sz="2800" b="1" dirty="0">
-                <a:solidFill>
-                  <a:schemeClr val="tx1">
-                    <a:lumMod val="75000"/>
-                    <a:lumOff val="25000"/>
-                  </a:schemeClr>
-                </a:solidFill>
-                <a:latin typeface="黑体" panose="02010609060101010101" pitchFamily="49" charset="-122"/>
-                <a:ea typeface="黑体" panose="02010609060101010101" pitchFamily="49" charset="-122"/>
-              </a:rPr>
-              <a:t>管理员需求</a:t>
-            </a:r>
-          </a:p>
-        </p:txBody>
-      </p:sp>
-      <p:cxnSp>
-        <p:nvCxnSpPr>
-          <p:cNvPr id="5" name="直线连接符 4">
-            <a:extLst>
-              <a:ext uri="{FF2B5EF4-FFF2-40B4-BE49-F238E27FC236}">
-                <a16:creationId xmlns:a16="http://schemas.microsoft.com/office/drawing/2014/main" id="{94A53153-DF42-8942-887F-75443750EC2D}"/>
-              </a:ext>
-            </a:extLst>
-          </p:cNvPr>
-          <p:cNvCxnSpPr>
-            <a:cxnSpLocks/>
-          </p:cNvCxnSpPr>
-          <p:nvPr/>
-        </p:nvCxnSpPr>
-        <p:spPr>
-          <a:xfrm>
-            <a:off x="2534440" y="1207658"/>
-            <a:ext cx="0" cy="4896809"/>
-          </a:xfrm>
-          <a:prstGeom prst="line">
-            <a:avLst/>
-          </a:prstGeom>
-        </p:spPr>
-        <p:style>
-          <a:lnRef idx="1">
-            <a:schemeClr val="dk1"/>
-          </a:lnRef>
-          <a:fillRef idx="0">
-            <a:schemeClr val="dk1"/>
-          </a:fillRef>
-          <a:effectRef idx="0">
-            <a:schemeClr val="dk1"/>
-          </a:effectRef>
-          <a:fontRef idx="minor">
-            <a:schemeClr val="tx1"/>
-          </a:fontRef>
-        </p:style>
-      </p:cxnSp>
-      <p:sp>
-        <p:nvSpPr>
-          <p:cNvPr id="10" name="矩形 9">
-            <a:extLst>
-              <a:ext uri="{FF2B5EF4-FFF2-40B4-BE49-F238E27FC236}">
-                <a16:creationId xmlns:a16="http://schemas.microsoft.com/office/drawing/2014/main" id="{5A0CDC55-9410-A249-B48C-7766DBD33CDA}"/>
-              </a:ext>
-            </a:extLst>
-          </p:cNvPr>
-          <p:cNvSpPr/>
-          <p:nvPr/>
-        </p:nvSpPr>
-        <p:spPr>
-          <a:xfrm>
-            <a:off x="2801467" y="967376"/>
-            <a:ext cx="8241000" cy="3108543"/>
-          </a:xfrm>
-          <a:prstGeom prst="rect">
-            <a:avLst/>
-          </a:prstGeom>
-        </p:spPr>
-        <p:txBody>
-          <a:bodyPr wrap="square">
-            <a:spAutoFit/>
-          </a:bodyPr>
-          <a:lstStyle/>
-          <a:p>
-            <a:r>
-              <a:rPr lang="zh-CN" altLang="en-US" sz="2800" b="1" dirty="0">
-                <a:solidFill>
-                  <a:schemeClr val="tx1">
-                    <a:lumMod val="75000"/>
-                    <a:lumOff val="25000"/>
-                  </a:schemeClr>
-                </a:solidFill>
-                <a:latin typeface="黑体" panose="02010609060101010101" pitchFamily="49" charset="-122"/>
-                <a:ea typeface="黑体" panose="02010609060101010101" pitchFamily="49" charset="-122"/>
-              </a:rPr>
-              <a:t>安全性需求</a:t>
-            </a:r>
-            <a:endParaRPr lang="en-US" altLang="zh-CN" sz="2800" b="1" dirty="0">
-              <a:solidFill>
-                <a:schemeClr val="tx1">
-                  <a:lumMod val="75000"/>
-                  <a:lumOff val="25000"/>
-                </a:schemeClr>
-              </a:solidFill>
-              <a:latin typeface="黑体" panose="02010609060101010101" pitchFamily="49" charset="-122"/>
-              <a:ea typeface="黑体" panose="02010609060101010101" pitchFamily="49" charset="-122"/>
-            </a:endParaRPr>
-          </a:p>
-          <a:p>
-            <a:pPr marL="342900" lvl="0" indent="-342900" algn="just">
-              <a:buFont typeface="+mj-lt"/>
-              <a:buAutoNum type="arabicPeriod"/>
-            </a:pPr>
-            <a:r>
-              <a:rPr lang="zh-CN" altLang="zh-CN" sz="2400" kern="100" dirty="0">
-                <a:effectLst/>
-                <a:latin typeface="黑体" panose="02010609060101010101" pitchFamily="49" charset="-122"/>
-                <a:ea typeface="黑体" panose="02010609060101010101" pitchFamily="49" charset="-122"/>
-                <a:cs typeface="Times New Roman" panose="02020603050405020304" pitchFamily="18" charset="0"/>
-              </a:rPr>
-              <a:t>只有管理员才能对用户信息进行操作。</a:t>
-            </a:r>
-          </a:p>
-          <a:p>
-            <a:pPr marL="342900" lvl="0" indent="-342900" algn="just">
-              <a:buFont typeface="+mj-lt"/>
-              <a:buAutoNum type="arabicPeriod"/>
-            </a:pPr>
-            <a:r>
-              <a:rPr lang="zh-CN" altLang="zh-CN" sz="2400" kern="100" dirty="0">
-                <a:effectLst/>
-                <a:latin typeface="黑体" panose="02010609060101010101" pitchFamily="49" charset="-122"/>
-                <a:ea typeface="黑体" panose="02010609060101010101" pitchFamily="49" charset="-122"/>
-                <a:cs typeface="Times New Roman" panose="02020603050405020304" pitchFamily="18" charset="0"/>
-              </a:rPr>
-              <a:t>由系统自动注册的用户的临时密码，用户第一次登录成功后，必须修改密码。</a:t>
-            </a:r>
-          </a:p>
-          <a:p>
-            <a:pPr marL="342900" lvl="0" indent="-342900" algn="just">
-              <a:buFont typeface="+mj-lt"/>
-              <a:buAutoNum type="arabicPeriod"/>
-            </a:pPr>
-            <a:r>
-              <a:rPr lang="zh-CN" altLang="zh-CN" sz="2400" kern="100" dirty="0">
-                <a:effectLst/>
-                <a:latin typeface="黑体" panose="02010609060101010101" pitchFamily="49" charset="-122"/>
-                <a:ea typeface="黑体" panose="02010609060101010101" pitchFamily="49" charset="-122"/>
-                <a:cs typeface="Times New Roman" panose="02020603050405020304" pitchFamily="18" charset="0"/>
-              </a:rPr>
-              <a:t>对于用户的密码需要以加密的方式进行传输和存储。</a:t>
-            </a:r>
-          </a:p>
-          <a:p>
-            <a:pPr marL="342900" lvl="0" indent="-342900" algn="just">
-              <a:buFont typeface="+mj-lt"/>
-              <a:buAutoNum type="arabicPeriod"/>
-            </a:pPr>
-            <a:r>
-              <a:rPr lang="zh-CN" altLang="zh-CN" sz="2400" kern="100" dirty="0">
-                <a:effectLst/>
-                <a:latin typeface="黑体" panose="02010609060101010101" pitchFamily="49" charset="-122"/>
-                <a:ea typeface="黑体" panose="02010609060101010101" pitchFamily="49" charset="-122"/>
-                <a:cs typeface="Times New Roman" panose="02020603050405020304" pitchFamily="18" charset="0"/>
-              </a:rPr>
-              <a:t>教师注册需要通过管理员审核，需要上传身份证等信息，本团队可以保障用户个人信息不被泄露和不被用于其他用途</a:t>
-            </a:r>
-          </a:p>
-        </p:txBody>
-      </p:sp>
-      <p:sp>
-        <p:nvSpPr>
-          <p:cNvPr id="13" name="矩形 12">
-            <a:extLst>
-              <a:ext uri="{FF2B5EF4-FFF2-40B4-BE49-F238E27FC236}">
-                <a16:creationId xmlns:a16="http://schemas.microsoft.com/office/drawing/2014/main" id="{C807ADA2-E64C-8742-8480-B509E3D3002F}"/>
-              </a:ext>
-            </a:extLst>
-          </p:cNvPr>
-          <p:cNvSpPr/>
-          <p:nvPr/>
-        </p:nvSpPr>
-        <p:spPr>
-          <a:xfrm>
-            <a:off x="2646601" y="4196455"/>
-            <a:ext cx="9155402" cy="2000548"/>
-          </a:xfrm>
-          <a:prstGeom prst="rect">
-            <a:avLst/>
-          </a:prstGeom>
-        </p:spPr>
-        <p:txBody>
-          <a:bodyPr wrap="square">
-            <a:spAutoFit/>
-          </a:bodyPr>
-          <a:lstStyle/>
-          <a:p>
-            <a:r>
-              <a:rPr lang="zh-CN" altLang="en-US" sz="2800" b="1" dirty="0">
-                <a:solidFill>
-                  <a:schemeClr val="tx1">
-                    <a:lumMod val="75000"/>
-                    <a:lumOff val="25000"/>
-                  </a:schemeClr>
-                </a:solidFill>
-                <a:latin typeface="黑体" panose="02010609060101010101" pitchFamily="49" charset="-122"/>
-                <a:ea typeface="黑体" panose="02010609060101010101" pitchFamily="49" charset="-122"/>
-              </a:rPr>
-              <a:t>可维护性</a:t>
-            </a:r>
-            <a:endParaRPr lang="en-US" altLang="zh-CN" sz="2800" b="1" dirty="0">
-              <a:solidFill>
-                <a:schemeClr val="tx1">
-                  <a:lumMod val="75000"/>
-                  <a:lumOff val="25000"/>
-                </a:schemeClr>
-              </a:solidFill>
-              <a:latin typeface="黑体" panose="02010609060101010101" pitchFamily="49" charset="-122"/>
-              <a:ea typeface="黑体" panose="02010609060101010101" pitchFamily="49" charset="-122"/>
-            </a:endParaRPr>
-          </a:p>
-          <a:p>
-            <a:pPr marL="342900" lvl="0" indent="-342900" algn="just">
-              <a:buFont typeface="+mj-lt"/>
-              <a:buAutoNum type="arabicPeriod"/>
-            </a:pPr>
-            <a:r>
-              <a:rPr lang="zh-CN" altLang="zh-CN" sz="2400" kern="100" dirty="0">
-                <a:effectLst/>
-                <a:latin typeface="黑体" panose="02010609060101010101" pitchFamily="49" charset="-122"/>
-                <a:ea typeface="黑体" panose="02010609060101010101" pitchFamily="49" charset="-122"/>
-                <a:cs typeface="Times New Roman" panose="02020603050405020304" pitchFamily="18" charset="0"/>
-              </a:rPr>
-              <a:t>软件内部功能模块化，易于功能的增删改。</a:t>
-            </a:r>
-          </a:p>
-          <a:p>
-            <a:pPr marL="342900" lvl="0" indent="-342900" algn="just">
-              <a:buFont typeface="+mj-lt"/>
-              <a:buAutoNum type="arabicPeriod"/>
-            </a:pPr>
-            <a:r>
-              <a:rPr lang="zh-CN" altLang="zh-CN" sz="2400" kern="100" dirty="0">
-                <a:effectLst/>
-                <a:latin typeface="黑体" panose="02010609060101010101" pitchFamily="49" charset="-122"/>
-                <a:ea typeface="黑体" panose="02010609060101010101" pitchFamily="49" charset="-122"/>
-                <a:cs typeface="Times New Roman" panose="02020603050405020304" pitchFamily="18" charset="0"/>
-              </a:rPr>
-              <a:t>软件代码有条理，备注详细，并配有维护手册。</a:t>
-            </a:r>
-          </a:p>
-          <a:p>
-            <a:pPr marL="342900" lvl="0" indent="-342900" algn="just">
-              <a:buFont typeface="+mj-lt"/>
-              <a:buAutoNum type="arabicPeriod"/>
-            </a:pPr>
-            <a:r>
-              <a:rPr lang="zh-CN" altLang="zh-CN" sz="2400" kern="100" dirty="0">
-                <a:effectLst/>
-                <a:latin typeface="黑体" panose="02010609060101010101" pitchFamily="49" charset="-122"/>
-                <a:ea typeface="黑体" panose="02010609060101010101" pitchFamily="49" charset="-122"/>
-                <a:cs typeface="Times New Roman" panose="02020603050405020304" pitchFamily="18" charset="0"/>
-              </a:rPr>
-              <a:t>日常维护可视化，能做到让非软件相关从业者也能清晰了应用运行状态</a:t>
-            </a:r>
-            <a:r>
-              <a:rPr lang="zh-CN" altLang="zh-CN" sz="1800" kern="100" dirty="0">
-                <a:effectLst/>
-                <a:latin typeface="Calibri" panose="020F0502020204030204" pitchFamily="34" charset="0"/>
-                <a:ea typeface="宋体" panose="02010600030101010101" pitchFamily="2" charset="-122"/>
-                <a:cs typeface="Times New Roman" panose="02020603050405020304" pitchFamily="18" charset="0"/>
-              </a:rPr>
-              <a:t>。</a:t>
+                <a:latin typeface="黑体"/>
+                <a:ea typeface="黑体"/>
+              </a:rPr>
+              <a:t>小组成员绩效评分表</a:t>
             </a:r>
           </a:p>
         </p:txBody>
@@ -5121,7 +3450,7 @@
     </p:spTree>
     <p:extLst>
       <p:ext uri="{BB962C8B-B14F-4D97-AF65-F5344CB8AC3E}">
-        <p14:creationId xmlns:p14="http://schemas.microsoft.com/office/powerpoint/2010/main" val="2538405553"/>
+        <p14:creationId xmlns:p14="http://schemas.microsoft.com/office/powerpoint/2010/main" val="1814025515"/>
       </p:ext>
     </p:extLst>
   </p:cSld>
@@ -5150,391 +3479,6 @@
       </p:grpSpPr>
       <p:sp>
         <p:nvSpPr>
-          <p:cNvPr id="3" name="矩形 2"/>
-          <p:cNvSpPr/>
-          <p:nvPr/>
-        </p:nvSpPr>
-        <p:spPr>
-          <a:xfrm>
-            <a:off x="166713" y="83305"/>
-            <a:ext cx="1422184" cy="461665"/>
-          </a:xfrm>
-          <a:prstGeom prst="rect">
-            <a:avLst/>
-          </a:prstGeom>
-        </p:spPr>
-        <p:txBody>
-          <a:bodyPr wrap="none" anchor="t">
-            <a:spAutoFit/>
-          </a:bodyPr>
-          <a:lstStyle/>
-          <a:p>
-            <a:r>
-              <a:rPr lang="zh-CN" altLang="en-US" sz="2400" b="1" dirty="0">
-                <a:solidFill>
-                  <a:schemeClr val="tx1">
-                    <a:lumMod val="75000"/>
-                    <a:lumOff val="25000"/>
-                  </a:schemeClr>
-                </a:solidFill>
-                <a:latin typeface="黑体" panose="02010609060101010101" charset="-122"/>
-                <a:ea typeface="黑体" panose="02010609060101010101" charset="-122"/>
-              </a:rPr>
-              <a:t>会议纪要</a:t>
-            </a:r>
-          </a:p>
-        </p:txBody>
-      </p:sp>
-      <p:sp>
-        <p:nvSpPr>
-          <p:cNvPr id="10" name="文本框 9"/>
-          <p:cNvSpPr txBox="1"/>
-          <p:nvPr/>
-        </p:nvSpPr>
-        <p:spPr>
-          <a:xfrm>
-            <a:off x="4810183" y="4823310"/>
-            <a:ext cx="1901190" cy="460375"/>
-          </a:xfrm>
-          <a:prstGeom prst="rect">
-            <a:avLst/>
-          </a:prstGeom>
-        </p:spPr>
-        <p:txBody>
-          <a:bodyPr rot="0" spcFirstLastPara="0" vertOverflow="overflow" horzOverflow="overflow" vert="horz" wrap="square" lIns="91440" tIns="45720" rIns="91440" bIns="45720" numCol="1" spcCol="0" rtlCol="0" fromWordArt="0" anchor="t" anchorCtr="0" forceAA="0" compatLnSpc="1">
-            <a:spAutoFit/>
-          </a:bodyPr>
-          <a:lstStyle/>
-          <a:p>
-            <a:r>
-              <a:rPr lang="en-US" altLang="zh-CN" sz="2400" dirty="0">
-                <a:solidFill>
-                  <a:schemeClr val="bg1"/>
-                </a:solidFill>
-                <a:latin typeface="黑体" panose="02010609060101010101" charset="-122"/>
-                <a:ea typeface="黑体" panose="02010609060101010101" charset="-122"/>
-                <a:cs typeface="Segoe UI" panose="020B0502040204020203"/>
-              </a:rPr>
-              <a:t>   </a:t>
-            </a:r>
-            <a:endParaRPr lang="zh-CN" altLang="en-US" sz="2400" dirty="0">
-              <a:solidFill>
-                <a:schemeClr val="tx1"/>
-              </a:solidFill>
-              <a:latin typeface="黑体" panose="02010609060101010101" charset="-122"/>
-              <a:ea typeface="黑体" panose="02010609060101010101" charset="-122"/>
-              <a:cs typeface="Segoe UI" panose="020B0502040204020203"/>
-            </a:endParaRPr>
-          </a:p>
-        </p:txBody>
-      </p:sp>
-      <p:pic>
-        <p:nvPicPr>
-          <p:cNvPr id="9" name="图片 8">
-            <a:extLst>
-              <a:ext uri="{FF2B5EF4-FFF2-40B4-BE49-F238E27FC236}">
-                <a16:creationId xmlns:a16="http://schemas.microsoft.com/office/drawing/2014/main" id="{97ABC40E-2D8B-400F-A07B-B634E4A08358}"/>
-              </a:ext>
-            </a:extLst>
-          </p:cNvPr>
-          <p:cNvPicPr>
-            <a:picLocks noChangeAspect="1"/>
-          </p:cNvPicPr>
-          <p:nvPr/>
-        </p:nvPicPr>
-        <p:blipFill>
-          <a:blip r:embed="rId3"/>
-          <a:stretch>
-            <a:fillRect/>
-          </a:stretch>
-        </p:blipFill>
-        <p:spPr>
-          <a:xfrm>
-            <a:off x="1364343" y="910356"/>
-            <a:ext cx="4168501" cy="5403048"/>
-          </a:xfrm>
-          <a:prstGeom prst="rect">
-            <a:avLst/>
-          </a:prstGeom>
-        </p:spPr>
-      </p:pic>
-      <p:pic>
-        <p:nvPicPr>
-          <p:cNvPr id="13" name="图片 12">
-            <a:extLst>
-              <a:ext uri="{FF2B5EF4-FFF2-40B4-BE49-F238E27FC236}">
-                <a16:creationId xmlns:a16="http://schemas.microsoft.com/office/drawing/2014/main" id="{0A2594F5-6ACE-47AD-889F-FA7A56BE884D}"/>
-              </a:ext>
-            </a:extLst>
-          </p:cNvPr>
-          <p:cNvPicPr>
-            <a:picLocks noChangeAspect="1"/>
-          </p:cNvPicPr>
-          <p:nvPr/>
-        </p:nvPicPr>
-        <p:blipFill>
-          <a:blip r:embed="rId4"/>
-          <a:stretch>
-            <a:fillRect/>
-          </a:stretch>
-        </p:blipFill>
-        <p:spPr>
-          <a:xfrm>
-            <a:off x="5931429" y="910356"/>
-            <a:ext cx="4526672" cy="5540220"/>
-          </a:xfrm>
-          <a:prstGeom prst="rect">
-            <a:avLst/>
-          </a:prstGeom>
-        </p:spPr>
-      </p:pic>
-    </p:spTree>
-    <p:extLst>
-      <p:ext uri="{BB962C8B-B14F-4D97-AF65-F5344CB8AC3E}">
-        <p14:creationId xmlns:p14="http://schemas.microsoft.com/office/powerpoint/2010/main" val="2186207063"/>
-      </p:ext>
-    </p:extLst>
-  </p:cSld>
-  <p:clrMapOvr>
-    <a:masterClrMapping/>
-  </p:clrMapOvr>
-</p:sld>
-</file>
-
-<file path=ppt/slides/slide18.xml><?xml version="1.0" encoding="utf-8"?>
-<p:sld xmlns:a="http://schemas.openxmlformats.org/drawingml/2006/main" xmlns:r="http://schemas.openxmlformats.org/officeDocument/2006/relationships" xmlns:p="http://schemas.openxmlformats.org/presentationml/2006/main">
-  <p:cSld>
-    <p:spTree>
-      <p:nvGrpSpPr>
-        <p:cNvPr id="1" name=""/>
-        <p:cNvGrpSpPr/>
-        <p:nvPr/>
-      </p:nvGrpSpPr>
-      <p:grpSpPr>
-        <a:xfrm>
-          <a:off x="0" y="0"/>
-          <a:ext cx="0" cy="0"/>
-          <a:chOff x="0" y="0"/>
-          <a:chExt cx="0" cy="0"/>
-        </a:xfrm>
-      </p:grpSpPr>
-      <p:sp>
-        <p:nvSpPr>
-          <p:cNvPr id="3" name="矩形 2">
-            <a:extLst>
-              <a:ext uri="{FF2B5EF4-FFF2-40B4-BE49-F238E27FC236}">
-                <a16:creationId xmlns:a16="http://schemas.microsoft.com/office/drawing/2014/main" id="{6A191CAE-99AF-43E6-B56E-28AE7D5328BF}"/>
-              </a:ext>
-            </a:extLst>
-          </p:cNvPr>
-          <p:cNvSpPr/>
-          <p:nvPr/>
-        </p:nvSpPr>
-        <p:spPr>
-          <a:xfrm>
-            <a:off x="166713" y="83305"/>
-            <a:ext cx="2050561" cy="461665"/>
-          </a:xfrm>
-          <a:prstGeom prst="rect">
-            <a:avLst/>
-          </a:prstGeom>
-        </p:spPr>
-        <p:txBody>
-          <a:bodyPr wrap="none" anchor="t">
-            <a:spAutoFit/>
-          </a:bodyPr>
-          <a:lstStyle/>
-          <a:p>
-            <a:r>
-              <a:rPr lang="en-US" altLang="zh-CN" sz="2400" b="1" dirty="0">
-                <a:solidFill>
-                  <a:schemeClr val="tx1">
-                    <a:lumMod val="75000"/>
-                    <a:lumOff val="25000"/>
-                  </a:schemeClr>
-                </a:solidFill>
-                <a:latin typeface="黑体"/>
-                <a:ea typeface="黑体"/>
-              </a:rPr>
-              <a:t>SRS Baseline</a:t>
-            </a:r>
-            <a:endParaRPr lang="zh-CN" altLang="en-US" sz="2400" b="1" dirty="0">
-              <a:solidFill>
-                <a:schemeClr val="tx1">
-                  <a:lumMod val="75000"/>
-                  <a:lumOff val="25000"/>
-                </a:schemeClr>
-              </a:solidFill>
-              <a:latin typeface="黑体"/>
-              <a:ea typeface="黑体"/>
-            </a:endParaRPr>
-          </a:p>
-        </p:txBody>
-      </p:sp>
-      <p:sp>
-        <p:nvSpPr>
-          <p:cNvPr id="9" name="文本框 8">
-            <a:extLst>
-              <a:ext uri="{FF2B5EF4-FFF2-40B4-BE49-F238E27FC236}">
-                <a16:creationId xmlns:a16="http://schemas.microsoft.com/office/drawing/2014/main" id="{D962281A-9CFE-4484-829B-2BED9A7B861C}"/>
-              </a:ext>
-            </a:extLst>
-          </p:cNvPr>
-          <p:cNvSpPr txBox="1"/>
-          <p:nvPr/>
-        </p:nvSpPr>
-        <p:spPr>
-          <a:xfrm>
-            <a:off x="2500896" y="5447267"/>
-            <a:ext cx="6953141" cy="461665"/>
-          </a:xfrm>
-          <a:prstGeom prst="rect">
-            <a:avLst/>
-          </a:prstGeom>
-        </p:spPr>
-        <p:txBody>
-          <a:bodyPr rot="0" spcFirstLastPara="0" vertOverflow="overflow" horzOverflow="overflow" vert="horz" wrap="square" lIns="91440" tIns="45720" rIns="91440" bIns="45720" numCol="1" spcCol="0" rtlCol="0" fromWordArt="0" anchor="t" anchorCtr="0" forceAA="0" compatLnSpc="1">
-            <a:prstTxWarp prst="textNoShape">
-              <a:avLst/>
-            </a:prstTxWarp>
-            <a:spAutoFit/>
-          </a:bodyPr>
-          <a:lstStyle/>
-          <a:p>
-            <a:r>
-              <a:rPr lang="zh-CN" altLang="en-US" sz="2400" dirty="0">
-                <a:solidFill>
-                  <a:schemeClr val="tx1">
-                    <a:lumMod val="85000"/>
-                    <a:lumOff val="15000"/>
-                  </a:schemeClr>
-                </a:solidFill>
-                <a:latin typeface="黑体" panose="02010609060101010101" pitchFamily="49" charset="-122"/>
-                <a:ea typeface="黑体" panose="02010609060101010101" pitchFamily="49" charset="-122"/>
-              </a:rPr>
-              <a:t>需求规格说明书已经上传到</a:t>
-            </a:r>
-            <a:r>
-              <a:rPr lang="en-US" altLang="zh-CN" sz="2400" dirty="0" err="1">
-                <a:solidFill>
-                  <a:schemeClr val="tx1">
-                    <a:lumMod val="85000"/>
-                    <a:lumOff val="15000"/>
-                  </a:schemeClr>
-                </a:solidFill>
-                <a:latin typeface="黑体" panose="02010609060101010101" pitchFamily="49" charset="-122"/>
-                <a:ea typeface="黑体" panose="02010609060101010101" pitchFamily="49" charset="-122"/>
-              </a:rPr>
-              <a:t>github</a:t>
-            </a:r>
-            <a:r>
-              <a:rPr lang="zh-CN" altLang="en-US" sz="2400" dirty="0">
-                <a:solidFill>
-                  <a:schemeClr val="tx1">
-                    <a:lumMod val="85000"/>
-                    <a:lumOff val="15000"/>
-                  </a:schemeClr>
-                </a:solidFill>
-                <a:latin typeface="黑体" panose="02010609060101010101" pitchFamily="49" charset="-122"/>
-                <a:ea typeface="黑体" panose="02010609060101010101" pitchFamily="49" charset="-122"/>
-              </a:rPr>
-              <a:t>中的团队项目中</a:t>
-            </a:r>
-          </a:p>
-        </p:txBody>
-      </p:sp>
-      <p:pic>
-        <p:nvPicPr>
-          <p:cNvPr id="4" name="图片 3">
-            <a:extLst>
-              <a:ext uri="{FF2B5EF4-FFF2-40B4-BE49-F238E27FC236}">
-                <a16:creationId xmlns:a16="http://schemas.microsoft.com/office/drawing/2014/main" id="{4BD90D97-6CD5-4066-AFBB-C3A14291B392}"/>
-              </a:ext>
-            </a:extLst>
-          </p:cNvPr>
-          <p:cNvPicPr>
-            <a:picLocks noChangeAspect="1"/>
-          </p:cNvPicPr>
-          <p:nvPr/>
-        </p:nvPicPr>
-        <p:blipFill>
-          <a:blip r:embed="rId3"/>
-          <a:stretch>
-            <a:fillRect/>
-          </a:stretch>
-        </p:blipFill>
-        <p:spPr>
-          <a:xfrm>
-            <a:off x="780270" y="1471112"/>
-            <a:ext cx="4900864" cy="2641566"/>
-          </a:xfrm>
-          <a:prstGeom prst="rect">
-            <a:avLst/>
-          </a:prstGeom>
-        </p:spPr>
-      </p:pic>
-      <p:pic>
-        <p:nvPicPr>
-          <p:cNvPr id="6" name="图片 5">
-            <a:extLst>
-              <a:ext uri="{FF2B5EF4-FFF2-40B4-BE49-F238E27FC236}">
-                <a16:creationId xmlns:a16="http://schemas.microsoft.com/office/drawing/2014/main" id="{ED08B02B-2C52-4508-9867-35F6E463E820}"/>
-              </a:ext>
-            </a:extLst>
-          </p:cNvPr>
-          <p:cNvPicPr>
-            <a:picLocks noChangeAspect="1"/>
-          </p:cNvPicPr>
-          <p:nvPr/>
-        </p:nvPicPr>
-        <p:blipFill>
-          <a:blip r:embed="rId4"/>
-          <a:stretch>
-            <a:fillRect/>
-          </a:stretch>
-        </p:blipFill>
-        <p:spPr>
-          <a:xfrm>
-            <a:off x="6096000" y="1195366"/>
-            <a:ext cx="4328535" cy="3193057"/>
-          </a:xfrm>
-          <a:prstGeom prst="rect">
-            <a:avLst/>
-          </a:prstGeom>
-        </p:spPr>
-      </p:pic>
-    </p:spTree>
-    <p:extLst>
-      <p:ext uri="{BB962C8B-B14F-4D97-AF65-F5344CB8AC3E}">
-        <p14:creationId xmlns:p14="http://schemas.microsoft.com/office/powerpoint/2010/main" val="466151644"/>
-      </p:ext>
-    </p:extLst>
-  </p:cSld>
-  <p:clrMapOvr>
-    <a:masterClrMapping/>
-  </p:clrMapOvr>
-</p:sld>
-</file>
-
-<file path=ppt/slides/slide19.xml><?xml version="1.0" encoding="utf-8"?>
-<p:sld xmlns:a="http://schemas.openxmlformats.org/drawingml/2006/main" xmlns:r="http://schemas.openxmlformats.org/officeDocument/2006/relationships" xmlns:p="http://schemas.openxmlformats.org/presentationml/2006/main">
-  <p:cSld>
-    <p:spTree>
-      <p:nvGrpSpPr>
-        <p:cNvPr id="1" name=""/>
-        <p:cNvGrpSpPr/>
-        <p:nvPr/>
-      </p:nvGrpSpPr>
-      <p:grpSpPr>
-        <a:xfrm>
-          <a:off x="0" y="0"/>
-          <a:ext cx="0" cy="0"/>
-          <a:chOff x="0" y="0"/>
-          <a:chExt cx="0" cy="0"/>
-        </a:xfrm>
-      </p:grpSpPr>
-      <p:sp>
-        <p:nvSpPr>
           <p:cNvPr id="7" name="矩形 6"/>
           <p:cNvSpPr/>
           <p:nvPr/>
@@ -5595,7 +3539,7 @@
         <p:spPr>
           <a:xfrm>
             <a:off x="241453" y="177618"/>
-            <a:ext cx="1415772" cy="461665"/>
+            <a:ext cx="2339102" cy="461665"/>
           </a:xfrm>
           <a:prstGeom prst="rect">
             <a:avLst/>
@@ -5616,7 +3560,7 @@
                   </a:schemeClr>
                 </a:solidFill>
               </a:rPr>
-              <a:t>小组评价</a:t>
+              <a:t>第六周小组评价</a:t>
             </a:r>
           </a:p>
         </p:txBody>
@@ -6374,6 +4318,1147 @@
 </p:sld>
 </file>
 
+<file path=ppt/slides/slide18.xml><?xml version="1.0" encoding="utf-8"?>
+<p:sld xmlns:a="http://schemas.openxmlformats.org/drawingml/2006/main" xmlns:r="http://schemas.openxmlformats.org/officeDocument/2006/relationships" xmlns:p="http://schemas.openxmlformats.org/presentationml/2006/main">
+  <p:cSld>
+    <p:spTree>
+      <p:nvGrpSpPr>
+        <p:cNvPr id="1" name=""/>
+        <p:cNvGrpSpPr/>
+        <p:nvPr/>
+      </p:nvGrpSpPr>
+      <p:grpSpPr>
+        <a:xfrm>
+          <a:off x="0" y="0"/>
+          <a:ext cx="0" cy="0"/>
+          <a:chOff x="0" y="0"/>
+          <a:chExt cx="0" cy="0"/>
+        </a:xfrm>
+      </p:grpSpPr>
+      <p:sp>
+        <p:nvSpPr>
+          <p:cNvPr id="7" name="矩形 6"/>
+          <p:cNvSpPr/>
+          <p:nvPr/>
+        </p:nvSpPr>
+        <p:spPr>
+          <a:xfrm>
+            <a:off x="489776" y="1084360"/>
+            <a:ext cx="3336988" cy="2082173"/>
+          </a:xfrm>
+          <a:prstGeom prst="rect">
+            <a:avLst/>
+          </a:prstGeom>
+          <a:solidFill>
+            <a:schemeClr val="tx2">
+              <a:lumMod val="75000"/>
+              <a:alpha val="70000"/>
+            </a:schemeClr>
+          </a:solidFill>
+          <a:ln>
+            <a:noFill/>
+          </a:ln>
+        </p:spPr>
+        <p:style>
+          <a:lnRef idx="2">
+            <a:schemeClr val="accent1">
+              <a:shade val="50000"/>
+            </a:schemeClr>
+          </a:lnRef>
+          <a:fillRef idx="1">
+            <a:schemeClr val="accent1"/>
+          </a:fillRef>
+          <a:effectRef idx="0">
+            <a:schemeClr val="accent1"/>
+          </a:effectRef>
+          <a:fontRef idx="minor">
+            <a:schemeClr val="lt1"/>
+          </a:fontRef>
+        </p:style>
+        <p:txBody>
+          <a:bodyPr rtlCol="0" anchor="ctr"/>
+          <a:lstStyle/>
+          <a:p>
+            <a:pPr algn="ctr"/>
+            <a:endParaRPr lang="zh-CN" altLang="en-US">
+              <a:solidFill>
+                <a:schemeClr val="bg1"/>
+              </a:solidFill>
+            </a:endParaRPr>
+          </a:p>
+        </p:txBody>
+      </p:sp>
+      <p:sp>
+        <p:nvSpPr>
+          <p:cNvPr id="20" name="矩形 19"/>
+          <p:cNvSpPr/>
+          <p:nvPr/>
+        </p:nvSpPr>
+        <p:spPr>
+          <a:xfrm>
+            <a:off x="241453" y="177618"/>
+            <a:ext cx="2339102" cy="461665"/>
+          </a:xfrm>
+          <a:prstGeom prst="rect">
+            <a:avLst/>
+          </a:prstGeom>
+        </p:spPr>
+        <p:txBody>
+          <a:bodyPr wrap="none">
+            <a:spAutoFit/>
+          </a:bodyPr>
+          <a:lstStyle/>
+          <a:p>
+            <a:r>
+              <a:rPr lang="zh-CN" altLang="en-US" sz="2400" b="1" dirty="0">
+                <a:solidFill>
+                  <a:schemeClr val="tx1">
+                    <a:lumMod val="75000"/>
+                    <a:lumOff val="25000"/>
+                  </a:schemeClr>
+                </a:solidFill>
+              </a:rPr>
+              <a:t>第六周小组评价</a:t>
+            </a:r>
+          </a:p>
+        </p:txBody>
+      </p:sp>
+      <p:graphicFrame>
+        <p:nvGraphicFramePr>
+          <p:cNvPr id="9" name="表格 8"/>
+          <p:cNvGraphicFramePr>
+            <a:graphicFrameLocks noGrp="1"/>
+          </p:cNvGraphicFramePr>
+          <p:nvPr>
+            <p:extLst>
+              <p:ext uri="{D42A27DB-BD31-4B8C-83A1-F6EECF244321}">
+                <p14:modId xmlns:p14="http://schemas.microsoft.com/office/powerpoint/2010/main" val="3226366089"/>
+              </p:ext>
+            </p:extLst>
+          </p:nvPr>
+        </p:nvGraphicFramePr>
+        <p:xfrm>
+          <a:off x="4744024" y="2385517"/>
+          <a:ext cx="2792356" cy="1463040"/>
+        </p:xfrm>
+        <a:graphic>
+          <a:graphicData uri="http://schemas.openxmlformats.org/drawingml/2006/table">
+            <a:tbl>
+              <a:tblPr firstRow="1" bandRow="1">
+                <a:tableStyleId>{5C22544A-7EE6-4342-B048-85BDC9FD1C3A}</a:tableStyleId>
+              </a:tblPr>
+              <a:tblGrid>
+                <a:gridCol w="836791">
+                  <a:extLst>
+                    <a:ext uri="{9D8B030D-6E8A-4147-A177-3AD203B41FA5}">
+                      <a16:colId xmlns:a16="http://schemas.microsoft.com/office/drawing/2014/main" val="20000"/>
+                    </a:ext>
+                  </a:extLst>
+                </a:gridCol>
+                <a:gridCol w="1955565">
+                  <a:extLst>
+                    <a:ext uri="{9D8B030D-6E8A-4147-A177-3AD203B41FA5}">
+                      <a16:colId xmlns:a16="http://schemas.microsoft.com/office/drawing/2014/main" val="20001"/>
+                    </a:ext>
+                  </a:extLst>
+                </a:gridCol>
+              </a:tblGrid>
+              <a:tr h="332070">
+                <a:tc>
+                  <a:txBody>
+                    <a:bodyPr/>
+                    <a:lstStyle/>
+                    <a:p>
+                      <a:r>
+                        <a:rPr lang="zh-CN" altLang="en-US" dirty="0"/>
+                        <a:t>成员</a:t>
+                      </a:r>
+                    </a:p>
+                  </a:txBody>
+                  <a:tcPr/>
+                </a:tc>
+                <a:tc>
+                  <a:txBody>
+                    <a:bodyPr/>
+                    <a:lstStyle/>
+                    <a:p>
+                      <a:r>
+                        <a:rPr lang="zh-CN" altLang="en-US" dirty="0"/>
+                        <a:t>评分（百分制）</a:t>
+                      </a:r>
+                    </a:p>
+                  </a:txBody>
+                  <a:tcPr/>
+                </a:tc>
+                <a:extLst>
+                  <a:ext uri="{0D108BD9-81ED-4DB2-BD59-A6C34878D82A}">
+                    <a16:rowId xmlns:a16="http://schemas.microsoft.com/office/drawing/2014/main" val="10000"/>
+                  </a:ext>
+                </a:extLst>
+              </a:tr>
+              <a:tr h="332070">
+                <a:tc>
+                  <a:txBody>
+                    <a:bodyPr/>
+                    <a:lstStyle/>
+                    <a:p>
+                      <a:pPr algn="ctr"/>
+                      <a:r>
+                        <a:rPr lang="zh-CN" altLang="en-US" sz="1600" dirty="0"/>
+                        <a:t>吴登钻</a:t>
+                      </a:r>
+                    </a:p>
+                  </a:txBody>
+                  <a:tcPr/>
+                </a:tc>
+                <a:tc>
+                  <a:txBody>
+                    <a:bodyPr/>
+                    <a:lstStyle/>
+                    <a:p>
+                      <a:pPr algn="ctr"/>
+                      <a:r>
+                        <a:rPr lang="en-US" altLang="zh-CN" sz="1800" dirty="0"/>
+                        <a:t>83</a:t>
+                      </a:r>
+                    </a:p>
+                  </a:txBody>
+                  <a:tcPr/>
+                </a:tc>
+                <a:extLst>
+                  <a:ext uri="{0D108BD9-81ED-4DB2-BD59-A6C34878D82A}">
+                    <a16:rowId xmlns:a16="http://schemas.microsoft.com/office/drawing/2014/main" val="10001"/>
+                  </a:ext>
+                </a:extLst>
+              </a:tr>
+              <a:tr h="332070">
+                <a:tc>
+                  <a:txBody>
+                    <a:bodyPr/>
+                    <a:lstStyle/>
+                    <a:p>
+                      <a:pPr algn="ctr"/>
+                      <a:r>
+                        <a:rPr lang="zh-CN" altLang="en-US" sz="1600" dirty="0"/>
+                        <a:t>钟朱楠</a:t>
+                      </a:r>
+                    </a:p>
+                  </a:txBody>
+                  <a:tcPr/>
+                </a:tc>
+                <a:tc>
+                  <a:txBody>
+                    <a:bodyPr/>
+                    <a:lstStyle/>
+                    <a:p>
+                      <a:pPr algn="ctr"/>
+                      <a:r>
+                        <a:rPr lang="en-US" altLang="zh-CN" sz="1800" dirty="0"/>
+                        <a:t>82</a:t>
+                      </a:r>
+                      <a:endParaRPr lang="zh-CN" altLang="en-US" sz="1800" dirty="0"/>
+                    </a:p>
+                  </a:txBody>
+                  <a:tcPr/>
+                </a:tc>
+                <a:extLst>
+                  <a:ext uri="{0D108BD9-81ED-4DB2-BD59-A6C34878D82A}">
+                    <a16:rowId xmlns:a16="http://schemas.microsoft.com/office/drawing/2014/main" val="10002"/>
+                  </a:ext>
+                </a:extLst>
+              </a:tr>
+              <a:tr h="361975">
+                <a:tc>
+                  <a:txBody>
+                    <a:bodyPr/>
+                    <a:lstStyle/>
+                    <a:p>
+                      <a:pPr algn="ctr"/>
+                      <a:r>
+                        <a:rPr lang="zh-CN" altLang="en-US" sz="1600" dirty="0"/>
+                        <a:t>赵晟浩</a:t>
+                      </a:r>
+                    </a:p>
+                  </a:txBody>
+                  <a:tcPr/>
+                </a:tc>
+                <a:tc>
+                  <a:txBody>
+                    <a:bodyPr/>
+                    <a:lstStyle/>
+                    <a:p>
+                      <a:pPr algn="ctr"/>
+                      <a:r>
+                        <a:rPr lang="en-US" altLang="zh-CN" sz="1800" dirty="0"/>
+                        <a:t>81</a:t>
+                      </a:r>
+                      <a:endParaRPr lang="zh-CN" altLang="en-US" sz="1800" dirty="0"/>
+                    </a:p>
+                  </a:txBody>
+                  <a:tcPr/>
+                </a:tc>
+                <a:extLst>
+                  <a:ext uri="{0D108BD9-81ED-4DB2-BD59-A6C34878D82A}">
+                    <a16:rowId xmlns:a16="http://schemas.microsoft.com/office/drawing/2014/main" val="10003"/>
+                  </a:ext>
+                </a:extLst>
+              </a:tr>
+            </a:tbl>
+          </a:graphicData>
+        </a:graphic>
+      </p:graphicFrame>
+      <p:sp>
+        <p:nvSpPr>
+          <p:cNvPr id="12" name="矩形 11"/>
+          <p:cNvSpPr/>
+          <p:nvPr/>
+        </p:nvSpPr>
+        <p:spPr>
+          <a:xfrm>
+            <a:off x="949339" y="2638330"/>
+            <a:ext cx="3272609" cy="1200329"/>
+          </a:xfrm>
+          <a:prstGeom prst="rect">
+            <a:avLst/>
+          </a:prstGeom>
+        </p:spPr>
+        <p:txBody>
+          <a:bodyPr wrap="square">
+            <a:spAutoFit/>
+          </a:bodyPr>
+          <a:lstStyle/>
+          <a:p>
+            <a:endParaRPr lang="en-US" altLang="zh-CN" dirty="0">
+              <a:solidFill>
+                <a:schemeClr val="bg1"/>
+              </a:solidFill>
+              <a:latin typeface="黑体" panose="02010609060101010101" pitchFamily="49" charset="-122"/>
+              <a:ea typeface="黑体" panose="02010609060101010101" pitchFamily="49" charset="-122"/>
+            </a:endParaRPr>
+          </a:p>
+          <a:p>
+            <a:endParaRPr lang="en-US" altLang="zh-CN" dirty="0">
+              <a:solidFill>
+                <a:schemeClr val="bg1"/>
+              </a:solidFill>
+              <a:latin typeface="黑体" panose="02010609060101010101" pitchFamily="49" charset="-122"/>
+              <a:ea typeface="黑体" panose="02010609060101010101" pitchFamily="49" charset="-122"/>
+            </a:endParaRPr>
+          </a:p>
+          <a:p>
+            <a:endParaRPr lang="en-US" altLang="zh-CN" dirty="0">
+              <a:solidFill>
+                <a:schemeClr val="bg1"/>
+              </a:solidFill>
+              <a:latin typeface="黑体" panose="02010609060101010101" pitchFamily="49" charset="-122"/>
+              <a:ea typeface="黑体" panose="02010609060101010101" pitchFamily="49" charset="-122"/>
+            </a:endParaRPr>
+          </a:p>
+          <a:p>
+            <a:endParaRPr lang="en-US" altLang="zh-CN" dirty="0">
+              <a:solidFill>
+                <a:schemeClr val="bg1"/>
+              </a:solidFill>
+              <a:latin typeface="黑体" panose="02010609060101010101" pitchFamily="49" charset="-122"/>
+              <a:ea typeface="黑体" panose="02010609060101010101" pitchFamily="49" charset="-122"/>
+            </a:endParaRPr>
+          </a:p>
+        </p:txBody>
+      </p:sp>
+      <p:sp>
+        <p:nvSpPr>
+          <p:cNvPr id="2" name="文本框 1">
+            <a:extLst>
+              <a:ext uri="{FF2B5EF4-FFF2-40B4-BE49-F238E27FC236}">
+                <a16:creationId xmlns:a16="http://schemas.microsoft.com/office/drawing/2014/main" id="{91D6B719-5087-5E44-A5E1-4F7DACC67A86}"/>
+              </a:ext>
+            </a:extLst>
+          </p:cNvPr>
+          <p:cNvSpPr txBox="1"/>
+          <p:nvPr/>
+        </p:nvSpPr>
+        <p:spPr>
+          <a:xfrm>
+            <a:off x="10058400" y="1002890"/>
+            <a:ext cx="184731" cy="369332"/>
+          </a:xfrm>
+          <a:prstGeom prst="rect">
+            <a:avLst/>
+          </a:prstGeom>
+          <a:noFill/>
+        </p:spPr>
+        <p:txBody>
+          <a:bodyPr wrap="none" rtlCol="0">
+            <a:spAutoFit/>
+          </a:bodyPr>
+          <a:lstStyle/>
+          <a:p>
+            <a:endParaRPr kumimoji="1" lang="zh-CN" altLang="en-US" dirty="0"/>
+          </a:p>
+        </p:txBody>
+      </p:sp>
+      <p:sp>
+        <p:nvSpPr>
+          <p:cNvPr id="15" name="矩形 14">
+            <a:extLst>
+              <a:ext uri="{FF2B5EF4-FFF2-40B4-BE49-F238E27FC236}">
+                <a16:creationId xmlns:a16="http://schemas.microsoft.com/office/drawing/2014/main" id="{5D86274D-1750-4DB5-AECB-0A9C763D716B}"/>
+              </a:ext>
+            </a:extLst>
+          </p:cNvPr>
+          <p:cNvSpPr/>
+          <p:nvPr/>
+        </p:nvSpPr>
+        <p:spPr>
+          <a:xfrm>
+            <a:off x="489776" y="3896126"/>
+            <a:ext cx="3336988" cy="2082173"/>
+          </a:xfrm>
+          <a:prstGeom prst="rect">
+            <a:avLst/>
+          </a:prstGeom>
+          <a:solidFill>
+            <a:schemeClr val="tx2">
+              <a:lumMod val="75000"/>
+              <a:alpha val="70000"/>
+            </a:schemeClr>
+          </a:solidFill>
+          <a:ln>
+            <a:noFill/>
+          </a:ln>
+        </p:spPr>
+        <p:style>
+          <a:lnRef idx="2">
+            <a:schemeClr val="accent1">
+              <a:shade val="50000"/>
+            </a:schemeClr>
+          </a:lnRef>
+          <a:fillRef idx="1">
+            <a:schemeClr val="accent1"/>
+          </a:fillRef>
+          <a:effectRef idx="0">
+            <a:schemeClr val="accent1"/>
+          </a:effectRef>
+          <a:fontRef idx="minor">
+            <a:schemeClr val="lt1"/>
+          </a:fontRef>
+        </p:style>
+        <p:txBody>
+          <a:bodyPr rtlCol="0" anchor="ctr"/>
+          <a:lstStyle/>
+          <a:p>
+            <a:pPr algn="ctr"/>
+            <a:endParaRPr lang="zh-CN" altLang="en-US">
+              <a:solidFill>
+                <a:schemeClr val="bg1"/>
+              </a:solidFill>
+            </a:endParaRPr>
+          </a:p>
+        </p:txBody>
+      </p:sp>
+      <p:sp>
+        <p:nvSpPr>
+          <p:cNvPr id="16" name="矩形 15">
+            <a:extLst>
+              <a:ext uri="{FF2B5EF4-FFF2-40B4-BE49-F238E27FC236}">
+                <a16:creationId xmlns:a16="http://schemas.microsoft.com/office/drawing/2014/main" id="{57CAE6EC-CDA8-479C-B548-05EE50286B75}"/>
+              </a:ext>
+            </a:extLst>
+          </p:cNvPr>
+          <p:cNvSpPr/>
+          <p:nvPr/>
+        </p:nvSpPr>
+        <p:spPr>
+          <a:xfrm>
+            <a:off x="8389906" y="2140296"/>
+            <a:ext cx="3336988" cy="2082173"/>
+          </a:xfrm>
+          <a:prstGeom prst="rect">
+            <a:avLst/>
+          </a:prstGeom>
+          <a:solidFill>
+            <a:schemeClr val="tx2">
+              <a:lumMod val="75000"/>
+              <a:alpha val="70000"/>
+            </a:schemeClr>
+          </a:solidFill>
+          <a:ln>
+            <a:noFill/>
+          </a:ln>
+        </p:spPr>
+        <p:style>
+          <a:lnRef idx="2">
+            <a:schemeClr val="accent1">
+              <a:shade val="50000"/>
+            </a:schemeClr>
+          </a:lnRef>
+          <a:fillRef idx="1">
+            <a:schemeClr val="accent1"/>
+          </a:fillRef>
+          <a:effectRef idx="0">
+            <a:schemeClr val="accent1"/>
+          </a:effectRef>
+          <a:fontRef idx="minor">
+            <a:schemeClr val="lt1"/>
+          </a:fontRef>
+        </p:style>
+        <p:txBody>
+          <a:bodyPr rtlCol="0" anchor="ctr"/>
+          <a:lstStyle/>
+          <a:p>
+            <a:pPr algn="ctr"/>
+            <a:endParaRPr lang="zh-CN" altLang="en-US">
+              <a:solidFill>
+                <a:schemeClr val="bg1"/>
+              </a:solidFill>
+            </a:endParaRPr>
+          </a:p>
+        </p:txBody>
+      </p:sp>
+      <p:sp>
+        <p:nvSpPr>
+          <p:cNvPr id="4" name="文本框 3">
+            <a:extLst>
+              <a:ext uri="{FF2B5EF4-FFF2-40B4-BE49-F238E27FC236}">
+                <a16:creationId xmlns:a16="http://schemas.microsoft.com/office/drawing/2014/main" id="{A39F5D29-FD4B-4D1E-81B0-09DA6861D5F2}"/>
+              </a:ext>
+            </a:extLst>
+          </p:cNvPr>
+          <p:cNvSpPr txBox="1"/>
+          <p:nvPr/>
+        </p:nvSpPr>
+        <p:spPr>
+          <a:xfrm>
+            <a:off x="719667" y="1226618"/>
+            <a:ext cx="2556933" cy="1754326"/>
+          </a:xfrm>
+          <a:prstGeom prst="rect">
+            <a:avLst/>
+          </a:prstGeom>
+          <a:noFill/>
+        </p:spPr>
+        <p:txBody>
+          <a:bodyPr wrap="square" rtlCol="0">
+            <a:spAutoFit/>
+          </a:bodyPr>
+          <a:lstStyle/>
+          <a:p>
+            <a:r>
+              <a:rPr lang="zh-CN" altLang="en-US" dirty="0">
+                <a:solidFill>
+                  <a:schemeClr val="bg1"/>
+                </a:solidFill>
+              </a:rPr>
+              <a:t>吴登钻</a:t>
+            </a:r>
+            <a:endParaRPr lang="en-US" altLang="zh-CN" dirty="0">
+              <a:solidFill>
+                <a:schemeClr val="bg1"/>
+              </a:solidFill>
+            </a:endParaRPr>
+          </a:p>
+          <a:p>
+            <a:endParaRPr lang="en-US" altLang="zh-CN" dirty="0">
+              <a:solidFill>
+                <a:schemeClr val="bg1"/>
+              </a:solidFill>
+            </a:endParaRPr>
+          </a:p>
+          <a:p>
+            <a:endParaRPr lang="en-US" altLang="zh-CN" dirty="0">
+              <a:solidFill>
+                <a:schemeClr val="bg1"/>
+              </a:solidFill>
+            </a:endParaRPr>
+          </a:p>
+          <a:p>
+            <a:r>
+              <a:rPr lang="zh-CN" altLang="en-US" dirty="0">
+                <a:solidFill>
+                  <a:schemeClr val="bg1"/>
+                </a:solidFill>
+              </a:rPr>
+              <a:t>界面原型修改</a:t>
+            </a:r>
+            <a:endParaRPr lang="en-US" altLang="zh-CN" dirty="0">
+              <a:solidFill>
+                <a:schemeClr val="bg1"/>
+              </a:solidFill>
+            </a:endParaRPr>
+          </a:p>
+          <a:p>
+            <a:endParaRPr lang="zh-CN" altLang="en-US" dirty="0">
+              <a:solidFill>
+                <a:schemeClr val="bg1"/>
+              </a:solidFill>
+            </a:endParaRPr>
+          </a:p>
+          <a:p>
+            <a:endParaRPr lang="zh-CN" altLang="en-US" dirty="0"/>
+          </a:p>
+        </p:txBody>
+      </p:sp>
+      <p:sp>
+        <p:nvSpPr>
+          <p:cNvPr id="5" name="文本框 4">
+            <a:extLst>
+              <a:ext uri="{FF2B5EF4-FFF2-40B4-BE49-F238E27FC236}">
+                <a16:creationId xmlns:a16="http://schemas.microsoft.com/office/drawing/2014/main" id="{0B1D19B3-1CBC-453A-A07E-0A2337243F87}"/>
+              </a:ext>
+            </a:extLst>
+          </p:cNvPr>
+          <p:cNvSpPr txBox="1"/>
+          <p:nvPr/>
+        </p:nvSpPr>
+        <p:spPr>
+          <a:xfrm>
+            <a:off x="949339" y="4222469"/>
+            <a:ext cx="2386528" cy="1200329"/>
+          </a:xfrm>
+          <a:prstGeom prst="rect">
+            <a:avLst/>
+          </a:prstGeom>
+          <a:noFill/>
+        </p:spPr>
+        <p:txBody>
+          <a:bodyPr wrap="square" rtlCol="0">
+            <a:spAutoFit/>
+          </a:bodyPr>
+          <a:lstStyle/>
+          <a:p>
+            <a:r>
+              <a:rPr lang="zh-CN" altLang="en-US" dirty="0">
+                <a:solidFill>
+                  <a:schemeClr val="bg1"/>
+                </a:solidFill>
+              </a:rPr>
+              <a:t>钟朱楠</a:t>
+            </a:r>
+            <a:endParaRPr lang="en-US" altLang="zh-CN" dirty="0">
+              <a:solidFill>
+                <a:schemeClr val="bg1"/>
+              </a:solidFill>
+            </a:endParaRPr>
+          </a:p>
+          <a:p>
+            <a:endParaRPr lang="en-US" altLang="zh-CN" dirty="0">
+              <a:solidFill>
+                <a:schemeClr val="bg1"/>
+              </a:solidFill>
+            </a:endParaRPr>
+          </a:p>
+          <a:p>
+            <a:r>
+              <a:rPr lang="zh-CN" altLang="en-US" dirty="0">
+                <a:solidFill>
+                  <a:schemeClr val="bg1"/>
+                </a:solidFill>
+              </a:rPr>
+              <a:t>会议纪要编写</a:t>
+            </a:r>
+            <a:endParaRPr lang="en-US" altLang="zh-CN" dirty="0">
+              <a:solidFill>
+                <a:schemeClr val="bg1"/>
+              </a:solidFill>
+            </a:endParaRPr>
+          </a:p>
+          <a:p>
+            <a:r>
+              <a:rPr lang="zh-CN" altLang="en-US" dirty="0">
+                <a:solidFill>
+                  <a:schemeClr val="bg1"/>
+                </a:solidFill>
+              </a:rPr>
+              <a:t>用户访谈记录编写</a:t>
+            </a:r>
+          </a:p>
+        </p:txBody>
+      </p:sp>
+      <p:sp>
+        <p:nvSpPr>
+          <p:cNvPr id="6" name="文本框 5">
+            <a:extLst>
+              <a:ext uri="{FF2B5EF4-FFF2-40B4-BE49-F238E27FC236}">
+                <a16:creationId xmlns:a16="http://schemas.microsoft.com/office/drawing/2014/main" id="{EB885303-3F11-4DFB-989A-0E4F1CA2773B}"/>
+              </a:ext>
+            </a:extLst>
+          </p:cNvPr>
+          <p:cNvSpPr txBox="1"/>
+          <p:nvPr/>
+        </p:nvSpPr>
+        <p:spPr>
+          <a:xfrm>
+            <a:off x="8785090" y="2385517"/>
+            <a:ext cx="2481294" cy="1200329"/>
+          </a:xfrm>
+          <a:prstGeom prst="rect">
+            <a:avLst/>
+          </a:prstGeom>
+          <a:noFill/>
+        </p:spPr>
+        <p:txBody>
+          <a:bodyPr wrap="square" rtlCol="0">
+            <a:spAutoFit/>
+          </a:bodyPr>
+          <a:lstStyle/>
+          <a:p>
+            <a:r>
+              <a:rPr lang="zh-CN" altLang="en-US" dirty="0">
+                <a:solidFill>
+                  <a:schemeClr val="bg1"/>
+                </a:solidFill>
+              </a:rPr>
+              <a:t>赵晟浩</a:t>
+            </a:r>
+            <a:endParaRPr lang="en-US" altLang="zh-CN" dirty="0">
+              <a:solidFill>
+                <a:schemeClr val="bg1"/>
+              </a:solidFill>
+            </a:endParaRPr>
+          </a:p>
+          <a:p>
+            <a:endParaRPr lang="en-US" altLang="zh-CN" dirty="0">
+              <a:solidFill>
+                <a:schemeClr val="bg1"/>
+              </a:solidFill>
+            </a:endParaRPr>
+          </a:p>
+          <a:p>
+            <a:r>
+              <a:rPr lang="en-US" altLang="zh-CN" dirty="0">
+                <a:solidFill>
+                  <a:schemeClr val="bg1"/>
+                </a:solidFill>
+              </a:rPr>
+              <a:t>Ppt</a:t>
+            </a:r>
+            <a:r>
+              <a:rPr lang="zh-CN" altLang="en-US" dirty="0">
+                <a:solidFill>
+                  <a:schemeClr val="bg1"/>
+                </a:solidFill>
+              </a:rPr>
+              <a:t>修改</a:t>
+            </a:r>
+            <a:endParaRPr lang="en-US" altLang="zh-CN" dirty="0">
+              <a:solidFill>
+                <a:schemeClr val="bg1"/>
+              </a:solidFill>
+            </a:endParaRPr>
+          </a:p>
+          <a:p>
+            <a:r>
+              <a:rPr lang="zh-CN" altLang="en-US" dirty="0">
+                <a:solidFill>
+                  <a:schemeClr val="bg1"/>
+                </a:solidFill>
+              </a:rPr>
+              <a:t>需求规划说明书修改</a:t>
+            </a:r>
+          </a:p>
+        </p:txBody>
+      </p:sp>
+    </p:spTree>
+    <p:extLst>
+      <p:ext uri="{BB962C8B-B14F-4D97-AF65-F5344CB8AC3E}">
+        <p14:creationId xmlns:p14="http://schemas.microsoft.com/office/powerpoint/2010/main" val="393459408"/>
+      </p:ext>
+    </p:extLst>
+  </p:cSld>
+  <p:clrMapOvr>
+    <a:masterClrMapping/>
+  </p:clrMapOvr>
+  <p:timing>
+    <p:tnLst>
+      <p:par>
+        <p:cTn id="1" dur="indefinite" restart="never" nodeType="tmRoot">
+          <p:childTnLst>
+            <p:seq concurrent="1" nextAc="seek">
+              <p:cTn id="2" dur="indefinite" nodeType="mainSeq">
+                <p:childTnLst>
+                  <p:par>
+                    <p:cTn id="3" fill="hold">
+                      <p:stCondLst>
+                        <p:cond delay="indefinite"/>
+                        <p:cond evt="onBegin" delay="0">
+                          <p:tn val="2"/>
+                        </p:cond>
+                      </p:stCondLst>
+                      <p:childTnLst>
+                        <p:par>
+                          <p:cTn id="4" fill="hold">
+                            <p:stCondLst>
+                              <p:cond delay="0"/>
+                            </p:stCondLst>
+                            <p:childTnLst>
+                              <p:par>
+                                <p:cTn id="5" presetID="1" presetClass="entr" presetSubtype="0" fill="hold" grpId="0" nodeType="withEffect" nodePh="1">
+                                  <p:stCondLst>
+                                    <p:cond delay="0"/>
+                                  </p:stCondLst>
+                                  <p:endCondLst>
+                                    <p:cond evt="begin" delay="0">
+                                      <p:tn val="5"/>
+                                    </p:cond>
+                                  </p:endCondLst>
+                                  <p:childTnLst>
+                                    <p:set>
+                                      <p:cBhvr>
+                                        <p:cTn id="6" dur="1" fill="hold">
+                                          <p:stCondLst>
+                                            <p:cond delay="0"/>
+                                          </p:stCondLst>
+                                        </p:cTn>
+                                        <p:tgtEl>
+                                          <p:spTgt spid="12"/>
+                                        </p:tgtEl>
+                                        <p:attrNameLst>
+                                          <p:attrName>style.visibility</p:attrName>
+                                        </p:attrNameLst>
+                                      </p:cBhvr>
+                                      <p:to>
+                                        <p:strVal val="visible"/>
+                                      </p:to>
+                                    </p:set>
+                                  </p:childTnLst>
+                                </p:cTn>
+                              </p:par>
+                            </p:childTnLst>
+                          </p:cTn>
+                        </p:par>
+                      </p:childTnLst>
+                    </p:cTn>
+                  </p:par>
+                </p:childTnLst>
+              </p:cTn>
+              <p:prevCondLst>
+                <p:cond evt="onPrev" delay="0">
+                  <p:tgtEl>
+                    <p:sldTgt/>
+                  </p:tgtEl>
+                </p:cond>
+              </p:prevCondLst>
+              <p:nextCondLst>
+                <p:cond evt="onNext" delay="0">
+                  <p:tgtEl>
+                    <p:sldTgt/>
+                  </p:tgtEl>
+                </p:cond>
+              </p:nextCondLst>
+            </p:seq>
+          </p:childTnLst>
+        </p:cTn>
+      </p:par>
+    </p:tnLst>
+    <p:bldLst>
+      <p:bldP spid="12" grpId="0"/>
+    </p:bldLst>
+  </p:timing>
+</p:sld>
+</file>
+
+<file path=ppt/slides/slide19.xml><?xml version="1.0" encoding="utf-8"?>
+<p:sld xmlns:a="http://schemas.openxmlformats.org/drawingml/2006/main" xmlns:r="http://schemas.openxmlformats.org/officeDocument/2006/relationships" xmlns:p="http://schemas.openxmlformats.org/presentationml/2006/main">
+  <p:cSld>
+    <p:spTree>
+      <p:nvGrpSpPr>
+        <p:cNvPr id="1" name=""/>
+        <p:cNvGrpSpPr/>
+        <p:nvPr/>
+      </p:nvGrpSpPr>
+      <p:grpSpPr>
+        <a:xfrm>
+          <a:off x="0" y="0"/>
+          <a:ext cx="0" cy="0"/>
+          <a:chOff x="0" y="0"/>
+          <a:chExt cx="0" cy="0"/>
+        </a:xfrm>
+      </p:grpSpPr>
+      <p:sp>
+        <p:nvSpPr>
+          <p:cNvPr id="20" name="矩形 19"/>
+          <p:cNvSpPr/>
+          <p:nvPr/>
+        </p:nvSpPr>
+        <p:spPr>
+          <a:xfrm>
+            <a:off x="4680228" y="879225"/>
+            <a:ext cx="1415772" cy="461665"/>
+          </a:xfrm>
+          <a:prstGeom prst="rect">
+            <a:avLst/>
+          </a:prstGeom>
+        </p:spPr>
+        <p:txBody>
+          <a:bodyPr wrap="none">
+            <a:spAutoFit/>
+          </a:bodyPr>
+          <a:lstStyle/>
+          <a:p>
+            <a:r>
+              <a:rPr lang="zh-CN" altLang="en-US" sz="2400" b="1" dirty="0">
+                <a:solidFill>
+                  <a:schemeClr val="tx1">
+                    <a:lumMod val="75000"/>
+                    <a:lumOff val="25000"/>
+                  </a:schemeClr>
+                </a:solidFill>
+              </a:rPr>
+              <a:t>参考文献</a:t>
+            </a:r>
+          </a:p>
+        </p:txBody>
+      </p:sp>
+      <p:sp>
+        <p:nvSpPr>
+          <p:cNvPr id="2" name="矩形 1">
+            <a:extLst>
+              <a:ext uri="{FF2B5EF4-FFF2-40B4-BE49-F238E27FC236}">
+                <a16:creationId xmlns:a16="http://schemas.microsoft.com/office/drawing/2014/main" id="{D8A01203-75A6-9A42-890B-B364B2A1AAE4}"/>
+              </a:ext>
+            </a:extLst>
+          </p:cNvPr>
+          <p:cNvSpPr/>
+          <p:nvPr/>
+        </p:nvSpPr>
+        <p:spPr>
+          <a:xfrm>
+            <a:off x="2490367" y="2505670"/>
+            <a:ext cx="9249104" cy="1846659"/>
+          </a:xfrm>
+          <a:prstGeom prst="rect">
+            <a:avLst/>
+          </a:prstGeom>
+        </p:spPr>
+        <p:txBody>
+          <a:bodyPr wrap="square">
+            <a:spAutoFit/>
+          </a:bodyPr>
+          <a:lstStyle/>
+          <a:p>
+            <a:pPr algn="just"/>
+            <a:r>
+              <a:rPr lang="en-US" altLang="zh-CN" sz="2400" kern="100" dirty="0">
+                <a:effectLst/>
+                <a:latin typeface="Calibri" panose="020F0502020204030204" pitchFamily="34" charset="0"/>
+                <a:ea typeface="宋体" panose="02010600030101010101" pitchFamily="2" charset="-122"/>
+                <a:cs typeface="Times New Roman" panose="02020603050405020304" pitchFamily="18" charset="0"/>
+              </a:rPr>
+              <a:t>[1] </a:t>
+            </a:r>
+            <a:r>
+              <a:rPr lang="zh-CN" altLang="zh-CN" sz="2400" kern="100" dirty="0">
+                <a:effectLst/>
+                <a:latin typeface="Calibri" panose="020F0502020204030204" pitchFamily="34" charset="0"/>
+                <a:ea typeface="宋体" panose="02010600030101010101" pitchFamily="2" charset="-122"/>
+                <a:cs typeface="Times New Roman" panose="02020603050405020304" pitchFamily="18" charset="0"/>
+              </a:rPr>
+              <a:t>张海藩</a:t>
+            </a:r>
+            <a:r>
+              <a:rPr lang="en-US" altLang="zh-CN" sz="2400" kern="100" dirty="0">
+                <a:effectLst/>
+                <a:latin typeface="Calibri" panose="020F0502020204030204" pitchFamily="34" charset="0"/>
+                <a:ea typeface="宋体" panose="02010600030101010101" pitchFamily="2" charset="-122"/>
+                <a:cs typeface="Times New Roman" panose="02020603050405020304" pitchFamily="18" charset="0"/>
+              </a:rPr>
+              <a:t>,</a:t>
+            </a:r>
+            <a:r>
+              <a:rPr lang="zh-CN" altLang="zh-CN" sz="2400" kern="100" dirty="0">
+                <a:effectLst/>
+                <a:latin typeface="Calibri" panose="020F0502020204030204" pitchFamily="34" charset="0"/>
+                <a:ea typeface="宋体" panose="02010600030101010101" pitchFamily="2" charset="-122"/>
+                <a:cs typeface="Times New Roman" panose="02020603050405020304" pitchFamily="18" charset="0"/>
+              </a:rPr>
+              <a:t>牟永敏</a:t>
+            </a:r>
+            <a:r>
+              <a:rPr lang="en-US" altLang="zh-CN" sz="2400" kern="100" dirty="0">
+                <a:effectLst/>
+                <a:latin typeface="Calibri" panose="020F0502020204030204" pitchFamily="34" charset="0"/>
+                <a:ea typeface="宋体" panose="02010600030101010101" pitchFamily="2" charset="-122"/>
+                <a:cs typeface="Times New Roman" panose="02020603050405020304" pitchFamily="18" charset="0"/>
+              </a:rPr>
+              <a:t>.</a:t>
+            </a:r>
+            <a:r>
+              <a:rPr lang="zh-CN" altLang="zh-CN" sz="2400" kern="100" dirty="0">
+                <a:effectLst/>
+                <a:latin typeface="Calibri" panose="020F0502020204030204" pitchFamily="34" charset="0"/>
+                <a:ea typeface="宋体" panose="02010600030101010101" pitchFamily="2" charset="-122"/>
+                <a:cs typeface="Times New Roman" panose="02020603050405020304" pitchFamily="18" charset="0"/>
+              </a:rPr>
+              <a:t>软件工程导论（第六版） </a:t>
+            </a:r>
+          </a:p>
+          <a:p>
+            <a:pPr algn="just"/>
+            <a:r>
+              <a:rPr lang="en-US" altLang="zh-CN" sz="2400" kern="100" dirty="0">
+                <a:effectLst/>
+                <a:latin typeface="Calibri" panose="020F0502020204030204" pitchFamily="34" charset="0"/>
+                <a:ea typeface="宋体" panose="02010600030101010101" pitchFamily="2" charset="-122"/>
+                <a:cs typeface="Times New Roman" panose="02020603050405020304" pitchFamily="18" charset="0"/>
+              </a:rPr>
+              <a:t>[2] GBT8567-2006.</a:t>
+            </a:r>
+            <a:r>
+              <a:rPr lang="zh-CN" altLang="zh-CN" sz="2400" kern="100" dirty="0">
+                <a:effectLst/>
+                <a:latin typeface="Calibri" panose="020F0502020204030204" pitchFamily="34" charset="0"/>
+                <a:ea typeface="宋体" panose="02010600030101010101" pitchFamily="2" charset="-122"/>
+                <a:cs typeface="Times New Roman" panose="02020603050405020304" pitchFamily="18" charset="0"/>
+              </a:rPr>
+              <a:t>国标《计算机软件文档编制规范》</a:t>
+            </a:r>
+          </a:p>
+          <a:p>
+            <a:pPr algn="just"/>
+            <a:r>
+              <a:rPr lang="en-US" altLang="zh-CN" sz="2400" kern="100" dirty="0">
+                <a:effectLst/>
+                <a:latin typeface="Calibri" panose="020F0502020204030204" pitchFamily="34" charset="0"/>
+                <a:ea typeface="宋体" panose="02010600030101010101" pitchFamily="2" charset="-122"/>
+                <a:cs typeface="Times New Roman" panose="02020603050405020304" pitchFamily="18" charset="0"/>
+              </a:rPr>
+              <a:t>[3] </a:t>
+            </a:r>
+            <a:r>
+              <a:rPr lang="zh-CN" altLang="zh-CN" sz="2400" kern="100" dirty="0">
+                <a:effectLst/>
+                <a:latin typeface="Calibri" panose="020F0502020204030204" pitchFamily="34" charset="0"/>
+                <a:ea typeface="宋体" panose="02010600030101010101" pitchFamily="2" charset="-122"/>
+                <a:cs typeface="Times New Roman" panose="02020603050405020304" pitchFamily="18" charset="0"/>
+              </a:rPr>
+              <a:t>项目管理知识体系指南（</a:t>
+            </a:r>
+            <a:r>
+              <a:rPr lang="en-US" altLang="zh-CN" sz="2400" kern="100" dirty="0">
+                <a:effectLst/>
+                <a:latin typeface="Calibri" panose="020F0502020204030204" pitchFamily="34" charset="0"/>
+                <a:ea typeface="宋体" panose="02010600030101010101" pitchFamily="2" charset="-122"/>
+                <a:cs typeface="Times New Roman" panose="02020603050405020304" pitchFamily="18" charset="0"/>
+              </a:rPr>
+              <a:t>PMBOK </a:t>
+            </a:r>
+            <a:r>
+              <a:rPr lang="zh-CN" altLang="zh-CN" sz="2400" kern="100" dirty="0">
+                <a:effectLst/>
+                <a:latin typeface="Calibri" panose="020F0502020204030204" pitchFamily="34" charset="0"/>
+                <a:ea typeface="宋体" panose="02010600030101010101" pitchFamily="2" charset="-122"/>
+                <a:cs typeface="Times New Roman" panose="02020603050405020304" pitchFamily="18" charset="0"/>
+              </a:rPr>
+              <a:t>指南</a:t>
+            </a:r>
+            <a:r>
+              <a:rPr lang="en-US" altLang="zh-CN" sz="2400" kern="100" dirty="0">
+                <a:effectLst/>
+                <a:latin typeface="Calibri" panose="020F0502020204030204" pitchFamily="34" charset="0"/>
+                <a:ea typeface="宋体" panose="02010600030101010101" pitchFamily="2" charset="-122"/>
+                <a:cs typeface="Times New Roman" panose="02020603050405020304" pitchFamily="18" charset="0"/>
+              </a:rPr>
+              <a:t>)/</a:t>
+            </a:r>
+            <a:r>
+              <a:rPr lang="zh-CN" altLang="zh-CN" sz="2400" kern="100" dirty="0">
+                <a:effectLst/>
+                <a:latin typeface="Calibri" panose="020F0502020204030204" pitchFamily="34" charset="0"/>
+                <a:ea typeface="宋体" panose="02010600030101010101" pitchFamily="2" charset="-122"/>
+                <a:cs typeface="Times New Roman" panose="02020603050405020304" pitchFamily="18" charset="0"/>
+              </a:rPr>
+              <a:t>项目管理协会</a:t>
+            </a:r>
+          </a:p>
+          <a:p>
+            <a:pPr algn="just"/>
+            <a:r>
+              <a:rPr lang="en-US" altLang="zh-CN" sz="2400" kern="100" dirty="0">
+                <a:effectLst/>
+                <a:latin typeface="Calibri" panose="020F0502020204030204" pitchFamily="34" charset="0"/>
+                <a:ea typeface="宋体" panose="02010600030101010101" pitchFamily="2" charset="-122"/>
+                <a:cs typeface="Times New Roman" panose="02020603050405020304" pitchFamily="18" charset="0"/>
+              </a:rPr>
+              <a:t>[4] </a:t>
+            </a:r>
+            <a:r>
+              <a:rPr lang="zh-CN" altLang="zh-CN" sz="2400" kern="100" dirty="0">
+                <a:effectLst/>
+                <a:latin typeface="Calibri" panose="020F0502020204030204" pitchFamily="34" charset="0"/>
+                <a:ea typeface="宋体" panose="02010600030101010101" pitchFamily="2" charset="-122"/>
+                <a:cs typeface="Times New Roman" panose="02020603050405020304" pitchFamily="18" charset="0"/>
+              </a:rPr>
+              <a:t>前期</a:t>
+            </a:r>
+            <a:r>
+              <a:rPr lang="zh-CN" altLang="en-US" sz="2400" kern="100" dirty="0">
+                <a:effectLst/>
+                <a:latin typeface="Calibri" panose="020F0502020204030204" pitchFamily="34" charset="0"/>
+                <a:ea typeface="宋体" panose="02010600030101010101" pitchFamily="2" charset="-122"/>
+                <a:cs typeface="Times New Roman" panose="02020603050405020304" pitchFamily="18" charset="0"/>
+              </a:rPr>
+              <a:t>本组</a:t>
+            </a:r>
+            <a:r>
+              <a:rPr lang="zh-CN" altLang="zh-CN" sz="2400" kern="100" dirty="0">
+                <a:effectLst/>
+                <a:latin typeface="Calibri" panose="020F0502020204030204" pitchFamily="34" charset="0"/>
+                <a:ea typeface="宋体" panose="02010600030101010101" pitchFamily="2" charset="-122"/>
+                <a:cs typeface="Times New Roman" panose="02020603050405020304" pitchFamily="18" charset="0"/>
+              </a:rPr>
+              <a:t>开发文档</a:t>
+            </a:r>
+          </a:p>
+          <a:p>
+            <a:endParaRPr lang="en-US" altLang="zh-CN" dirty="0"/>
+          </a:p>
+        </p:txBody>
+      </p:sp>
+      <p:sp>
+        <p:nvSpPr>
+          <p:cNvPr id="3" name="文本框 2">
+            <a:extLst>
+              <a:ext uri="{FF2B5EF4-FFF2-40B4-BE49-F238E27FC236}">
+                <a16:creationId xmlns:a16="http://schemas.microsoft.com/office/drawing/2014/main" id="{454E3338-F167-0943-A899-70AA03E31C00}"/>
+              </a:ext>
+            </a:extLst>
+          </p:cNvPr>
+          <p:cNvSpPr txBox="1"/>
+          <p:nvPr/>
+        </p:nvSpPr>
+        <p:spPr>
+          <a:xfrm>
+            <a:off x="3297836" y="7600013"/>
+            <a:ext cx="184731" cy="369332"/>
+          </a:xfrm>
+          <a:prstGeom prst="rect">
+            <a:avLst/>
+          </a:prstGeom>
+          <a:noFill/>
+        </p:spPr>
+        <p:txBody>
+          <a:bodyPr wrap="none" rtlCol="0">
+            <a:spAutoFit/>
+          </a:bodyPr>
+          <a:lstStyle/>
+          <a:p>
+            <a:endParaRPr kumimoji="1" lang="zh-CN" altLang="en-US"/>
+          </a:p>
+        </p:txBody>
+      </p:sp>
+    </p:spTree>
+    <p:extLst>
+      <p:ext uri="{BB962C8B-B14F-4D97-AF65-F5344CB8AC3E}">
+        <p14:creationId xmlns:p14="http://schemas.microsoft.com/office/powerpoint/2010/main" val="3921773112"/>
+      </p:ext>
+    </p:extLst>
+  </p:cSld>
+  <p:clrMapOvr>
+    <a:masterClrMapping/>
+  </p:clrMapOvr>
+</p:sld>
+</file>
+
 <file path=ppt/slides/slide2.xml><?xml version="1.0" encoding="utf-8"?>
 <p:sld xmlns:a="http://schemas.openxmlformats.org/drawingml/2006/main" xmlns:r="http://schemas.openxmlformats.org/officeDocument/2006/relationships" xmlns:p="http://schemas.openxmlformats.org/presentationml/2006/main">
   <p:cSld>
@@ -7272,308 +6357,6 @@
       </p:grpSpPr>
       <p:sp>
         <p:nvSpPr>
-          <p:cNvPr id="20" name="矩形 19"/>
-          <p:cNvSpPr/>
-          <p:nvPr/>
-        </p:nvSpPr>
-        <p:spPr>
-          <a:xfrm>
-            <a:off x="4680228" y="879225"/>
-            <a:ext cx="1415772" cy="461665"/>
-          </a:xfrm>
-          <a:prstGeom prst="rect">
-            <a:avLst/>
-          </a:prstGeom>
-        </p:spPr>
-        <p:txBody>
-          <a:bodyPr wrap="none">
-            <a:spAutoFit/>
-          </a:bodyPr>
-          <a:lstStyle/>
-          <a:p>
-            <a:r>
-              <a:rPr lang="zh-CN" altLang="en-US" sz="2400" b="1" dirty="0">
-                <a:solidFill>
-                  <a:schemeClr val="tx1">
-                    <a:lumMod val="75000"/>
-                    <a:lumOff val="25000"/>
-                  </a:schemeClr>
-                </a:solidFill>
-              </a:rPr>
-              <a:t>参考文献</a:t>
-            </a:r>
-          </a:p>
-        </p:txBody>
-      </p:sp>
-      <p:sp>
-        <p:nvSpPr>
-          <p:cNvPr id="2" name="矩形 1">
-            <a:extLst>
-              <a:ext uri="{FF2B5EF4-FFF2-40B4-BE49-F238E27FC236}">
-                <a16:creationId xmlns:a16="http://schemas.microsoft.com/office/drawing/2014/main" id="{D8A01203-75A6-9A42-890B-B364B2A1AAE4}"/>
-              </a:ext>
-            </a:extLst>
-          </p:cNvPr>
-          <p:cNvSpPr/>
-          <p:nvPr/>
-        </p:nvSpPr>
-        <p:spPr>
-          <a:xfrm>
-            <a:off x="2490367" y="2505670"/>
-            <a:ext cx="9249104" cy="1846659"/>
-          </a:xfrm>
-          <a:prstGeom prst="rect">
-            <a:avLst/>
-          </a:prstGeom>
-        </p:spPr>
-        <p:txBody>
-          <a:bodyPr wrap="square">
-            <a:spAutoFit/>
-          </a:bodyPr>
-          <a:lstStyle/>
-          <a:p>
-            <a:pPr algn="just"/>
-            <a:r>
-              <a:rPr lang="en-US" altLang="zh-CN" sz="2400" kern="100" dirty="0">
-                <a:effectLst/>
-                <a:latin typeface="Calibri" panose="020F0502020204030204" pitchFamily="34" charset="0"/>
-                <a:ea typeface="宋体" panose="02010600030101010101" pitchFamily="2" charset="-122"/>
-                <a:cs typeface="Times New Roman" panose="02020603050405020304" pitchFamily="18" charset="0"/>
-              </a:rPr>
-              <a:t>[1] </a:t>
-            </a:r>
-            <a:r>
-              <a:rPr lang="zh-CN" altLang="zh-CN" sz="2400" kern="100" dirty="0">
-                <a:effectLst/>
-                <a:latin typeface="Calibri" panose="020F0502020204030204" pitchFamily="34" charset="0"/>
-                <a:ea typeface="宋体" panose="02010600030101010101" pitchFamily="2" charset="-122"/>
-                <a:cs typeface="Times New Roman" panose="02020603050405020304" pitchFamily="18" charset="0"/>
-              </a:rPr>
-              <a:t>张海藩</a:t>
-            </a:r>
-            <a:r>
-              <a:rPr lang="en-US" altLang="zh-CN" sz="2400" kern="100" dirty="0">
-                <a:effectLst/>
-                <a:latin typeface="Calibri" panose="020F0502020204030204" pitchFamily="34" charset="0"/>
-                <a:ea typeface="宋体" panose="02010600030101010101" pitchFamily="2" charset="-122"/>
-                <a:cs typeface="Times New Roman" panose="02020603050405020304" pitchFamily="18" charset="0"/>
-              </a:rPr>
-              <a:t>,</a:t>
-            </a:r>
-            <a:r>
-              <a:rPr lang="zh-CN" altLang="zh-CN" sz="2400" kern="100" dirty="0">
-                <a:effectLst/>
-                <a:latin typeface="Calibri" panose="020F0502020204030204" pitchFamily="34" charset="0"/>
-                <a:ea typeface="宋体" panose="02010600030101010101" pitchFamily="2" charset="-122"/>
-                <a:cs typeface="Times New Roman" panose="02020603050405020304" pitchFamily="18" charset="0"/>
-              </a:rPr>
-              <a:t>牟永敏</a:t>
-            </a:r>
-            <a:r>
-              <a:rPr lang="en-US" altLang="zh-CN" sz="2400" kern="100" dirty="0">
-                <a:effectLst/>
-                <a:latin typeface="Calibri" panose="020F0502020204030204" pitchFamily="34" charset="0"/>
-                <a:ea typeface="宋体" panose="02010600030101010101" pitchFamily="2" charset="-122"/>
-                <a:cs typeface="Times New Roman" panose="02020603050405020304" pitchFamily="18" charset="0"/>
-              </a:rPr>
-              <a:t>.</a:t>
-            </a:r>
-            <a:r>
-              <a:rPr lang="zh-CN" altLang="zh-CN" sz="2400" kern="100" dirty="0">
-                <a:effectLst/>
-                <a:latin typeface="Calibri" panose="020F0502020204030204" pitchFamily="34" charset="0"/>
-                <a:ea typeface="宋体" panose="02010600030101010101" pitchFamily="2" charset="-122"/>
-                <a:cs typeface="Times New Roman" panose="02020603050405020304" pitchFamily="18" charset="0"/>
-              </a:rPr>
-              <a:t>软件工程导论（第六版） </a:t>
-            </a:r>
-          </a:p>
-          <a:p>
-            <a:pPr algn="just"/>
-            <a:r>
-              <a:rPr lang="en-US" altLang="zh-CN" sz="2400" kern="100" dirty="0">
-                <a:effectLst/>
-                <a:latin typeface="Calibri" panose="020F0502020204030204" pitchFamily="34" charset="0"/>
-                <a:ea typeface="宋体" panose="02010600030101010101" pitchFamily="2" charset="-122"/>
-                <a:cs typeface="Times New Roman" panose="02020603050405020304" pitchFamily="18" charset="0"/>
-              </a:rPr>
-              <a:t>[2] GBT8567-2006.</a:t>
-            </a:r>
-            <a:r>
-              <a:rPr lang="zh-CN" altLang="zh-CN" sz="2400" kern="100" dirty="0">
-                <a:effectLst/>
-                <a:latin typeface="Calibri" panose="020F0502020204030204" pitchFamily="34" charset="0"/>
-                <a:ea typeface="宋体" panose="02010600030101010101" pitchFamily="2" charset="-122"/>
-                <a:cs typeface="Times New Roman" panose="02020603050405020304" pitchFamily="18" charset="0"/>
-              </a:rPr>
-              <a:t>国标《计算机软件文档编制规范》</a:t>
-            </a:r>
-          </a:p>
-          <a:p>
-            <a:pPr algn="just"/>
-            <a:r>
-              <a:rPr lang="en-US" altLang="zh-CN" sz="2400" kern="100" dirty="0">
-                <a:effectLst/>
-                <a:latin typeface="Calibri" panose="020F0502020204030204" pitchFamily="34" charset="0"/>
-                <a:ea typeface="宋体" panose="02010600030101010101" pitchFamily="2" charset="-122"/>
-                <a:cs typeface="Times New Roman" panose="02020603050405020304" pitchFamily="18" charset="0"/>
-              </a:rPr>
-              <a:t>[3] </a:t>
-            </a:r>
-            <a:r>
-              <a:rPr lang="zh-CN" altLang="zh-CN" sz="2400" kern="100" dirty="0">
-                <a:effectLst/>
-                <a:latin typeface="Calibri" panose="020F0502020204030204" pitchFamily="34" charset="0"/>
-                <a:ea typeface="宋体" panose="02010600030101010101" pitchFamily="2" charset="-122"/>
-                <a:cs typeface="Times New Roman" panose="02020603050405020304" pitchFamily="18" charset="0"/>
-              </a:rPr>
-              <a:t>项目管理知识体系指南（</a:t>
-            </a:r>
-            <a:r>
-              <a:rPr lang="en-US" altLang="zh-CN" sz="2400" kern="100" dirty="0">
-                <a:effectLst/>
-                <a:latin typeface="Calibri" panose="020F0502020204030204" pitchFamily="34" charset="0"/>
-                <a:ea typeface="宋体" panose="02010600030101010101" pitchFamily="2" charset="-122"/>
-                <a:cs typeface="Times New Roman" panose="02020603050405020304" pitchFamily="18" charset="0"/>
-              </a:rPr>
-              <a:t>PMBOK </a:t>
-            </a:r>
-            <a:r>
-              <a:rPr lang="zh-CN" altLang="zh-CN" sz="2400" kern="100" dirty="0">
-                <a:effectLst/>
-                <a:latin typeface="Calibri" panose="020F0502020204030204" pitchFamily="34" charset="0"/>
-                <a:ea typeface="宋体" panose="02010600030101010101" pitchFamily="2" charset="-122"/>
-                <a:cs typeface="Times New Roman" panose="02020603050405020304" pitchFamily="18" charset="0"/>
-              </a:rPr>
-              <a:t>指南</a:t>
-            </a:r>
-            <a:r>
-              <a:rPr lang="en-US" altLang="zh-CN" sz="2400" kern="100" dirty="0">
-                <a:effectLst/>
-                <a:latin typeface="Calibri" panose="020F0502020204030204" pitchFamily="34" charset="0"/>
-                <a:ea typeface="宋体" panose="02010600030101010101" pitchFamily="2" charset="-122"/>
-                <a:cs typeface="Times New Roman" panose="02020603050405020304" pitchFamily="18" charset="0"/>
-              </a:rPr>
-              <a:t>)/</a:t>
-            </a:r>
-            <a:r>
-              <a:rPr lang="zh-CN" altLang="zh-CN" sz="2400" kern="100" dirty="0">
-                <a:effectLst/>
-                <a:latin typeface="Calibri" panose="020F0502020204030204" pitchFamily="34" charset="0"/>
-                <a:ea typeface="宋体" panose="02010600030101010101" pitchFamily="2" charset="-122"/>
-                <a:cs typeface="Times New Roman" panose="02020603050405020304" pitchFamily="18" charset="0"/>
-              </a:rPr>
-              <a:t>项目管理协会</a:t>
-            </a:r>
-          </a:p>
-          <a:p>
-            <a:pPr algn="just"/>
-            <a:r>
-              <a:rPr lang="en-US" altLang="zh-CN" sz="2400" kern="100" dirty="0">
-                <a:effectLst/>
-                <a:latin typeface="Calibri" panose="020F0502020204030204" pitchFamily="34" charset="0"/>
-                <a:ea typeface="宋体" panose="02010600030101010101" pitchFamily="2" charset="-122"/>
-                <a:cs typeface="Times New Roman" panose="02020603050405020304" pitchFamily="18" charset="0"/>
-              </a:rPr>
-              <a:t>[4] </a:t>
-            </a:r>
-            <a:r>
-              <a:rPr lang="zh-CN" altLang="zh-CN" sz="2400" kern="100" dirty="0">
-                <a:effectLst/>
-                <a:latin typeface="Calibri" panose="020F0502020204030204" pitchFamily="34" charset="0"/>
-                <a:ea typeface="宋体" panose="02010600030101010101" pitchFamily="2" charset="-122"/>
-                <a:cs typeface="Times New Roman" panose="02020603050405020304" pitchFamily="18" charset="0"/>
-              </a:rPr>
-              <a:t>前期</a:t>
-            </a:r>
-            <a:r>
-              <a:rPr lang="zh-CN" altLang="en-US" sz="2400" kern="100" dirty="0">
-                <a:effectLst/>
-                <a:latin typeface="Calibri" panose="020F0502020204030204" pitchFamily="34" charset="0"/>
-                <a:ea typeface="宋体" panose="02010600030101010101" pitchFamily="2" charset="-122"/>
-                <a:cs typeface="Times New Roman" panose="02020603050405020304" pitchFamily="18" charset="0"/>
-              </a:rPr>
-              <a:t>本组</a:t>
-            </a:r>
-            <a:r>
-              <a:rPr lang="zh-CN" altLang="zh-CN" sz="2400" kern="100" dirty="0">
-                <a:effectLst/>
-                <a:latin typeface="Calibri" panose="020F0502020204030204" pitchFamily="34" charset="0"/>
-                <a:ea typeface="宋体" panose="02010600030101010101" pitchFamily="2" charset="-122"/>
-                <a:cs typeface="Times New Roman" panose="02020603050405020304" pitchFamily="18" charset="0"/>
-              </a:rPr>
-              <a:t>开发文档</a:t>
-            </a:r>
-          </a:p>
-          <a:p>
-            <a:endParaRPr lang="en-US" altLang="zh-CN" dirty="0"/>
-          </a:p>
-        </p:txBody>
-      </p:sp>
-      <p:sp>
-        <p:nvSpPr>
-          <p:cNvPr id="3" name="文本框 2">
-            <a:extLst>
-              <a:ext uri="{FF2B5EF4-FFF2-40B4-BE49-F238E27FC236}">
-                <a16:creationId xmlns:a16="http://schemas.microsoft.com/office/drawing/2014/main" id="{454E3338-F167-0943-A899-70AA03E31C00}"/>
-              </a:ext>
-            </a:extLst>
-          </p:cNvPr>
-          <p:cNvSpPr txBox="1"/>
-          <p:nvPr/>
-        </p:nvSpPr>
-        <p:spPr>
-          <a:xfrm>
-            <a:off x="3297836" y="7600013"/>
-            <a:ext cx="184731" cy="369332"/>
-          </a:xfrm>
-          <a:prstGeom prst="rect">
-            <a:avLst/>
-          </a:prstGeom>
-          <a:noFill/>
-        </p:spPr>
-        <p:txBody>
-          <a:bodyPr wrap="none" rtlCol="0">
-            <a:spAutoFit/>
-          </a:bodyPr>
-          <a:lstStyle/>
-          <a:p>
-            <a:endParaRPr kumimoji="1" lang="zh-CN" altLang="en-US"/>
-          </a:p>
-        </p:txBody>
-      </p:sp>
-    </p:spTree>
-    <p:extLst>
-      <p:ext uri="{BB962C8B-B14F-4D97-AF65-F5344CB8AC3E}">
-        <p14:creationId xmlns:p14="http://schemas.microsoft.com/office/powerpoint/2010/main" val="3921773112"/>
-      </p:ext>
-    </p:extLst>
-  </p:cSld>
-  <p:clrMapOvr>
-    <a:masterClrMapping/>
-  </p:clrMapOvr>
-</p:sld>
-</file>
-
-<file path=ppt/slides/slide21.xml><?xml version="1.0" encoding="utf-8"?>
-<p:sld xmlns:a="http://schemas.openxmlformats.org/drawingml/2006/main" xmlns:r="http://schemas.openxmlformats.org/officeDocument/2006/relationships" xmlns:p="http://schemas.openxmlformats.org/presentationml/2006/main">
-  <p:cSld>
-    <p:spTree>
-      <p:nvGrpSpPr>
-        <p:cNvPr id="1" name=""/>
-        <p:cNvGrpSpPr/>
-        <p:nvPr/>
-      </p:nvGrpSpPr>
-      <p:grpSpPr>
-        <a:xfrm>
-          <a:off x="0" y="0"/>
-          <a:ext cx="0" cy="0"/>
-          <a:chOff x="0" y="0"/>
-          <a:chExt cx="0" cy="0"/>
-        </a:xfrm>
-      </p:grpSpPr>
-      <p:sp>
-        <p:nvSpPr>
           <p:cNvPr id="2" name="椭圆 1"/>
           <p:cNvSpPr/>
           <p:nvPr/>
@@ -8071,10 +6854,10 @@
       </p:sp>
       <p:pic>
         <p:nvPicPr>
-          <p:cNvPr id="4" name="图片 3">
+          <p:cNvPr id="5" name="图片 4">
             <a:extLst>
               <a:ext uri="{FF2B5EF4-FFF2-40B4-BE49-F238E27FC236}">
-                <a16:creationId xmlns:a16="http://schemas.microsoft.com/office/drawing/2014/main" id="{54254554-EC0A-47AF-BB1C-8372163EF287}"/>
+                <a16:creationId xmlns:a16="http://schemas.microsoft.com/office/drawing/2014/main" id="{4235B71D-13F2-40FF-B5F6-713630DC4850}"/>
               </a:ext>
             </a:extLst>
           </p:cNvPr>
@@ -8091,8 +6874,38 @@
         </p:blipFill>
         <p:spPr>
           <a:xfrm>
-            <a:off x="3252215" y="434080"/>
-            <a:ext cx="6213518" cy="6318015"/>
+            <a:off x="1036106" y="845157"/>
+            <a:ext cx="4938188" cy="5540220"/>
+          </a:xfrm>
+          <a:prstGeom prst="rect">
+            <a:avLst/>
+          </a:prstGeom>
+        </p:spPr>
+      </p:pic>
+      <p:pic>
+        <p:nvPicPr>
+          <p:cNvPr id="7" name="图片 6">
+            <a:extLst>
+              <a:ext uri="{FF2B5EF4-FFF2-40B4-BE49-F238E27FC236}">
+                <a16:creationId xmlns:a16="http://schemas.microsoft.com/office/drawing/2014/main" id="{7064394F-0690-4F65-B74B-7C3333B3B156}"/>
+              </a:ext>
+            </a:extLst>
+          </p:cNvPr>
+          <p:cNvPicPr>
+            <a:picLocks noChangeAspect="1"/>
+          </p:cNvPicPr>
+          <p:nvPr/>
+        </p:nvPicPr>
+        <p:blipFill>
+          <a:blip r:embed="rId3"/>
+          <a:stretch>
+            <a:fillRect/>
+          </a:stretch>
+        </p:blipFill>
+        <p:spPr>
+          <a:xfrm>
+            <a:off x="6395933" y="1564896"/>
+            <a:ext cx="4869602" cy="3863675"/>
           </a:xfrm>
           <a:prstGeom prst="rect">
             <a:avLst/>
@@ -8204,8 +7017,38 @@
         </p:blipFill>
         <p:spPr>
           <a:xfrm>
-            <a:off x="2980495" y="664892"/>
-            <a:ext cx="4503810" cy="6081287"/>
+            <a:off x="625301" y="664892"/>
+            <a:ext cx="3969159" cy="5359373"/>
+          </a:xfrm>
+          <a:prstGeom prst="rect">
+            <a:avLst/>
+          </a:prstGeom>
+        </p:spPr>
+      </p:pic>
+      <p:pic>
+        <p:nvPicPr>
+          <p:cNvPr id="5" name="图片 4">
+            <a:extLst>
+              <a:ext uri="{FF2B5EF4-FFF2-40B4-BE49-F238E27FC236}">
+                <a16:creationId xmlns:a16="http://schemas.microsoft.com/office/drawing/2014/main" id="{DCBAB12C-5B16-4720-83CD-4F579123472E}"/>
+              </a:ext>
+            </a:extLst>
+          </p:cNvPr>
+          <p:cNvPicPr>
+            <a:picLocks noChangeAspect="1"/>
+          </p:cNvPicPr>
+          <p:nvPr/>
+        </p:nvPicPr>
+        <p:blipFill>
+          <a:blip r:embed="rId3"/>
+          <a:stretch>
+            <a:fillRect/>
+          </a:stretch>
+        </p:blipFill>
+        <p:spPr>
+          <a:xfrm>
+            <a:off x="4719371" y="771471"/>
+            <a:ext cx="7235563" cy="4671592"/>
           </a:xfrm>
           <a:prstGeom prst="rect">
             <a:avLst/>
@@ -8242,92 +7085,12 @@
           <a:chExt cx="0" cy="0"/>
         </a:xfrm>
       </p:grpSpPr>
-      <p:sp>
-        <p:nvSpPr>
-          <p:cNvPr id="19" name="矩形 18"/>
-          <p:cNvSpPr/>
-          <p:nvPr/>
-        </p:nvSpPr>
-        <p:spPr>
-          <a:xfrm>
-            <a:off x="440227" y="213028"/>
-            <a:ext cx="803425" cy="461665"/>
-          </a:xfrm>
-          <a:prstGeom prst="rect">
-            <a:avLst/>
-          </a:prstGeom>
-        </p:spPr>
-        <p:txBody>
-          <a:bodyPr wrap="none">
-            <a:spAutoFit/>
-          </a:bodyPr>
-          <a:lstStyle/>
-          <a:p>
-            <a:r>
-              <a:rPr lang="zh-CN" altLang="en-US" sz="2400" b="1" dirty="0">
-                <a:solidFill>
-                  <a:schemeClr val="tx1">
-                    <a:lumMod val="75000"/>
-                    <a:lumOff val="25000"/>
-                  </a:schemeClr>
-                </a:solidFill>
-                <a:latin typeface="黑体" panose="02010609060101010101" pitchFamily="49" charset="-122"/>
-                <a:ea typeface="黑体" panose="02010609060101010101" pitchFamily="49" charset="-122"/>
-              </a:rPr>
-              <a:t>原型</a:t>
-            </a:r>
-          </a:p>
-        </p:txBody>
-      </p:sp>
-      <p:sp>
-        <p:nvSpPr>
-          <p:cNvPr id="8" name="矩形 7">
-            <a:extLst>
-              <a:ext uri="{FF2B5EF4-FFF2-40B4-BE49-F238E27FC236}">
-                <a16:creationId xmlns:a16="http://schemas.microsoft.com/office/drawing/2014/main" id="{3A53EA4D-19A2-4D2C-922D-1F7B95495F33}"/>
-              </a:ext>
-            </a:extLst>
-          </p:cNvPr>
-          <p:cNvSpPr/>
-          <p:nvPr/>
-        </p:nvSpPr>
-        <p:spPr>
-          <a:xfrm>
-            <a:off x="9498868" y="272988"/>
-            <a:ext cx="2350323" cy="461665"/>
-          </a:xfrm>
-          <a:prstGeom prst="rect">
-            <a:avLst/>
-          </a:prstGeom>
-        </p:spPr>
-        <p:txBody>
-          <a:bodyPr wrap="none">
-            <a:spAutoFit/>
-          </a:bodyPr>
-          <a:lstStyle/>
-          <a:p>
-            <a:r>
-              <a:rPr lang="zh-CN" altLang="en-US" sz="2400" b="1" dirty="0">
-                <a:solidFill>
-                  <a:schemeClr val="tx1">
-                    <a:lumMod val="75000"/>
-                    <a:lumOff val="25000"/>
-                  </a:schemeClr>
-                </a:solidFill>
-                <a:latin typeface="黑体" panose="02010609060101010101" pitchFamily="49" charset="-122"/>
-                <a:ea typeface="黑体" panose="02010609060101010101" pitchFamily="49" charset="-122"/>
-              </a:rPr>
-              <a:t>绘图和原型工具</a:t>
-            </a:r>
-          </a:p>
-        </p:txBody>
-      </p:sp>
       <p:pic>
         <p:nvPicPr>
-          <p:cNvPr id="10" name="图片 9">
+          <p:cNvPr id="3" name="图片 2">
             <a:extLst>
               <a:ext uri="{FF2B5EF4-FFF2-40B4-BE49-F238E27FC236}">
-                <a16:creationId xmlns:a16="http://schemas.microsoft.com/office/drawing/2014/main" id="{A79654FB-811A-4798-BE07-213966B8E929}"/>
+                <a16:creationId xmlns:a16="http://schemas.microsoft.com/office/drawing/2014/main" id="{77215F18-AD9C-478D-9AAA-84F7559DC12F}"/>
               </a:ext>
             </a:extLst>
           </p:cNvPr>
@@ -8344,73 +7107,20 @@
         </p:blipFill>
         <p:spPr>
           <a:xfrm>
-            <a:off x="9778481" y="922968"/>
-            <a:ext cx="2200041" cy="2276564"/>
-          </a:xfrm>
-          <a:prstGeom prst="rect">
-            <a:avLst/>
-          </a:prstGeom>
-          <a:ln>
-            <a:noFill/>
-          </a:ln>
-          <a:effectLst>
-            <a:outerShdw blurRad="292100" dist="139700" dir="2700000" algn="tl" rotWithShape="0">
-              <a:srgbClr val="333333">
-                <a:alpha val="65000"/>
-              </a:srgbClr>
-            </a:outerShdw>
-          </a:effectLst>
+            <a:off x="888788" y="849393"/>
+            <a:ext cx="4877223" cy="5464013"/>
+          </a:xfrm>
+          <a:prstGeom prst="rect">
+            <a:avLst/>
+          </a:prstGeom>
         </p:spPr>
       </p:pic>
-      <p:sp>
-        <p:nvSpPr>
-          <p:cNvPr id="11" name="矩形 10">
-            <a:extLst>
-              <a:ext uri="{FF2B5EF4-FFF2-40B4-BE49-F238E27FC236}">
-                <a16:creationId xmlns:a16="http://schemas.microsoft.com/office/drawing/2014/main" id="{0A732F11-326B-4082-A381-658F28987C6B}"/>
-              </a:ext>
-            </a:extLst>
-          </p:cNvPr>
-          <p:cNvSpPr/>
-          <p:nvPr/>
-        </p:nvSpPr>
-        <p:spPr>
-          <a:xfrm>
-            <a:off x="549601" y="1001401"/>
-            <a:ext cx="1422184" cy="461665"/>
-          </a:xfrm>
-          <a:prstGeom prst="rect">
-            <a:avLst/>
-          </a:prstGeom>
-        </p:spPr>
-        <p:txBody>
-          <a:bodyPr wrap="none">
-            <a:spAutoFit/>
-          </a:bodyPr>
-          <a:lstStyle/>
-          <a:p>
-            <a:r>
-              <a:rPr lang="zh-CN" altLang="en-US" sz="2400" b="1" dirty="0">
-                <a:solidFill>
-                  <a:schemeClr val="tx1">
-                    <a:lumMod val="75000"/>
-                    <a:lumOff val="25000"/>
-                  </a:schemeClr>
-                </a:solidFill>
-                <a:latin typeface="黑体" panose="02010609060101010101" pitchFamily="49" charset="-122"/>
-                <a:ea typeface="黑体" panose="02010609060101010101" pitchFamily="49" charset="-122"/>
-              </a:rPr>
-              <a:t>注册界面</a:t>
-            </a:r>
-          </a:p>
-        </p:txBody>
-      </p:sp>
       <p:pic>
         <p:nvPicPr>
-          <p:cNvPr id="12" name="图片 11">
+          <p:cNvPr id="5" name="图片 4">
             <a:extLst>
               <a:ext uri="{FF2B5EF4-FFF2-40B4-BE49-F238E27FC236}">
-                <a16:creationId xmlns:a16="http://schemas.microsoft.com/office/drawing/2014/main" id="{B0C64BB8-E32C-4DF2-94F9-5A23E7976B01}"/>
+                <a16:creationId xmlns:a16="http://schemas.microsoft.com/office/drawing/2014/main" id="{CB559F7D-8DDC-4AE9-B003-B8F1FD802ECE}"/>
               </a:ext>
             </a:extLst>
           </p:cNvPr>
@@ -8420,310 +7130,15 @@
           <p:nvPr/>
         </p:nvPicPr>
         <p:blipFill>
-          <a:blip r:embed="rId3">
-            <a:extLst>
-              <a:ext uri="{28A0092B-C50C-407E-A947-70E740481C1C}">
-                <a14:useLocalDpi xmlns:a14="http://schemas.microsoft.com/office/drawing/2010/main" val="0"/>
-              </a:ext>
-            </a:extLst>
-          </a:blip>
-          <a:srcRect/>
+          <a:blip r:embed="rId3"/>
           <a:stretch>
             <a:fillRect/>
           </a:stretch>
         </p:blipFill>
-        <p:spPr bwMode="auto">
-          <a:xfrm>
-            <a:off x="440227" y="1637453"/>
-            <a:ext cx="2189480" cy="4632960"/>
-          </a:xfrm>
-          <a:prstGeom prst="rect">
-            <a:avLst/>
-          </a:prstGeom>
-          <a:noFill/>
-          <a:ln>
-            <a:noFill/>
-          </a:ln>
-        </p:spPr>
-      </p:pic>
-      <p:sp>
-        <p:nvSpPr>
-          <p:cNvPr id="13" name="矩形 12">
-            <a:extLst>
-              <a:ext uri="{FF2B5EF4-FFF2-40B4-BE49-F238E27FC236}">
-                <a16:creationId xmlns:a16="http://schemas.microsoft.com/office/drawing/2014/main" id="{BA494FA0-DB64-4C74-97A5-747A260ABBF4}"/>
-              </a:ext>
-            </a:extLst>
-          </p:cNvPr>
-          <p:cNvSpPr/>
-          <p:nvPr/>
-        </p:nvSpPr>
-        <p:spPr>
-          <a:xfrm>
-            <a:off x="7471948" y="922968"/>
-            <a:ext cx="2040943" cy="461665"/>
-          </a:xfrm>
-          <a:prstGeom prst="rect">
-            <a:avLst/>
-          </a:prstGeom>
-        </p:spPr>
-        <p:txBody>
-          <a:bodyPr wrap="none">
-            <a:spAutoFit/>
-          </a:bodyPr>
-          <a:lstStyle/>
-          <a:p>
-            <a:r>
-              <a:rPr lang="zh-CN" altLang="en-US" sz="2400" b="1" dirty="0">
-                <a:solidFill>
-                  <a:schemeClr val="tx1">
-                    <a:lumMod val="75000"/>
-                    <a:lumOff val="25000"/>
-                  </a:schemeClr>
-                </a:solidFill>
-                <a:latin typeface="黑体" panose="02010609060101010101" pitchFamily="49" charset="-122"/>
-                <a:ea typeface="黑体" panose="02010609060101010101" pitchFamily="49" charset="-122"/>
-              </a:rPr>
-              <a:t>课程任务界面</a:t>
-            </a:r>
-          </a:p>
-        </p:txBody>
-      </p:sp>
-      <p:sp>
-        <p:nvSpPr>
-          <p:cNvPr id="14" name="矩形 13">
-            <a:extLst>
-              <a:ext uri="{FF2B5EF4-FFF2-40B4-BE49-F238E27FC236}">
-                <a16:creationId xmlns:a16="http://schemas.microsoft.com/office/drawing/2014/main" id="{718B2FE5-01E3-4236-9AA6-8A6D74450399}"/>
-              </a:ext>
-            </a:extLst>
-          </p:cNvPr>
-          <p:cNvSpPr/>
-          <p:nvPr/>
-        </p:nvSpPr>
-        <p:spPr>
-          <a:xfrm>
-            <a:off x="5351151" y="922968"/>
-            <a:ext cx="1422184" cy="461665"/>
-          </a:xfrm>
-          <a:prstGeom prst="rect">
-            <a:avLst/>
-          </a:prstGeom>
-        </p:spPr>
-        <p:txBody>
-          <a:bodyPr wrap="none">
-            <a:spAutoFit/>
-          </a:bodyPr>
-          <a:lstStyle/>
-          <a:p>
-            <a:r>
-              <a:rPr lang="zh-CN" altLang="en-US" sz="2400" b="1" dirty="0">
-                <a:solidFill>
-                  <a:schemeClr val="tx1">
-                    <a:lumMod val="75000"/>
-                    <a:lumOff val="25000"/>
-                  </a:schemeClr>
-                </a:solidFill>
-                <a:latin typeface="黑体" panose="02010609060101010101" pitchFamily="49" charset="-122"/>
-                <a:ea typeface="黑体" panose="02010609060101010101" pitchFamily="49" charset="-122"/>
-              </a:rPr>
-              <a:t>课表界面</a:t>
-            </a:r>
-          </a:p>
-        </p:txBody>
-      </p:sp>
-      <p:sp>
-        <p:nvSpPr>
-          <p:cNvPr id="15" name="矩形 14">
-            <a:extLst>
-              <a:ext uri="{FF2B5EF4-FFF2-40B4-BE49-F238E27FC236}">
-                <a16:creationId xmlns:a16="http://schemas.microsoft.com/office/drawing/2014/main" id="{D0FAFDA4-246C-4B28-BA83-BB0F43CCF0FE}"/>
-              </a:ext>
-            </a:extLst>
-          </p:cNvPr>
-          <p:cNvSpPr/>
-          <p:nvPr/>
-        </p:nvSpPr>
-        <p:spPr>
-          <a:xfrm>
-            <a:off x="3165801" y="922968"/>
-            <a:ext cx="1422184" cy="461665"/>
-          </a:xfrm>
-          <a:prstGeom prst="rect">
-            <a:avLst/>
-          </a:prstGeom>
-        </p:spPr>
-        <p:txBody>
-          <a:bodyPr wrap="none">
-            <a:spAutoFit/>
-          </a:bodyPr>
-          <a:lstStyle/>
-          <a:p>
-            <a:r>
-              <a:rPr lang="zh-CN" altLang="en-US" sz="2400" b="1" dirty="0">
-                <a:solidFill>
-                  <a:schemeClr val="tx1">
-                    <a:lumMod val="75000"/>
-                    <a:lumOff val="25000"/>
-                  </a:schemeClr>
-                </a:solidFill>
-                <a:latin typeface="黑体" panose="02010609060101010101" pitchFamily="49" charset="-122"/>
-                <a:ea typeface="黑体" panose="02010609060101010101" pitchFamily="49" charset="-122"/>
-              </a:rPr>
-              <a:t>登录界面</a:t>
-            </a:r>
-          </a:p>
-        </p:txBody>
-      </p:sp>
-      <p:pic>
-        <p:nvPicPr>
-          <p:cNvPr id="16" name="图片 15">
-            <a:extLst>
-              <a:ext uri="{FF2B5EF4-FFF2-40B4-BE49-F238E27FC236}">
-                <a16:creationId xmlns:a16="http://schemas.microsoft.com/office/drawing/2014/main" id="{8EAD2906-E09E-4837-8894-6346C21573FE}"/>
-              </a:ext>
-            </a:extLst>
-          </p:cNvPr>
-          <p:cNvPicPr>
-            <a:picLocks noChangeAspect="1"/>
-          </p:cNvPicPr>
-          <p:nvPr/>
-        </p:nvPicPr>
-        <p:blipFill>
-          <a:blip r:embed="rId4">
-            <a:extLst>
-              <a:ext uri="{28A0092B-C50C-407E-A947-70E740481C1C}">
-                <a14:useLocalDpi xmlns:a14="http://schemas.microsoft.com/office/drawing/2010/main" val="0"/>
-              </a:ext>
-            </a:extLst>
-          </a:blip>
-          <a:srcRect/>
-          <a:stretch>
-            <a:fillRect/>
-          </a:stretch>
-        </p:blipFill>
-        <p:spPr bwMode="auto">
-          <a:xfrm>
-            <a:off x="2962204" y="1621160"/>
-            <a:ext cx="2133600" cy="4643120"/>
-          </a:xfrm>
-          <a:prstGeom prst="rect">
-            <a:avLst/>
-          </a:prstGeom>
-          <a:noFill/>
-          <a:ln>
-            <a:noFill/>
-          </a:ln>
-        </p:spPr>
-      </p:pic>
-      <p:pic>
-        <p:nvPicPr>
-          <p:cNvPr id="17" name="图片 16">
-            <a:extLst>
-              <a:ext uri="{FF2B5EF4-FFF2-40B4-BE49-F238E27FC236}">
-                <a16:creationId xmlns:a16="http://schemas.microsoft.com/office/drawing/2014/main" id="{EEB85472-BC0D-40BF-97EF-CF6B3EE7959F}"/>
-              </a:ext>
-            </a:extLst>
-          </p:cNvPr>
-          <p:cNvPicPr>
-            <a:picLocks noChangeAspect="1"/>
-          </p:cNvPicPr>
-          <p:nvPr/>
-        </p:nvPicPr>
-        <p:blipFill>
-          <a:blip r:embed="rId5" cstate="print">
-            <a:extLst>
-              <a:ext uri="{28A0092B-C50C-407E-A947-70E740481C1C}">
-                <a14:useLocalDpi xmlns:a14="http://schemas.microsoft.com/office/drawing/2010/main" val="0"/>
-              </a:ext>
-            </a:extLst>
-          </a:blip>
-          <a:srcRect/>
-          <a:stretch>
-            <a:fillRect/>
-          </a:stretch>
-        </p:blipFill>
-        <p:spPr bwMode="auto">
-          <a:xfrm>
-            <a:off x="5175575" y="1840229"/>
-            <a:ext cx="2016760" cy="3248237"/>
-          </a:xfrm>
-          <a:prstGeom prst="rect">
-            <a:avLst/>
-          </a:prstGeom>
-          <a:noFill/>
-          <a:ln>
-            <a:noFill/>
-          </a:ln>
-        </p:spPr>
-      </p:pic>
-      <p:sp>
-        <p:nvSpPr>
-          <p:cNvPr id="20" name="矩形 19">
-            <a:extLst>
-              <a:ext uri="{FF2B5EF4-FFF2-40B4-BE49-F238E27FC236}">
-                <a16:creationId xmlns:a16="http://schemas.microsoft.com/office/drawing/2014/main" id="{57F1D1E4-20C7-4232-B9B1-8D67AD755615}"/>
-              </a:ext>
-            </a:extLst>
-          </p:cNvPr>
-          <p:cNvSpPr/>
-          <p:nvPr/>
-        </p:nvSpPr>
-        <p:spPr>
-          <a:xfrm>
-            <a:off x="10948348" y="3492268"/>
-            <a:ext cx="803425" cy="461665"/>
-          </a:xfrm>
-          <a:prstGeom prst="rect">
-            <a:avLst/>
-          </a:prstGeom>
-        </p:spPr>
-        <p:txBody>
-          <a:bodyPr wrap="none">
-            <a:spAutoFit/>
-          </a:bodyPr>
-          <a:lstStyle/>
-          <a:p>
-            <a:r>
-              <a:rPr lang="zh-CN" altLang="en-US" sz="2400" b="1" dirty="0">
-                <a:solidFill>
-                  <a:schemeClr val="tx1">
-                    <a:lumMod val="75000"/>
-                    <a:lumOff val="25000"/>
-                  </a:schemeClr>
-                </a:solidFill>
-                <a:latin typeface="黑体" panose="02010609060101010101" pitchFamily="49" charset="-122"/>
-                <a:ea typeface="黑体" panose="02010609060101010101" pitchFamily="49" charset="-122"/>
-              </a:rPr>
-              <a:t>墨刀</a:t>
-            </a:r>
-          </a:p>
-        </p:txBody>
-      </p:sp>
-      <p:pic>
-        <p:nvPicPr>
-          <p:cNvPr id="3" name="图片 2">
-            <a:extLst>
-              <a:ext uri="{FF2B5EF4-FFF2-40B4-BE49-F238E27FC236}">
-                <a16:creationId xmlns:a16="http://schemas.microsoft.com/office/drawing/2014/main" id="{4B67B9C5-E042-4B97-8AD3-E36C0463D6E4}"/>
-              </a:ext>
-            </a:extLst>
-          </p:cNvPr>
-          <p:cNvPicPr>
-            <a:picLocks noChangeAspect="1"/>
-          </p:cNvPicPr>
-          <p:nvPr/>
-        </p:nvPicPr>
-        <p:blipFill>
-          <a:blip r:embed="rId6"/>
-          <a:stretch>
-            <a:fillRect/>
-          </a:stretch>
-        </p:blipFill>
-        <p:spPr>
-          <a:xfrm>
-            <a:off x="7681950" y="1840229"/>
-            <a:ext cx="1698033" cy="3248237"/>
+        <p:spPr>
+          <a:xfrm>
+            <a:off x="5998845" y="849393"/>
+            <a:ext cx="4884843" cy="5425910"/>
           </a:xfrm>
           <a:prstGeom prst="rect">
             <a:avLst/>
@@ -8733,7 +7148,7 @@
     </p:spTree>
     <p:extLst>
       <p:ext uri="{BB962C8B-B14F-4D97-AF65-F5344CB8AC3E}">
-        <p14:creationId xmlns:p14="http://schemas.microsoft.com/office/powerpoint/2010/main" val="3031939654"/>
+        <p14:creationId xmlns:p14="http://schemas.microsoft.com/office/powerpoint/2010/main" val="3241161009"/>
       </p:ext>
     </p:extLst>
   </p:cSld>
@@ -8799,10 +7214,10 @@
       </p:sp>
       <p:sp>
         <p:nvSpPr>
-          <p:cNvPr id="11" name="矩形 10">
+          <p:cNvPr id="8" name="矩形 7">
             <a:extLst>
               <a:ext uri="{FF2B5EF4-FFF2-40B4-BE49-F238E27FC236}">
-                <a16:creationId xmlns:a16="http://schemas.microsoft.com/office/drawing/2014/main" id="{0A732F11-326B-4082-A381-658F28987C6B}"/>
+                <a16:creationId xmlns:a16="http://schemas.microsoft.com/office/drawing/2014/main" id="{3A53EA4D-19A2-4D2C-922D-1F7B95495F33}"/>
               </a:ext>
             </a:extLst>
           </p:cNvPr>
@@ -8811,8 +7226,8 @@
         </p:nvSpPr>
         <p:spPr>
           <a:xfrm>
-            <a:off x="315305" y="887909"/>
-            <a:ext cx="2659702" cy="461665"/>
+            <a:off x="9498868" y="272988"/>
+            <a:ext cx="2350323" cy="461665"/>
           </a:xfrm>
           <a:prstGeom prst="rect">
             <a:avLst/>
@@ -8835,17 +7250,57 @@
                 <a:latin typeface="黑体" panose="02010609060101010101" pitchFamily="49" charset="-122"/>
                 <a:ea typeface="黑体" panose="02010609060101010101" pitchFamily="49" charset="-122"/>
               </a:rPr>
-              <a:t>添加闹钟提示界面</a:t>
-            </a:r>
-          </a:p>
-        </p:txBody>
-      </p:sp>
-      <p:sp>
-        <p:nvSpPr>
-          <p:cNvPr id="13" name="矩形 12">
+              <a:t>绘图和原型工具</a:t>
+            </a:r>
+          </a:p>
+        </p:txBody>
+      </p:sp>
+      <p:pic>
+        <p:nvPicPr>
+          <p:cNvPr id="10" name="图片 9">
             <a:extLst>
               <a:ext uri="{FF2B5EF4-FFF2-40B4-BE49-F238E27FC236}">
-                <a16:creationId xmlns:a16="http://schemas.microsoft.com/office/drawing/2014/main" id="{BA494FA0-DB64-4C74-97A5-747A260ABBF4}"/>
+                <a16:creationId xmlns:a16="http://schemas.microsoft.com/office/drawing/2014/main" id="{A79654FB-811A-4798-BE07-213966B8E929}"/>
+              </a:ext>
+            </a:extLst>
+          </p:cNvPr>
+          <p:cNvPicPr>
+            <a:picLocks noChangeAspect="1"/>
+          </p:cNvPicPr>
+          <p:nvPr/>
+        </p:nvPicPr>
+        <p:blipFill>
+          <a:blip r:embed="rId2"/>
+          <a:stretch>
+            <a:fillRect/>
+          </a:stretch>
+        </p:blipFill>
+        <p:spPr>
+          <a:xfrm>
+            <a:off x="9778481" y="922968"/>
+            <a:ext cx="2200041" cy="2276564"/>
+          </a:xfrm>
+          <a:prstGeom prst="rect">
+            <a:avLst/>
+          </a:prstGeom>
+          <a:ln>
+            <a:noFill/>
+          </a:ln>
+          <a:effectLst>
+            <a:outerShdw blurRad="292100" dist="139700" dir="2700000" algn="tl" rotWithShape="0">
+              <a:srgbClr val="333333">
+                <a:alpha val="65000"/>
+              </a:srgbClr>
+            </a:outerShdw>
+          </a:effectLst>
+        </p:spPr>
+      </p:pic>
+      <p:sp>
+        <p:nvSpPr>
+          <p:cNvPr id="11" name="矩形 10">
+            <a:extLst>
+              <a:ext uri="{FF2B5EF4-FFF2-40B4-BE49-F238E27FC236}">
+                <a16:creationId xmlns:a16="http://schemas.microsoft.com/office/drawing/2014/main" id="{0A732F11-326B-4082-A381-658F28987C6B}"/>
               </a:ext>
             </a:extLst>
           </p:cNvPr>
@@ -8854,8 +7309,8 @@
         </p:nvSpPr>
         <p:spPr>
           <a:xfrm>
-            <a:off x="6653343" y="861642"/>
-            <a:ext cx="2040943" cy="461665"/>
+            <a:off x="549601" y="1001401"/>
+            <a:ext cx="1422184" cy="461665"/>
           </a:xfrm>
           <a:prstGeom prst="rect">
             <a:avLst/>
@@ -8878,17 +7333,58 @@
                 <a:latin typeface="黑体" panose="02010609060101010101" pitchFamily="49" charset="-122"/>
                 <a:ea typeface="黑体" panose="02010609060101010101" pitchFamily="49" charset="-122"/>
               </a:rPr>
-              <a:t>闹钟提示列表</a:t>
-            </a:r>
-          </a:p>
-        </p:txBody>
-      </p:sp>
-      <p:sp>
-        <p:nvSpPr>
-          <p:cNvPr id="15" name="矩形 14">
+              <a:t>注册界面</a:t>
+            </a:r>
+          </a:p>
+        </p:txBody>
+      </p:sp>
+      <p:pic>
+        <p:nvPicPr>
+          <p:cNvPr id="12" name="图片 11">
             <a:extLst>
               <a:ext uri="{FF2B5EF4-FFF2-40B4-BE49-F238E27FC236}">
-                <a16:creationId xmlns:a16="http://schemas.microsoft.com/office/drawing/2014/main" id="{D0FAFDA4-246C-4B28-BA83-BB0F43CCF0FE}"/>
+                <a16:creationId xmlns:a16="http://schemas.microsoft.com/office/drawing/2014/main" id="{B0C64BB8-E32C-4DF2-94F9-5A23E7976B01}"/>
+              </a:ext>
+            </a:extLst>
+          </p:cNvPr>
+          <p:cNvPicPr>
+            <a:picLocks noChangeAspect="1"/>
+          </p:cNvPicPr>
+          <p:nvPr/>
+        </p:nvPicPr>
+        <p:blipFill>
+          <a:blip r:embed="rId3">
+            <a:extLst>
+              <a:ext uri="{28A0092B-C50C-407E-A947-70E740481C1C}">
+                <a14:useLocalDpi xmlns:a14="http://schemas.microsoft.com/office/drawing/2010/main" val="0"/>
+              </a:ext>
+            </a:extLst>
+          </a:blip>
+          <a:srcRect/>
+          <a:stretch>
+            <a:fillRect/>
+          </a:stretch>
+        </p:blipFill>
+        <p:spPr bwMode="auto">
+          <a:xfrm>
+            <a:off x="440227" y="1637453"/>
+            <a:ext cx="2189480" cy="4632960"/>
+          </a:xfrm>
+          <a:prstGeom prst="rect">
+            <a:avLst/>
+          </a:prstGeom>
+          <a:noFill/>
+          <a:ln>
+            <a:noFill/>
+          </a:ln>
+        </p:spPr>
+      </p:pic>
+      <p:sp>
+        <p:nvSpPr>
+          <p:cNvPr id="13" name="矩形 12">
+            <a:extLst>
+              <a:ext uri="{FF2B5EF4-FFF2-40B4-BE49-F238E27FC236}">
+                <a16:creationId xmlns:a16="http://schemas.microsoft.com/office/drawing/2014/main" id="{BA494FA0-DB64-4C74-97A5-747A260ABBF4}"/>
               </a:ext>
             </a:extLst>
           </p:cNvPr>
@@ -8897,8 +7393,8 @@
         </p:nvSpPr>
         <p:spPr>
           <a:xfrm>
-            <a:off x="3542991" y="878920"/>
-            <a:ext cx="2659702" cy="461665"/>
+            <a:off x="7471948" y="922968"/>
+            <a:ext cx="2040943" cy="461665"/>
           </a:xfrm>
           <a:prstGeom prst="rect">
             <a:avLst/>
@@ -8921,99 +7417,17 @@
                 <a:latin typeface="黑体" panose="02010609060101010101" pitchFamily="49" charset="-122"/>
                 <a:ea typeface="黑体" panose="02010609060101010101" pitchFamily="49" charset="-122"/>
               </a:rPr>
-              <a:t>添加课程任务界面</a:t>
-            </a:r>
-          </a:p>
-        </p:txBody>
-      </p:sp>
-      <p:pic>
-        <p:nvPicPr>
-          <p:cNvPr id="20" name="图片 19">
+              <a:t>课程任务界面</a:t>
+            </a:r>
+          </a:p>
+        </p:txBody>
+      </p:sp>
+      <p:sp>
+        <p:nvSpPr>
+          <p:cNvPr id="14" name="矩形 13">
             <a:extLst>
               <a:ext uri="{FF2B5EF4-FFF2-40B4-BE49-F238E27FC236}">
-                <a16:creationId xmlns:a16="http://schemas.microsoft.com/office/drawing/2014/main" id="{83338E02-9B50-437B-8154-77E6C315B758}"/>
-              </a:ext>
-            </a:extLst>
-          </p:cNvPr>
-          <p:cNvPicPr>
-            <a:picLocks noChangeAspect="1"/>
-          </p:cNvPicPr>
-          <p:nvPr/>
-        </p:nvPicPr>
-        <p:blipFill>
-          <a:blip r:embed="rId2" cstate="print">
-            <a:extLst>
-              <a:ext uri="{28A0092B-C50C-407E-A947-70E740481C1C}">
-                <a14:useLocalDpi xmlns:a14="http://schemas.microsoft.com/office/drawing/2010/main" val="0"/>
-              </a:ext>
-            </a:extLst>
-          </a:blip>
-          <a:srcRect/>
-          <a:stretch>
-            <a:fillRect/>
-          </a:stretch>
-        </p:blipFill>
-        <p:spPr bwMode="auto">
-          <a:xfrm>
-            <a:off x="570684" y="1770516"/>
-            <a:ext cx="2026920" cy="4019975"/>
-          </a:xfrm>
-          <a:prstGeom prst="rect">
-            <a:avLst/>
-          </a:prstGeom>
-          <a:noFill/>
-          <a:ln>
-            <a:noFill/>
-          </a:ln>
-        </p:spPr>
-      </p:pic>
-      <p:pic>
-        <p:nvPicPr>
-          <p:cNvPr id="21" name="图片 20">
-            <a:extLst>
-              <a:ext uri="{FF2B5EF4-FFF2-40B4-BE49-F238E27FC236}">
-                <a16:creationId xmlns:a16="http://schemas.microsoft.com/office/drawing/2014/main" id="{97E87D65-DCDB-439C-B3DB-EC5AD6119AB6}"/>
-              </a:ext>
-            </a:extLst>
-          </p:cNvPr>
-          <p:cNvPicPr>
-            <a:picLocks noChangeAspect="1"/>
-          </p:cNvPicPr>
-          <p:nvPr/>
-        </p:nvPicPr>
-        <p:blipFill>
-          <a:blip r:embed="rId3" cstate="print">
-            <a:extLst>
-              <a:ext uri="{28A0092B-C50C-407E-A947-70E740481C1C}">
-                <a14:useLocalDpi xmlns:a14="http://schemas.microsoft.com/office/drawing/2010/main" val="0"/>
-              </a:ext>
-            </a:extLst>
-          </a:blip>
-          <a:srcRect/>
-          <a:stretch>
-            <a:fillRect/>
-          </a:stretch>
-        </p:blipFill>
-        <p:spPr bwMode="auto">
-          <a:xfrm>
-            <a:off x="3778121" y="1666013"/>
-            <a:ext cx="2083395" cy="4112665"/>
-          </a:xfrm>
-          <a:prstGeom prst="rect">
-            <a:avLst/>
-          </a:prstGeom>
-          <a:noFill/>
-          <a:ln>
-            <a:noFill/>
-          </a:ln>
-        </p:spPr>
-      </p:pic>
-      <p:sp>
-        <p:nvSpPr>
-          <p:cNvPr id="24" name="矩形 23">
-            <a:extLst>
-              <a:ext uri="{FF2B5EF4-FFF2-40B4-BE49-F238E27FC236}">
-                <a16:creationId xmlns:a16="http://schemas.microsoft.com/office/drawing/2014/main" id="{82654DA1-986D-43BA-B477-D1F670D7184A}"/>
+                <a16:creationId xmlns:a16="http://schemas.microsoft.com/office/drawing/2014/main" id="{718B2FE5-01E3-4236-9AA6-8A6D74450399}"/>
               </a:ext>
             </a:extLst>
           </p:cNvPr>
@@ -9022,8 +7436,8 @@
         </p:nvSpPr>
         <p:spPr>
           <a:xfrm>
-            <a:off x="9575069" y="861642"/>
-            <a:ext cx="2040943" cy="461665"/>
+            <a:off x="5351151" y="922968"/>
+            <a:ext cx="1422184" cy="461665"/>
           </a:xfrm>
           <a:prstGeom prst="rect">
             <a:avLst/>
@@ -9046,17 +7460,60 @@
                 <a:latin typeface="黑体" panose="02010609060101010101" pitchFamily="49" charset="-122"/>
                 <a:ea typeface="黑体" panose="02010609060101010101" pitchFamily="49" charset="-122"/>
               </a:rPr>
-              <a:t>个人信息界面</a:t>
+              <a:t>课表界面</a:t>
+            </a:r>
+          </a:p>
+        </p:txBody>
+      </p:sp>
+      <p:sp>
+        <p:nvSpPr>
+          <p:cNvPr id="15" name="矩形 14">
+            <a:extLst>
+              <a:ext uri="{FF2B5EF4-FFF2-40B4-BE49-F238E27FC236}">
+                <a16:creationId xmlns:a16="http://schemas.microsoft.com/office/drawing/2014/main" id="{D0FAFDA4-246C-4B28-BA83-BB0F43CCF0FE}"/>
+              </a:ext>
+            </a:extLst>
+          </p:cNvPr>
+          <p:cNvSpPr/>
+          <p:nvPr/>
+        </p:nvSpPr>
+        <p:spPr>
+          <a:xfrm>
+            <a:off x="3165801" y="922968"/>
+            <a:ext cx="1422184" cy="461665"/>
+          </a:xfrm>
+          <a:prstGeom prst="rect">
+            <a:avLst/>
+          </a:prstGeom>
+        </p:spPr>
+        <p:txBody>
+          <a:bodyPr wrap="none">
+            <a:spAutoFit/>
+          </a:bodyPr>
+          <a:lstStyle/>
+          <a:p>
+            <a:r>
+              <a:rPr lang="zh-CN" altLang="en-US" sz="2400" b="1" dirty="0">
+                <a:solidFill>
+                  <a:schemeClr val="tx1">
+                    <a:lumMod val="75000"/>
+                    <a:lumOff val="25000"/>
+                  </a:schemeClr>
+                </a:solidFill>
+                <a:latin typeface="黑体" panose="02010609060101010101" pitchFamily="49" charset="-122"/>
+                <a:ea typeface="黑体" panose="02010609060101010101" pitchFamily="49" charset="-122"/>
+              </a:rPr>
+              <a:t>登录界面</a:t>
             </a:r>
           </a:p>
         </p:txBody>
       </p:sp>
       <p:pic>
         <p:nvPicPr>
-          <p:cNvPr id="3" name="图片 2">
+          <p:cNvPr id="16" name="图片 15">
             <a:extLst>
               <a:ext uri="{FF2B5EF4-FFF2-40B4-BE49-F238E27FC236}">
-                <a16:creationId xmlns:a16="http://schemas.microsoft.com/office/drawing/2014/main" id="{8A2F4657-17A7-41EB-AB8F-D056F8F9B8B0}"/>
+                <a16:creationId xmlns:a16="http://schemas.microsoft.com/office/drawing/2014/main" id="{8EAD2906-E09E-4837-8894-6346C21573FE}"/>
               </a:ext>
             </a:extLst>
           </p:cNvPr>
@@ -9073,26 +7530,31 @@
               </a:ext>
             </a:extLst>
           </a:blip>
+          <a:srcRect/>
           <a:stretch>
             <a:fillRect/>
           </a:stretch>
         </p:blipFill>
-        <p:spPr>
-          <a:xfrm>
-            <a:off x="9681561" y="1553497"/>
-            <a:ext cx="2139317" cy="4236994"/>
-          </a:xfrm>
-          <a:prstGeom prst="rect">
-            <a:avLst/>
-          </a:prstGeom>
+        <p:spPr bwMode="auto">
+          <a:xfrm>
+            <a:off x="2962204" y="1621160"/>
+            <a:ext cx="2133600" cy="4643120"/>
+          </a:xfrm>
+          <a:prstGeom prst="rect">
+            <a:avLst/>
+          </a:prstGeom>
+          <a:noFill/>
+          <a:ln>
+            <a:noFill/>
+          </a:ln>
         </p:spPr>
       </p:pic>
       <p:pic>
         <p:nvPicPr>
-          <p:cNvPr id="4" name="图片 3">
+          <p:cNvPr id="17" name="图片 16">
             <a:extLst>
               <a:ext uri="{FF2B5EF4-FFF2-40B4-BE49-F238E27FC236}">
-                <a16:creationId xmlns:a16="http://schemas.microsoft.com/office/drawing/2014/main" id="{DC09235A-74FF-4177-9EE8-EEBCA977AFAD}"/>
+                <a16:creationId xmlns:a16="http://schemas.microsoft.com/office/drawing/2014/main" id="{EEB85472-BC0D-40BF-97EF-CF6B3EE7959F}"/>
               </a:ext>
             </a:extLst>
           </p:cNvPr>
@@ -9102,15 +7564,99 @@
           <p:nvPr/>
         </p:nvPicPr>
         <p:blipFill>
-          <a:blip r:embed="rId5"/>
+          <a:blip r:embed="rId5" cstate="print">
+            <a:extLst>
+              <a:ext uri="{28A0092B-C50C-407E-A947-70E740481C1C}">
+                <a14:useLocalDpi xmlns:a14="http://schemas.microsoft.com/office/drawing/2010/main" val="0"/>
+              </a:ext>
+            </a:extLst>
+          </a:blip>
+          <a:srcRect/>
           <a:stretch>
             <a:fillRect/>
           </a:stretch>
         </p:blipFill>
-        <p:spPr>
-          <a:xfrm>
-            <a:off x="6964998" y="1666013"/>
-            <a:ext cx="2227693" cy="4112665"/>
+        <p:spPr bwMode="auto">
+          <a:xfrm>
+            <a:off x="5175575" y="1840229"/>
+            <a:ext cx="2016760" cy="3248237"/>
+          </a:xfrm>
+          <a:prstGeom prst="rect">
+            <a:avLst/>
+          </a:prstGeom>
+          <a:noFill/>
+          <a:ln>
+            <a:noFill/>
+          </a:ln>
+        </p:spPr>
+      </p:pic>
+      <p:sp>
+        <p:nvSpPr>
+          <p:cNvPr id="20" name="矩形 19">
+            <a:extLst>
+              <a:ext uri="{FF2B5EF4-FFF2-40B4-BE49-F238E27FC236}">
+                <a16:creationId xmlns:a16="http://schemas.microsoft.com/office/drawing/2014/main" id="{57F1D1E4-20C7-4232-B9B1-8D67AD755615}"/>
+              </a:ext>
+            </a:extLst>
+          </p:cNvPr>
+          <p:cNvSpPr/>
+          <p:nvPr/>
+        </p:nvSpPr>
+        <p:spPr>
+          <a:xfrm>
+            <a:off x="10948348" y="3492268"/>
+            <a:ext cx="803425" cy="461665"/>
+          </a:xfrm>
+          <a:prstGeom prst="rect">
+            <a:avLst/>
+          </a:prstGeom>
+        </p:spPr>
+        <p:txBody>
+          <a:bodyPr wrap="none">
+            <a:spAutoFit/>
+          </a:bodyPr>
+          <a:lstStyle/>
+          <a:p>
+            <a:r>
+              <a:rPr lang="zh-CN" altLang="en-US" sz="2400" b="1" dirty="0">
+                <a:solidFill>
+                  <a:schemeClr val="tx1">
+                    <a:lumMod val="75000"/>
+                    <a:lumOff val="25000"/>
+                  </a:schemeClr>
+                </a:solidFill>
+                <a:latin typeface="黑体" panose="02010609060101010101" pitchFamily="49" charset="-122"/>
+                <a:ea typeface="黑体" panose="02010609060101010101" pitchFamily="49" charset="-122"/>
+              </a:rPr>
+              <a:t>墨刀</a:t>
+            </a:r>
+          </a:p>
+        </p:txBody>
+      </p:sp>
+      <p:pic>
+        <p:nvPicPr>
+          <p:cNvPr id="3" name="图片 2">
+            <a:extLst>
+              <a:ext uri="{FF2B5EF4-FFF2-40B4-BE49-F238E27FC236}">
+                <a16:creationId xmlns:a16="http://schemas.microsoft.com/office/drawing/2014/main" id="{4B67B9C5-E042-4B97-8AD3-E36C0463D6E4}"/>
+              </a:ext>
+            </a:extLst>
+          </p:cNvPr>
+          <p:cNvPicPr>
+            <a:picLocks noChangeAspect="1"/>
+          </p:cNvPicPr>
+          <p:nvPr/>
+        </p:nvPicPr>
+        <p:blipFill>
+          <a:blip r:embed="rId6"/>
+          <a:stretch>
+            <a:fillRect/>
+          </a:stretch>
+        </p:blipFill>
+        <p:spPr>
+          <a:xfrm>
+            <a:off x="7681950" y="1840229"/>
+            <a:ext cx="1698033" cy="3248237"/>
           </a:xfrm>
           <a:prstGeom prst="rect">
             <a:avLst/>
@@ -9120,7 +7666,7 @@
     </p:spTree>
     <p:extLst>
       <p:ext uri="{BB962C8B-B14F-4D97-AF65-F5344CB8AC3E}">
-        <p14:creationId xmlns:p14="http://schemas.microsoft.com/office/powerpoint/2010/main" val="1472450327"/>
+        <p14:creationId xmlns:p14="http://schemas.microsoft.com/office/powerpoint/2010/main" val="3031939654"/>
       </p:ext>
     </p:extLst>
   </p:cSld>
@@ -9149,21 +7695,21 @@
       </p:grpSpPr>
       <p:sp>
         <p:nvSpPr>
-          <p:cNvPr id="3" name="矩形 2"/>
+          <p:cNvPr id="19" name="矩形 18"/>
           <p:cNvSpPr/>
           <p:nvPr/>
         </p:nvSpPr>
         <p:spPr>
           <a:xfrm>
-            <a:off x="166713" y="83305"/>
-            <a:ext cx="1422184" cy="461665"/>
-          </a:xfrm>
-          <a:prstGeom prst="rect">
-            <a:avLst/>
-          </a:prstGeom>
-        </p:spPr>
-        <p:txBody>
-          <a:bodyPr wrap="none" anchor="t">
+            <a:off x="440227" y="213028"/>
+            <a:ext cx="803425" cy="461665"/>
+          </a:xfrm>
+          <a:prstGeom prst="rect">
+            <a:avLst/>
+          </a:prstGeom>
+        </p:spPr>
+        <p:txBody>
+          <a:bodyPr wrap="none">
             <a:spAutoFit/>
           </a:bodyPr>
           <a:lstStyle/>
@@ -9176,276 +7722,248 @@
                     <a:lumOff val="25000"/>
                   </a:schemeClr>
                 </a:solidFill>
-                <a:latin typeface="黑体" panose="02010609060101010101" charset="-122"/>
-                <a:ea typeface="黑体" panose="02010609060101010101" charset="-122"/>
-              </a:rPr>
-              <a:t>需求冲突</a:t>
-            </a:r>
-          </a:p>
-        </p:txBody>
-      </p:sp>
-      <p:sp>
-        <p:nvSpPr>
-          <p:cNvPr id="6" name="文本框 5"/>
-          <p:cNvSpPr txBox="1"/>
-          <p:nvPr/>
-        </p:nvSpPr>
-        <p:spPr>
-          <a:xfrm>
-            <a:off x="1457011" y="1659653"/>
-            <a:ext cx="9202615" cy="461665"/>
-          </a:xfrm>
-          <a:prstGeom prst="rect">
-            <a:avLst/>
-          </a:prstGeom>
-        </p:spPr>
-        <p:txBody>
-          <a:bodyPr rot="0" spcFirstLastPara="0" vertOverflow="overflow" horzOverflow="overflow" vert="horz" wrap="square" lIns="91440" tIns="45720" rIns="91440" bIns="45720" numCol="1" spcCol="0" rtlCol="0" fromWordArt="0" anchor="t" anchorCtr="0" forceAA="0" compatLnSpc="1">
+                <a:latin typeface="黑体" panose="02010609060101010101" pitchFamily="49" charset="-122"/>
+                <a:ea typeface="黑体" panose="02010609060101010101" pitchFamily="49" charset="-122"/>
+              </a:rPr>
+              <a:t>原型</a:t>
+            </a:r>
+          </a:p>
+        </p:txBody>
+      </p:sp>
+      <p:sp>
+        <p:nvSpPr>
+          <p:cNvPr id="11" name="矩形 10">
+            <a:extLst>
+              <a:ext uri="{FF2B5EF4-FFF2-40B4-BE49-F238E27FC236}">
+                <a16:creationId xmlns:a16="http://schemas.microsoft.com/office/drawing/2014/main" id="{0A732F11-326B-4082-A381-658F28987C6B}"/>
+              </a:ext>
+            </a:extLst>
+          </p:cNvPr>
+          <p:cNvSpPr/>
+          <p:nvPr/>
+        </p:nvSpPr>
+        <p:spPr>
+          <a:xfrm>
+            <a:off x="315305" y="887909"/>
+            <a:ext cx="2659702" cy="461665"/>
+          </a:xfrm>
+          <a:prstGeom prst="rect">
+            <a:avLst/>
+          </a:prstGeom>
+        </p:spPr>
+        <p:txBody>
+          <a:bodyPr wrap="none">
             <a:spAutoFit/>
           </a:bodyPr>
           <a:lstStyle/>
           <a:p>
-            <a:endParaRPr lang="zh-CN" sz="2400" dirty="0">
-              <a:latin typeface="宋体" panose="02010600030101010101" pitchFamily="2" charset="-122"/>
-              <a:ea typeface="宋体" panose="02010600030101010101" pitchFamily="2" charset="-122"/>
-            </a:endParaRPr>
-          </a:p>
-        </p:txBody>
-      </p:sp>
-      <p:sp>
-        <p:nvSpPr>
-          <p:cNvPr id="9" name="矩形 8"/>
+            <a:r>
+              <a:rPr lang="zh-CN" altLang="en-US" sz="2400" b="1" dirty="0">
+                <a:solidFill>
+                  <a:schemeClr val="tx1">
+                    <a:lumMod val="75000"/>
+                    <a:lumOff val="25000"/>
+                  </a:schemeClr>
+                </a:solidFill>
+                <a:latin typeface="黑体" panose="02010609060101010101" pitchFamily="49" charset="-122"/>
+                <a:ea typeface="黑体" panose="02010609060101010101" pitchFamily="49" charset="-122"/>
+              </a:rPr>
+              <a:t>添加闹钟提示界面</a:t>
+            </a:r>
+          </a:p>
+        </p:txBody>
+      </p:sp>
+      <p:sp>
+        <p:nvSpPr>
+          <p:cNvPr id="13" name="矩形 12">
+            <a:extLst>
+              <a:ext uri="{FF2B5EF4-FFF2-40B4-BE49-F238E27FC236}">
+                <a16:creationId xmlns:a16="http://schemas.microsoft.com/office/drawing/2014/main" id="{BA494FA0-DB64-4C74-97A5-747A260ABBF4}"/>
+              </a:ext>
+            </a:extLst>
+          </p:cNvPr>
           <p:cNvSpPr/>
           <p:nvPr/>
         </p:nvSpPr>
         <p:spPr>
           <a:xfrm>
-            <a:off x="1226819" y="1790999"/>
-            <a:ext cx="9949581" cy="1332212"/>
-          </a:xfrm>
-          <a:prstGeom prst="rect">
-            <a:avLst/>
-          </a:prstGeom>
-          <a:solidFill>
-            <a:schemeClr val="tx1">
-              <a:lumMod val="85000"/>
-              <a:lumOff val="15000"/>
-              <a:alpha val="70000"/>
-            </a:schemeClr>
-          </a:solidFill>
+            <a:off x="6653343" y="861642"/>
+            <a:ext cx="2040943" cy="461665"/>
+          </a:xfrm>
+          <a:prstGeom prst="rect">
+            <a:avLst/>
+          </a:prstGeom>
+        </p:spPr>
+        <p:txBody>
+          <a:bodyPr wrap="none">
+            <a:spAutoFit/>
+          </a:bodyPr>
+          <a:lstStyle/>
+          <a:p>
+            <a:r>
+              <a:rPr lang="zh-CN" altLang="en-US" sz="2400" b="1" dirty="0">
+                <a:solidFill>
+                  <a:schemeClr val="tx1">
+                    <a:lumMod val="75000"/>
+                    <a:lumOff val="25000"/>
+                  </a:schemeClr>
+                </a:solidFill>
+                <a:latin typeface="黑体" panose="02010609060101010101" pitchFamily="49" charset="-122"/>
+                <a:ea typeface="黑体" panose="02010609060101010101" pitchFamily="49" charset="-122"/>
+              </a:rPr>
+              <a:t>闹钟提示列表</a:t>
+            </a:r>
+          </a:p>
+        </p:txBody>
+      </p:sp>
+      <p:sp>
+        <p:nvSpPr>
+          <p:cNvPr id="15" name="矩形 14">
+            <a:extLst>
+              <a:ext uri="{FF2B5EF4-FFF2-40B4-BE49-F238E27FC236}">
+                <a16:creationId xmlns:a16="http://schemas.microsoft.com/office/drawing/2014/main" id="{D0FAFDA4-246C-4B28-BA83-BB0F43CCF0FE}"/>
+              </a:ext>
+            </a:extLst>
+          </p:cNvPr>
+          <p:cNvSpPr/>
+          <p:nvPr/>
+        </p:nvSpPr>
+        <p:spPr>
+          <a:xfrm>
+            <a:off x="3542991" y="878920"/>
+            <a:ext cx="2659702" cy="461665"/>
+          </a:xfrm>
+          <a:prstGeom prst="rect">
+            <a:avLst/>
+          </a:prstGeom>
+        </p:spPr>
+        <p:txBody>
+          <a:bodyPr wrap="none">
+            <a:spAutoFit/>
+          </a:bodyPr>
+          <a:lstStyle/>
+          <a:p>
+            <a:r>
+              <a:rPr lang="zh-CN" altLang="en-US" sz="2400" b="1" dirty="0">
+                <a:solidFill>
+                  <a:schemeClr val="tx1">
+                    <a:lumMod val="75000"/>
+                    <a:lumOff val="25000"/>
+                  </a:schemeClr>
+                </a:solidFill>
+                <a:latin typeface="黑体" panose="02010609060101010101" pitchFamily="49" charset="-122"/>
+                <a:ea typeface="黑体" panose="02010609060101010101" pitchFamily="49" charset="-122"/>
+              </a:rPr>
+              <a:t>添加课程任务界面</a:t>
+            </a:r>
+          </a:p>
+        </p:txBody>
+      </p:sp>
+      <p:pic>
+        <p:nvPicPr>
+          <p:cNvPr id="20" name="图片 19">
+            <a:extLst>
+              <a:ext uri="{FF2B5EF4-FFF2-40B4-BE49-F238E27FC236}">
+                <a16:creationId xmlns:a16="http://schemas.microsoft.com/office/drawing/2014/main" id="{83338E02-9B50-437B-8154-77E6C315B758}"/>
+              </a:ext>
+            </a:extLst>
+          </p:cNvPr>
+          <p:cNvPicPr>
+            <a:picLocks noChangeAspect="1"/>
+          </p:cNvPicPr>
+          <p:nvPr/>
+        </p:nvPicPr>
+        <p:blipFill>
+          <a:blip r:embed="rId2" cstate="print">
+            <a:extLst>
+              <a:ext uri="{28A0092B-C50C-407E-A947-70E740481C1C}">
+                <a14:useLocalDpi xmlns:a14="http://schemas.microsoft.com/office/drawing/2010/main" val="0"/>
+              </a:ext>
+            </a:extLst>
+          </a:blip>
+          <a:srcRect/>
+          <a:stretch>
+            <a:fillRect/>
+          </a:stretch>
+        </p:blipFill>
+        <p:spPr bwMode="auto">
+          <a:xfrm>
+            <a:off x="570684" y="1770516"/>
+            <a:ext cx="2026920" cy="4019975"/>
+          </a:xfrm>
+          <a:prstGeom prst="rect">
+            <a:avLst/>
+          </a:prstGeom>
+          <a:noFill/>
           <a:ln>
             <a:noFill/>
           </a:ln>
         </p:spPr>
-        <p:style>
-          <a:lnRef idx="2">
-            <a:schemeClr val="accent1">
-              <a:shade val="50000"/>
-            </a:schemeClr>
-          </a:lnRef>
-          <a:fillRef idx="1">
-            <a:schemeClr val="accent1"/>
-          </a:fillRef>
-          <a:effectRef idx="0">
-            <a:schemeClr val="accent1"/>
-          </a:effectRef>
-          <a:fontRef idx="minor">
-            <a:schemeClr val="lt1"/>
-          </a:fontRef>
-        </p:style>
-        <p:txBody>
-          <a:bodyPr rtlCol="0" anchor="ctr"/>
-          <a:lstStyle/>
-          <a:p>
-            <a:pPr algn="ctr"/>
-            <a:endParaRPr lang="zh-CN" altLang="en-US">
-              <a:solidFill>
-                <a:schemeClr val="bg1"/>
-              </a:solidFill>
-            </a:endParaRPr>
-          </a:p>
-        </p:txBody>
-      </p:sp>
-      <p:sp>
-        <p:nvSpPr>
-          <p:cNvPr id="2" name="文本框 1"/>
-          <p:cNvSpPr txBox="1"/>
-          <p:nvPr/>
-        </p:nvSpPr>
-        <p:spPr>
-          <a:xfrm>
-            <a:off x="4818743" y="1321632"/>
-            <a:ext cx="184731" cy="369332"/>
+      </p:pic>
+      <p:pic>
+        <p:nvPicPr>
+          <p:cNvPr id="21" name="图片 20">
+            <a:extLst>
+              <a:ext uri="{FF2B5EF4-FFF2-40B4-BE49-F238E27FC236}">
+                <a16:creationId xmlns:a16="http://schemas.microsoft.com/office/drawing/2014/main" id="{97E87D65-DCDB-439C-B3DB-EC5AD6119AB6}"/>
+              </a:ext>
+            </a:extLst>
+          </p:cNvPr>
+          <p:cNvPicPr>
+            <a:picLocks noChangeAspect="1"/>
+          </p:cNvPicPr>
+          <p:nvPr/>
+        </p:nvPicPr>
+        <p:blipFill>
+          <a:blip r:embed="rId3" cstate="print">
+            <a:extLst>
+              <a:ext uri="{28A0092B-C50C-407E-A947-70E740481C1C}">
+                <a14:useLocalDpi xmlns:a14="http://schemas.microsoft.com/office/drawing/2010/main" val="0"/>
+              </a:ext>
+            </a:extLst>
+          </a:blip>
+          <a:srcRect/>
+          <a:stretch>
+            <a:fillRect/>
+          </a:stretch>
+        </p:blipFill>
+        <p:spPr bwMode="auto">
+          <a:xfrm>
+            <a:off x="3778121" y="1666013"/>
+            <a:ext cx="2083395" cy="4112665"/>
           </a:xfrm>
           <a:prstGeom prst="rect">
             <a:avLst/>
           </a:prstGeom>
           <a:noFill/>
-        </p:spPr>
-        <p:txBody>
-          <a:bodyPr wrap="none" rtlCol="0">
-            <a:spAutoFit/>
-          </a:bodyPr>
-          <a:lstStyle/>
-          <a:p>
-            <a:endParaRPr lang="zh-CN" altLang="en-US" dirty="0"/>
-          </a:p>
-        </p:txBody>
-      </p:sp>
-      <p:sp>
-        <p:nvSpPr>
-          <p:cNvPr id="4" name="矩形 3"/>
-          <p:cNvSpPr/>
-          <p:nvPr/>
-        </p:nvSpPr>
-        <p:spPr>
-          <a:xfrm>
-            <a:off x="1226820" y="1176386"/>
-            <a:ext cx="1422184" cy="461665"/>
-          </a:xfrm>
-          <a:prstGeom prst="rect">
-            <a:avLst/>
-          </a:prstGeom>
-        </p:spPr>
-        <p:txBody>
-          <a:bodyPr wrap="none" anchor="t">
-            <a:spAutoFit/>
-          </a:bodyPr>
-          <a:lstStyle/>
-          <a:p>
-            <a:r>
-              <a:rPr lang="zh-CN" altLang="en-US" sz="2400" b="1" dirty="0">
-                <a:solidFill>
-                  <a:srgbClr val="449F9E"/>
-                </a:solidFill>
-                <a:uFillTx/>
-                <a:latin typeface="黑体" panose="02010609060101010101" charset="-122"/>
-                <a:ea typeface="黑体" panose="02010609060101010101" charset="-122"/>
-              </a:rPr>
-              <a:t>潜在冲突</a:t>
-            </a:r>
-          </a:p>
-        </p:txBody>
-      </p:sp>
-      <p:sp>
-        <p:nvSpPr>
-          <p:cNvPr id="7" name="文本框 6"/>
-          <p:cNvSpPr txBox="1"/>
-          <p:nvPr/>
-        </p:nvSpPr>
-        <p:spPr>
-          <a:xfrm>
-            <a:off x="1240370" y="1912597"/>
-            <a:ext cx="9890206" cy="1200329"/>
-          </a:xfrm>
-          <a:prstGeom prst="rect">
-            <a:avLst/>
-          </a:prstGeom>
-        </p:spPr>
-        <p:txBody>
-          <a:bodyPr rot="0" spcFirstLastPara="0" vertOverflow="overflow" horzOverflow="overflow" vert="horz" wrap="square" lIns="91440" tIns="45720" rIns="91440" bIns="45720" numCol="1" spcCol="0" rtlCol="0" fromWordArt="0" anchor="t" anchorCtr="0" forceAA="0" compatLnSpc="1">
-            <a:spAutoFit/>
-          </a:bodyPr>
-          <a:lstStyle/>
-          <a:p>
-            <a:r>
-              <a:rPr lang="zh-CN" altLang="en-US" sz="2400" dirty="0">
-                <a:solidFill>
-                  <a:schemeClr val="bg1"/>
-                </a:solidFill>
-              </a:rPr>
-              <a:t>      用户认为具体的上课时间地点等应在课表中直接体现，而我组原型</a:t>
-            </a:r>
-            <a:r>
-              <a:rPr lang="en-US" altLang="zh-CN" sz="2400" dirty="0">
-                <a:solidFill>
-                  <a:schemeClr val="bg1"/>
-                </a:solidFill>
-              </a:rPr>
-              <a:t>0.0.1</a:t>
-            </a:r>
-            <a:r>
-              <a:rPr lang="zh-CN" altLang="en-US" sz="2400" dirty="0">
-                <a:solidFill>
-                  <a:schemeClr val="bg1"/>
-                </a:solidFill>
-              </a:rPr>
-              <a:t>是把具体的上课时间地点教师等信息通过点击具体的课程的方式得到</a:t>
-            </a:r>
-          </a:p>
-        </p:txBody>
-      </p:sp>
-      <p:sp>
-        <p:nvSpPr>
-          <p:cNvPr id="12" name="矩形 11"/>
-          <p:cNvSpPr/>
-          <p:nvPr/>
-        </p:nvSpPr>
-        <p:spPr>
-          <a:xfrm>
-            <a:off x="1226819" y="4598681"/>
-            <a:ext cx="9949581" cy="1332212"/>
-          </a:xfrm>
-          <a:prstGeom prst="rect">
-            <a:avLst/>
-          </a:prstGeom>
-          <a:solidFill>
-            <a:schemeClr val="tx1">
-              <a:lumMod val="85000"/>
-              <a:lumOff val="15000"/>
-              <a:alpha val="70000"/>
-            </a:schemeClr>
-          </a:solidFill>
           <a:ln>
             <a:noFill/>
           </a:ln>
         </p:spPr>
-        <p:style>
-          <a:lnRef idx="2">
-            <a:schemeClr val="accent1">
-              <a:shade val="50000"/>
-            </a:schemeClr>
-          </a:lnRef>
-          <a:fillRef idx="1">
-            <a:schemeClr val="accent1"/>
-          </a:fillRef>
-          <a:effectRef idx="0">
-            <a:schemeClr val="accent1"/>
-          </a:effectRef>
-          <a:fontRef idx="minor">
-            <a:schemeClr val="lt1"/>
-          </a:fontRef>
-        </p:style>
-        <p:txBody>
-          <a:bodyPr rtlCol="0" anchor="ctr"/>
-          <a:lstStyle/>
-          <a:p>
-            <a:pPr algn="ctr"/>
-            <a:endParaRPr lang="zh-CN" altLang="en-US" dirty="0">
-              <a:solidFill>
-                <a:schemeClr val="bg1"/>
-              </a:solidFill>
-            </a:endParaRPr>
-          </a:p>
-        </p:txBody>
-      </p:sp>
-      <p:sp>
-        <p:nvSpPr>
-          <p:cNvPr id="14" name="矩形 13"/>
+      </p:pic>
+      <p:sp>
+        <p:nvSpPr>
+          <p:cNvPr id="24" name="矩形 23">
+            <a:extLst>
+              <a:ext uri="{FF2B5EF4-FFF2-40B4-BE49-F238E27FC236}">
+                <a16:creationId xmlns:a16="http://schemas.microsoft.com/office/drawing/2014/main" id="{82654DA1-986D-43BA-B477-D1F670D7184A}"/>
+              </a:ext>
+            </a:extLst>
+          </p:cNvPr>
           <p:cNvSpPr/>
           <p:nvPr/>
         </p:nvSpPr>
         <p:spPr>
           <a:xfrm>
-            <a:off x="1226820" y="3945009"/>
-            <a:ext cx="1422184" cy="461665"/>
-          </a:xfrm>
-          <a:prstGeom prst="rect">
-            <a:avLst/>
-          </a:prstGeom>
-        </p:spPr>
-        <p:txBody>
-          <a:bodyPr wrap="none" anchor="t">
+            <a:off x="9575069" y="861642"/>
+            <a:ext cx="2040943" cy="461665"/>
+          </a:xfrm>
+          <a:prstGeom prst="rect">
+            <a:avLst/>
+          </a:prstGeom>
+        </p:spPr>
+        <p:txBody>
+          <a:bodyPr wrap="none">
             <a:spAutoFit/>
           </a:bodyPr>
           <a:lstStyle/>
@@ -9453,67 +7971,89 @@
             <a:r>
               <a:rPr lang="zh-CN" altLang="en-US" sz="2400" b="1" dirty="0">
                 <a:solidFill>
-                  <a:srgbClr val="6C92C0"/>
+                  <a:schemeClr val="tx1">
+                    <a:lumMod val="75000"/>
+                    <a:lumOff val="25000"/>
+                  </a:schemeClr>
                 </a:solidFill>
-                <a:uFillTx/>
-                <a:latin typeface="黑体" panose="02010609060101010101" charset="-122"/>
-                <a:ea typeface="黑体" panose="02010609060101010101" charset="-122"/>
-              </a:rPr>
-              <a:t>冲突解决</a:t>
-            </a:r>
-          </a:p>
-        </p:txBody>
-      </p:sp>
-      <p:sp>
-        <p:nvSpPr>
-          <p:cNvPr id="15" name="文本框 14"/>
-          <p:cNvSpPr txBox="1"/>
-          <p:nvPr/>
-        </p:nvSpPr>
-        <p:spPr>
-          <a:xfrm>
-            <a:off x="1240370" y="4639441"/>
-            <a:ext cx="9559416" cy="1200329"/>
-          </a:xfrm>
-          <a:prstGeom prst="rect">
-            <a:avLst/>
-          </a:prstGeom>
-        </p:spPr>
-        <p:txBody>
-          <a:bodyPr rot="0" spcFirstLastPara="0" vertOverflow="overflow" horzOverflow="overflow" vert="horz" wrap="square" lIns="91440" tIns="45720" rIns="91440" bIns="45720" numCol="1" spcCol="0" rtlCol="0" fromWordArt="0" anchor="t" anchorCtr="0" forceAA="0" compatLnSpc="1">
-            <a:spAutoFit/>
-          </a:bodyPr>
-          <a:lstStyle/>
-          <a:p>
-            <a:r>
-              <a:rPr lang="en-US" altLang="zh-CN" sz="2400" dirty="0">
-                <a:solidFill>
-                  <a:schemeClr val="bg1"/>
-                </a:solidFill>
-                <a:latin typeface="黑体" panose="02010609060101010101" charset="-122"/>
-                <a:ea typeface="黑体" panose="02010609060101010101" charset="-122"/>
-                <a:cs typeface="Segoe UI" panose="020B0502040204020203"/>
-              </a:rPr>
-              <a:t>    </a:t>
-            </a:r>
-            <a:r>
-              <a:rPr lang="zh-CN" altLang="en-US" sz="2400" dirty="0">
-                <a:solidFill>
-                  <a:schemeClr val="bg1"/>
-                </a:solidFill>
-                <a:latin typeface="黑体" panose="02010609060101010101" charset="-122"/>
-                <a:ea typeface="黑体" panose="02010609060101010101" charset="-122"/>
-                <a:cs typeface="Segoe UI" panose="020B0502040204020203"/>
-              </a:rPr>
-              <a:t>经过考虑我们决定在左侧添加每一节课的上课时间，用户也可以自定义上课时间，而上课地点显示在具体课程下方，而任课教师以及具体每一门课的任务这些详细信息需要通过点击的方法获得</a:t>
-            </a:r>
-          </a:p>
-        </p:txBody>
-      </p:sp>
+                <a:latin typeface="黑体" panose="02010609060101010101" pitchFamily="49" charset="-122"/>
+                <a:ea typeface="黑体" panose="02010609060101010101" pitchFamily="49" charset="-122"/>
+              </a:rPr>
+              <a:t>个人信息界面</a:t>
+            </a:r>
+          </a:p>
+        </p:txBody>
+      </p:sp>
+      <p:pic>
+        <p:nvPicPr>
+          <p:cNvPr id="3" name="图片 2">
+            <a:extLst>
+              <a:ext uri="{FF2B5EF4-FFF2-40B4-BE49-F238E27FC236}">
+                <a16:creationId xmlns:a16="http://schemas.microsoft.com/office/drawing/2014/main" id="{8A2F4657-17A7-41EB-AB8F-D056F8F9B8B0}"/>
+              </a:ext>
+            </a:extLst>
+          </p:cNvPr>
+          <p:cNvPicPr>
+            <a:picLocks noChangeAspect="1"/>
+          </p:cNvPicPr>
+          <p:nvPr/>
+        </p:nvPicPr>
+        <p:blipFill>
+          <a:blip r:embed="rId4">
+            <a:extLst>
+              <a:ext uri="{28A0092B-C50C-407E-A947-70E740481C1C}">
+                <a14:useLocalDpi xmlns:a14="http://schemas.microsoft.com/office/drawing/2010/main" val="0"/>
+              </a:ext>
+            </a:extLst>
+          </a:blip>
+          <a:stretch>
+            <a:fillRect/>
+          </a:stretch>
+        </p:blipFill>
+        <p:spPr>
+          <a:xfrm>
+            <a:off x="9681561" y="1553497"/>
+            <a:ext cx="2139317" cy="4236994"/>
+          </a:xfrm>
+          <a:prstGeom prst="rect">
+            <a:avLst/>
+          </a:prstGeom>
+        </p:spPr>
+      </p:pic>
+      <p:pic>
+        <p:nvPicPr>
+          <p:cNvPr id="4" name="图片 3">
+            <a:extLst>
+              <a:ext uri="{FF2B5EF4-FFF2-40B4-BE49-F238E27FC236}">
+                <a16:creationId xmlns:a16="http://schemas.microsoft.com/office/drawing/2014/main" id="{DC09235A-74FF-4177-9EE8-EEBCA977AFAD}"/>
+              </a:ext>
+            </a:extLst>
+          </p:cNvPr>
+          <p:cNvPicPr>
+            <a:picLocks noChangeAspect="1"/>
+          </p:cNvPicPr>
+          <p:nvPr/>
+        </p:nvPicPr>
+        <p:blipFill>
+          <a:blip r:embed="rId5"/>
+          <a:stretch>
+            <a:fillRect/>
+          </a:stretch>
+        </p:blipFill>
+        <p:spPr>
+          <a:xfrm>
+            <a:off x="6964998" y="1666013"/>
+            <a:ext cx="2227693" cy="4112665"/>
+          </a:xfrm>
+          <a:prstGeom prst="rect">
+            <a:avLst/>
+          </a:prstGeom>
+        </p:spPr>
+      </p:pic>
     </p:spTree>
     <p:extLst>
       <p:ext uri="{BB962C8B-B14F-4D97-AF65-F5344CB8AC3E}">
-        <p14:creationId xmlns:p14="http://schemas.microsoft.com/office/powerpoint/2010/main" val="737259551"/>
+        <p14:creationId xmlns:p14="http://schemas.microsoft.com/office/powerpoint/2010/main" val="1472450327"/>
       </p:ext>
     </p:extLst>
   </p:cSld>
@@ -9542,25 +8082,38 @@
       </p:grpSpPr>
       <p:sp>
         <p:nvSpPr>
-          <p:cNvPr id="3" name="矩形 2"/>
+          <p:cNvPr id="19" name="矩形 18"/>
           <p:cNvSpPr/>
           <p:nvPr/>
         </p:nvSpPr>
         <p:spPr>
           <a:xfrm>
-            <a:off x="166713" y="83305"/>
-            <a:ext cx="1422184" cy="461665"/>
-          </a:xfrm>
-          <a:prstGeom prst="rect">
-            <a:avLst/>
-          </a:prstGeom>
-        </p:spPr>
-        <p:txBody>
-          <a:bodyPr wrap="none" anchor="t">
+            <a:off x="320305" y="272987"/>
+            <a:ext cx="806631" cy="461665"/>
+          </a:xfrm>
+          <a:prstGeom prst="rect">
+            <a:avLst/>
+          </a:prstGeom>
+        </p:spPr>
+        <p:txBody>
+          <a:bodyPr wrap="none">
             <a:spAutoFit/>
           </a:bodyPr>
           <a:lstStyle/>
           <a:p>
+            <a:r>
+              <a:rPr lang="en-US" altLang="zh-CN" sz="2400" b="1" dirty="0">
+                <a:solidFill>
+                  <a:schemeClr val="tx1">
+                    <a:lumMod val="75000"/>
+                    <a:lumOff val="25000"/>
+                  </a:schemeClr>
+                </a:solidFill>
+                <a:latin typeface="黑体" panose="02010609060101010101" pitchFamily="49" charset="-122"/>
+                <a:ea typeface="黑体" panose="02010609060101010101" pitchFamily="49" charset="-122"/>
+              </a:rPr>
+              <a:t>ER</a:t>
+            </a:r>
             <a:r>
               <a:rPr lang="zh-CN" altLang="en-US" sz="2400" b="1" dirty="0">
                 <a:solidFill>
@@ -9569,363 +8122,59 @@
                     <a:lumOff val="25000"/>
                   </a:schemeClr>
                 </a:solidFill>
-                <a:latin typeface="黑体" panose="02010609060101010101" charset="-122"/>
-                <a:ea typeface="黑体" panose="02010609060101010101" charset="-122"/>
-              </a:rPr>
-              <a:t>需求冲突</a:t>
-            </a:r>
-          </a:p>
-        </p:txBody>
-      </p:sp>
-      <p:sp>
-        <p:nvSpPr>
-          <p:cNvPr id="6" name="文本框 5"/>
-          <p:cNvSpPr txBox="1"/>
-          <p:nvPr/>
-        </p:nvSpPr>
-        <p:spPr>
-          <a:xfrm>
-            <a:off x="1457011" y="1659653"/>
-            <a:ext cx="9202615" cy="461665"/>
-          </a:xfrm>
-          <a:prstGeom prst="rect">
-            <a:avLst/>
-          </a:prstGeom>
-        </p:spPr>
-        <p:txBody>
-          <a:bodyPr rot="0" spcFirstLastPara="0" vertOverflow="overflow" horzOverflow="overflow" vert="horz" wrap="square" lIns="91440" tIns="45720" rIns="91440" bIns="45720" numCol="1" spcCol="0" rtlCol="0" fromWordArt="0" anchor="t" anchorCtr="0" forceAA="0" compatLnSpc="1">
-            <a:spAutoFit/>
-          </a:bodyPr>
-          <a:lstStyle/>
-          <a:p>
-            <a:endParaRPr lang="zh-CN" sz="2400" dirty="0">
-              <a:latin typeface="宋体" panose="02010600030101010101" pitchFamily="2" charset="-122"/>
-              <a:ea typeface="宋体" panose="02010600030101010101" pitchFamily="2" charset="-122"/>
-            </a:endParaRPr>
-          </a:p>
-        </p:txBody>
-      </p:sp>
-      <p:sp>
-        <p:nvSpPr>
-          <p:cNvPr id="9" name="矩形 8"/>
-          <p:cNvSpPr/>
-          <p:nvPr/>
-        </p:nvSpPr>
-        <p:spPr>
-          <a:xfrm>
-            <a:off x="1226819" y="1790999"/>
-            <a:ext cx="9949581" cy="1332212"/>
-          </a:xfrm>
-          <a:prstGeom prst="rect">
-            <a:avLst/>
-          </a:prstGeom>
-          <a:solidFill>
-            <a:schemeClr val="tx1">
-              <a:lumMod val="85000"/>
-              <a:lumOff val="15000"/>
-              <a:alpha val="70000"/>
-            </a:schemeClr>
-          </a:solidFill>
+                <a:latin typeface="黑体" panose="02010609060101010101" pitchFamily="49" charset="-122"/>
+                <a:ea typeface="黑体" panose="02010609060101010101" pitchFamily="49" charset="-122"/>
+              </a:rPr>
+              <a:t>图</a:t>
+            </a:r>
+          </a:p>
+        </p:txBody>
+      </p:sp>
+      <p:pic>
+        <p:nvPicPr>
+          <p:cNvPr id="6" name="图片 5">
+            <a:extLst>
+              <a:ext uri="{FF2B5EF4-FFF2-40B4-BE49-F238E27FC236}">
+                <a16:creationId xmlns:a16="http://schemas.microsoft.com/office/drawing/2014/main" id="{10518439-C7A4-4F81-92C6-C282899DF878}"/>
+              </a:ext>
+            </a:extLst>
+          </p:cNvPr>
+          <p:cNvPicPr>
+            <a:picLocks noChangeAspect="1"/>
+          </p:cNvPicPr>
+          <p:nvPr/>
+        </p:nvPicPr>
+        <p:blipFill>
+          <a:blip r:embed="rId2" cstate="print">
+            <a:extLst>
+              <a:ext uri="{28A0092B-C50C-407E-A947-70E740481C1C}">
+                <a14:useLocalDpi xmlns:a14="http://schemas.microsoft.com/office/drawing/2010/main" val="0"/>
+              </a:ext>
+            </a:extLst>
+          </a:blip>
+          <a:srcRect/>
+          <a:stretch>
+            <a:fillRect/>
+          </a:stretch>
+        </p:blipFill>
+        <p:spPr bwMode="auto">
+          <a:xfrm>
+            <a:off x="48003" y="891969"/>
+            <a:ext cx="12143997" cy="4889400"/>
+          </a:xfrm>
+          <a:prstGeom prst="rect">
+            <a:avLst/>
+          </a:prstGeom>
+          <a:noFill/>
           <a:ln>
             <a:noFill/>
           </a:ln>
         </p:spPr>
-        <p:style>
-          <a:lnRef idx="2">
-            <a:schemeClr val="accent1">
-              <a:shade val="50000"/>
-            </a:schemeClr>
-          </a:lnRef>
-          <a:fillRef idx="1">
-            <a:schemeClr val="accent1"/>
-          </a:fillRef>
-          <a:effectRef idx="0">
-            <a:schemeClr val="accent1"/>
-          </a:effectRef>
-          <a:fontRef idx="minor">
-            <a:schemeClr val="lt1"/>
-          </a:fontRef>
-        </p:style>
-        <p:txBody>
-          <a:bodyPr rtlCol="0" anchor="ctr"/>
-          <a:lstStyle/>
-          <a:p>
-            <a:pPr algn="ctr"/>
-            <a:endParaRPr lang="zh-CN" altLang="en-US" dirty="0">
-              <a:solidFill>
-                <a:schemeClr val="bg1"/>
-              </a:solidFill>
-            </a:endParaRPr>
-          </a:p>
-        </p:txBody>
-      </p:sp>
-      <p:sp>
-        <p:nvSpPr>
-          <p:cNvPr id="2" name="文本框 1"/>
-          <p:cNvSpPr txBox="1"/>
-          <p:nvPr/>
-        </p:nvSpPr>
-        <p:spPr>
-          <a:xfrm>
-            <a:off x="4818743" y="1321632"/>
-            <a:ext cx="184731" cy="369332"/>
-          </a:xfrm>
-          <a:prstGeom prst="rect">
-            <a:avLst/>
-          </a:prstGeom>
-          <a:noFill/>
-        </p:spPr>
-        <p:txBody>
-          <a:bodyPr wrap="none" rtlCol="0">
-            <a:spAutoFit/>
-          </a:bodyPr>
-          <a:lstStyle/>
-          <a:p>
-            <a:endParaRPr lang="zh-CN" altLang="en-US" dirty="0"/>
-          </a:p>
-        </p:txBody>
-      </p:sp>
-      <p:sp>
-        <p:nvSpPr>
-          <p:cNvPr id="4" name="矩形 3"/>
-          <p:cNvSpPr/>
-          <p:nvPr/>
-        </p:nvSpPr>
-        <p:spPr>
-          <a:xfrm>
-            <a:off x="1226820" y="1176386"/>
-            <a:ext cx="1422184" cy="461665"/>
-          </a:xfrm>
-          <a:prstGeom prst="rect">
-            <a:avLst/>
-          </a:prstGeom>
-        </p:spPr>
-        <p:txBody>
-          <a:bodyPr wrap="none" anchor="t">
-            <a:spAutoFit/>
-          </a:bodyPr>
-          <a:lstStyle/>
-          <a:p>
-            <a:r>
-              <a:rPr lang="zh-CN" altLang="en-US" sz="2400" b="1" dirty="0">
-                <a:solidFill>
-                  <a:srgbClr val="449F9E"/>
-                </a:solidFill>
-                <a:uFillTx/>
-                <a:latin typeface="黑体" panose="02010609060101010101" charset="-122"/>
-                <a:ea typeface="黑体" panose="02010609060101010101" charset="-122"/>
-              </a:rPr>
-              <a:t>潜在冲突</a:t>
-            </a:r>
-          </a:p>
-        </p:txBody>
-      </p:sp>
-      <p:sp>
-        <p:nvSpPr>
-          <p:cNvPr id="7" name="文本框 6"/>
-          <p:cNvSpPr txBox="1"/>
-          <p:nvPr/>
-        </p:nvSpPr>
-        <p:spPr>
-          <a:xfrm>
-            <a:off x="1240370" y="1912597"/>
-            <a:ext cx="9890206" cy="830997"/>
-          </a:xfrm>
-          <a:prstGeom prst="rect">
-            <a:avLst/>
-          </a:prstGeom>
-        </p:spPr>
-        <p:txBody>
-          <a:bodyPr rot="0" spcFirstLastPara="0" vertOverflow="overflow" horzOverflow="overflow" vert="horz" wrap="square" lIns="91440" tIns="45720" rIns="91440" bIns="45720" numCol="1" spcCol="0" rtlCol="0" fromWordArt="0" anchor="t" anchorCtr="0" forceAA="0" compatLnSpc="1">
-            <a:spAutoFit/>
-          </a:bodyPr>
-          <a:lstStyle/>
-          <a:p>
-            <a:r>
-              <a:rPr lang="zh-CN" altLang="en-US" sz="2400" dirty="0">
-                <a:solidFill>
-                  <a:schemeClr val="bg1"/>
-                </a:solidFill>
-              </a:rPr>
-              <a:t>      用户认为在本软件中需要有一个任务概览的界面，而我组原型</a:t>
-            </a:r>
-            <a:r>
-              <a:rPr lang="en-US" altLang="zh-CN" sz="2400" dirty="0">
-                <a:solidFill>
-                  <a:schemeClr val="bg1"/>
-                </a:solidFill>
-              </a:rPr>
-              <a:t>0.1</a:t>
-            </a:r>
-            <a:r>
-              <a:rPr lang="zh-CN" altLang="en-US" sz="2400" dirty="0">
-                <a:solidFill>
-                  <a:schemeClr val="bg1"/>
-                </a:solidFill>
-              </a:rPr>
-              <a:t>只能点击在单个课程的任务以查看任务</a:t>
-            </a:r>
-          </a:p>
-        </p:txBody>
-      </p:sp>
-      <p:sp>
-        <p:nvSpPr>
-          <p:cNvPr id="12" name="矩形 11"/>
-          <p:cNvSpPr/>
-          <p:nvPr/>
-        </p:nvSpPr>
-        <p:spPr>
-          <a:xfrm>
-            <a:off x="1180995" y="4562366"/>
-            <a:ext cx="9949581" cy="1332212"/>
-          </a:xfrm>
-          <a:prstGeom prst="rect">
-            <a:avLst/>
-          </a:prstGeom>
-          <a:solidFill>
-            <a:schemeClr val="tx1">
-              <a:lumMod val="85000"/>
-              <a:lumOff val="15000"/>
-              <a:alpha val="70000"/>
-            </a:schemeClr>
-          </a:solidFill>
-          <a:ln>
-            <a:noFill/>
-          </a:ln>
-        </p:spPr>
-        <p:style>
-          <a:lnRef idx="2">
-            <a:schemeClr val="accent1">
-              <a:shade val="50000"/>
-            </a:schemeClr>
-          </a:lnRef>
-          <a:fillRef idx="1">
-            <a:schemeClr val="accent1"/>
-          </a:fillRef>
-          <a:effectRef idx="0">
-            <a:schemeClr val="accent1"/>
-          </a:effectRef>
-          <a:fontRef idx="minor">
-            <a:schemeClr val="lt1"/>
-          </a:fontRef>
-        </p:style>
-        <p:txBody>
-          <a:bodyPr rtlCol="0" anchor="ctr"/>
-          <a:lstStyle/>
-          <a:p>
-            <a:pPr algn="ctr"/>
-            <a:endParaRPr lang="zh-CN" altLang="en-US" dirty="0">
-              <a:solidFill>
-                <a:schemeClr val="bg1"/>
-              </a:solidFill>
-            </a:endParaRPr>
-          </a:p>
-        </p:txBody>
-      </p:sp>
-      <p:sp>
-        <p:nvSpPr>
-          <p:cNvPr id="14" name="矩形 13"/>
-          <p:cNvSpPr/>
-          <p:nvPr/>
-        </p:nvSpPr>
-        <p:spPr>
-          <a:xfrm>
-            <a:off x="1226820" y="3945009"/>
-            <a:ext cx="1422184" cy="461665"/>
-          </a:xfrm>
-          <a:prstGeom prst="rect">
-            <a:avLst/>
-          </a:prstGeom>
-        </p:spPr>
-        <p:txBody>
-          <a:bodyPr wrap="none" anchor="t">
-            <a:spAutoFit/>
-          </a:bodyPr>
-          <a:lstStyle/>
-          <a:p>
-            <a:r>
-              <a:rPr lang="zh-CN" altLang="en-US" sz="2400" b="1" dirty="0">
-                <a:solidFill>
-                  <a:srgbClr val="6C92C0"/>
-                </a:solidFill>
-                <a:uFillTx/>
-                <a:latin typeface="黑体" panose="02010609060101010101" charset="-122"/>
-                <a:ea typeface="黑体" panose="02010609060101010101" charset="-122"/>
-              </a:rPr>
-              <a:t>冲突解决</a:t>
-            </a:r>
-          </a:p>
-        </p:txBody>
-      </p:sp>
-      <p:sp>
-        <p:nvSpPr>
-          <p:cNvPr id="15" name="文本框 14"/>
-          <p:cNvSpPr txBox="1"/>
-          <p:nvPr/>
-        </p:nvSpPr>
-        <p:spPr>
-          <a:xfrm>
-            <a:off x="1240370" y="4639441"/>
-            <a:ext cx="9559416" cy="830997"/>
-          </a:xfrm>
-          <a:prstGeom prst="rect">
-            <a:avLst/>
-          </a:prstGeom>
-        </p:spPr>
-        <p:txBody>
-          <a:bodyPr rot="0" spcFirstLastPara="0" vertOverflow="overflow" horzOverflow="overflow" vert="horz" wrap="square" lIns="91440" tIns="45720" rIns="91440" bIns="45720" numCol="1" spcCol="0" rtlCol="0" fromWordArt="0" anchor="t" anchorCtr="0" forceAA="0" compatLnSpc="1">
-            <a:spAutoFit/>
-          </a:bodyPr>
-          <a:lstStyle/>
-          <a:p>
-            <a:r>
-              <a:rPr lang="en-US" altLang="zh-CN" sz="2400" dirty="0">
-                <a:solidFill>
-                  <a:schemeClr val="bg1"/>
-                </a:solidFill>
-                <a:latin typeface="黑体" panose="02010609060101010101" charset="-122"/>
-                <a:ea typeface="黑体" panose="02010609060101010101" charset="-122"/>
-                <a:cs typeface="Segoe UI" panose="020B0502040204020203"/>
-              </a:rPr>
-              <a:t>    </a:t>
-            </a:r>
-            <a:r>
-              <a:rPr lang="zh-CN" altLang="en-US" sz="2400" dirty="0">
-                <a:solidFill>
-                  <a:schemeClr val="bg1"/>
-                </a:solidFill>
-                <a:latin typeface="黑体" panose="02010609060101010101" charset="-122"/>
-                <a:ea typeface="黑体" panose="02010609060101010101" charset="-122"/>
-                <a:cs typeface="Segoe UI" panose="020B0502040204020203"/>
-              </a:rPr>
-              <a:t>经过考虑我们决定在底部导航栏中加入任务按钮，点击它即可查看全局任务，经过完善以上两个问题，我们改进模型至</a:t>
-            </a:r>
-            <a:r>
-              <a:rPr lang="en-US" altLang="zh-CN" sz="2400" dirty="0">
-                <a:solidFill>
-                  <a:schemeClr val="bg1"/>
-                </a:solidFill>
-                <a:latin typeface="黑体" panose="02010609060101010101" charset="-122"/>
-                <a:ea typeface="黑体" panose="02010609060101010101" charset="-122"/>
-                <a:cs typeface="Segoe UI" panose="020B0502040204020203"/>
-              </a:rPr>
-              <a:t>0.0.2</a:t>
-            </a:r>
-            <a:endParaRPr lang="zh-CN" altLang="en-US" sz="2400" dirty="0">
-              <a:solidFill>
-                <a:schemeClr val="bg1"/>
-              </a:solidFill>
-              <a:latin typeface="黑体" panose="02010609060101010101" charset="-122"/>
-              <a:ea typeface="黑体" panose="02010609060101010101" charset="-122"/>
-              <a:cs typeface="Segoe UI" panose="020B0502040204020203"/>
-            </a:endParaRPr>
-          </a:p>
-        </p:txBody>
-      </p:sp>
+      </p:pic>
     </p:spTree>
     <p:extLst>
       <p:ext uri="{BB962C8B-B14F-4D97-AF65-F5344CB8AC3E}">
-        <p14:creationId xmlns:p14="http://schemas.microsoft.com/office/powerpoint/2010/main" val="896398212"/>
+        <p14:creationId xmlns:p14="http://schemas.microsoft.com/office/powerpoint/2010/main" val="1816069485"/>
       </p:ext>
     </p:extLst>
   </p:cSld>
